--- a/OOP_in_Python.pptx
+++ b/OOP_in_Python.pptx
@@ -2,19 +2,19 @@
 <file path=ppt/presentation.xml><?xml version="1.0" encoding="utf-8"?>
 <p:presentation xmlns:a="http://schemas.openxmlformats.org/drawingml/2006/main" xmlns:r="http://schemas.openxmlformats.org/officeDocument/2006/relationships" xmlns:p="http://schemas.openxmlformats.org/presentationml/2006/main" saveSubsetFonts="1" autoCompressPictures="0">
   <p:sldMasterIdLst>
-    <p:sldMasterId id="2147483648" r:id="rId1"/>
+    <p:sldMasterId id="2147483660" r:id="rId1"/>
   </p:sldMasterIdLst>
   <p:sldIdLst>
-    <p:sldId id="256" r:id="rId7"/>
-    <p:sldId id="257" r:id="rId8"/>
-    <p:sldId id="258" r:id="rId9"/>
-    <p:sldId id="259" r:id="rId10"/>
-    <p:sldId id="260" r:id="rId11"/>
-    <p:sldId id="261" r:id="rId12"/>
-    <p:sldId id="262" r:id="rId13"/>
-    <p:sldId id="263" r:id="rId14"/>
-    <p:sldId id="264" r:id="rId15"/>
-    <p:sldId id="265" r:id="rId16"/>
+    <p:sldId id="256" r:id="rId2"/>
+    <p:sldId id="257" r:id="rId3"/>
+    <p:sldId id="258" r:id="rId4"/>
+    <p:sldId id="259" r:id="rId5"/>
+    <p:sldId id="260" r:id="rId6"/>
+    <p:sldId id="261" r:id="rId7"/>
+    <p:sldId id="262" r:id="rId8"/>
+    <p:sldId id="263" r:id="rId9"/>
+    <p:sldId id="264" r:id="rId10"/>
+    <p:sldId id="265" r:id="rId11"/>
   </p:sldIdLst>
   <p:sldSz cx="9144000" cy="6858000" type="screen4x3"/>
   <p:notesSz cx="6858000" cy="9144000"/>
@@ -113,6 +113,22 @@
       </a:defRPr>
     </a:lvl9pPr>
   </p:defaultTextStyle>
+  <p:extLst>
+    <p:ext uri="{EFAFB233-063F-42B5-8137-9DF3F51BA10A}">
+      <p15:sldGuideLst xmlns:p15="http://schemas.microsoft.com/office/powerpoint/2012/main">
+        <p15:guide id="1" orient="horz" pos="2160">
+          <p15:clr>
+            <a:srgbClr val="A4A3A4"/>
+          </p15:clr>
+        </p15:guide>
+        <p15:guide id="2" pos="2880">
+          <p15:clr>
+            <a:srgbClr val="A4A3A4"/>
+          </p15:clr>
+        </p15:guide>
+      </p15:sldGuideLst>
+    </p:ext>
+  </p:extLst>
 </p:presentation>
 </file>
 
@@ -145,19 +161,25 @@
         </p:nvSpPr>
         <p:spPr>
           <a:xfrm>
-            <a:off x="685800" y="2130425"/>
-            <a:ext cx="7772400" cy="1470025"/>
+            <a:off x="1028020" y="1769541"/>
+            <a:ext cx="7080026" cy="1828801"/>
           </a:xfrm>
         </p:spPr>
         <p:txBody>
-          <a:bodyPr/>
-          <a:lstStyle/>
-          <a:p>
-            <a:r>
-              <a:rPr lang="en-US" smtClean="0"/>
+          <a:bodyPr anchor="b">
+            <a:normAutofit/>
+          </a:bodyPr>
+          <a:lstStyle>
+            <a:lvl1pPr algn="ctr">
+              <a:defRPr sz="5400"/>
+            </a:lvl1pPr>
+          </a:lstStyle>
+          <a:p>
+            <a:r>
+              <a:rPr lang="en-US"/>
               <a:t>Click to edit Master title style</a:t>
             </a:r>
-            <a:endParaRPr lang="en-US"/>
+            <a:endParaRPr lang="en-US" dirty="0"/>
           </a:p>
         </p:txBody>
       </p:sp>
@@ -173,20 +195,18 @@
         </p:nvSpPr>
         <p:spPr>
           <a:xfrm>
-            <a:off x="1371600" y="3886200"/>
-            <a:ext cx="6400800" cy="1752600"/>
+            <a:off x="1028020" y="3598339"/>
+            <a:ext cx="7080026" cy="1049867"/>
           </a:xfrm>
         </p:spPr>
         <p:txBody>
-          <a:bodyPr/>
+          <a:bodyPr anchor="t"/>
           <a:lstStyle>
             <a:lvl1pPr marL="0" indent="0" algn="ctr">
               <a:buNone/>
               <a:defRPr>
                 <a:solidFill>
-                  <a:schemeClr val="tx1">
-                    <a:tint val="75000"/>
-                  </a:schemeClr>
+                  <a:schemeClr val="tx1"/>
                 </a:solidFill>
               </a:defRPr>
             </a:lvl1pPr>
@@ -273,10 +293,10 @@
           </a:lstStyle>
           <a:p>
             <a:r>
-              <a:rPr lang="en-US" smtClean="0"/>
+              <a:rPr lang="en-US"/>
               <a:t>Click to edit Master subtitle style</a:t>
             </a:r>
-            <a:endParaRPr lang="en-US"/>
+            <a:endParaRPr lang="en-US" dirty="0"/>
           </a:p>
         </p:txBody>
       </p:sp>
@@ -297,7 +317,7 @@
           <a:p>
             <a:fld id="{5BCAD085-E8A6-8845-BD4E-CB4CCA059FC4}" type="datetimeFigureOut">
               <a:rPr lang="en-US" smtClean="0"/>
-              <a:t>1/27/13</a:t>
+              <a:t>5/24/2024</a:t>
             </a:fld>
             <a:endParaRPr lang="en-US"/>
           </a:p>
@@ -348,7 +368,7 @@
     </p:spTree>
     <p:extLst>
       <p:ext uri="{BB962C8B-B14F-4D97-AF65-F5344CB8AC3E}">
-        <p14:creationId xmlns:p14="http://schemas.microsoft.com/office/powerpoint/2010/main" val="3168075583"/>
+        <p14:creationId xmlns:p14="http://schemas.microsoft.com/office/powerpoint/2010/main" val="3628057100"/>
       </p:ext>
     </p:extLst>
   </p:cSld>
@@ -359,6 +379,2582 @@
 </file>
 
 <file path=ppt/slideLayouts/slideLayout10.xml><?xml version="1.0" encoding="utf-8"?>
+<p:sldLayout xmlns:a="http://schemas.openxmlformats.org/drawingml/2006/main" xmlns:r="http://schemas.openxmlformats.org/officeDocument/2006/relationships" xmlns:p="http://schemas.openxmlformats.org/presentationml/2006/main" preserve="1">
+  <p:cSld name="Panoramic Picture with Caption">
+    <p:spTree>
+      <p:nvGrpSpPr>
+        <p:cNvPr id="1" name=""/>
+        <p:cNvGrpSpPr/>
+        <p:nvPr/>
+      </p:nvGrpSpPr>
+      <p:grpSpPr>
+        <a:xfrm>
+          <a:off x="0" y="0"/>
+          <a:ext cx="0" cy="0"/>
+          <a:chOff x="0" y="0"/>
+          <a:chExt cx="0" cy="0"/>
+        </a:xfrm>
+      </p:grpSpPr>
+      <p:pic>
+        <p:nvPicPr>
+          <p:cNvPr id="8" name="Picture 7" descr="Slate-V2-SD-panoPhotoInset.png"/>
+          <p:cNvPicPr>
+            <a:picLocks noChangeAspect="1"/>
+          </p:cNvPicPr>
+          <p:nvPr/>
+        </p:nvPicPr>
+        <p:blipFill>
+          <a:blip r:embed="rId2">
+            <a:extLst>
+              <a:ext uri="{28A0092B-C50C-407E-A947-70E740481C1C}">
+                <a14:useLocalDpi xmlns:a14="http://schemas.microsoft.com/office/drawing/2010/main" val="0"/>
+              </a:ext>
+            </a:extLst>
+          </a:blip>
+          <a:stretch>
+            <a:fillRect/>
+          </a:stretch>
+        </p:blipFill>
+        <p:spPr>
+          <a:xfrm>
+            <a:off x="743995" y="540085"/>
+            <a:ext cx="7656010" cy="3834374"/>
+          </a:xfrm>
+          <a:prstGeom prst="rect">
+            <a:avLst/>
+          </a:prstGeom>
+        </p:spPr>
+      </p:pic>
+      <p:sp>
+        <p:nvSpPr>
+          <p:cNvPr id="2" name="Title 1"/>
+          <p:cNvSpPr>
+            <a:spLocks noGrp="1"/>
+          </p:cNvSpPr>
+          <p:nvPr>
+            <p:ph type="title"/>
+          </p:nvPr>
+        </p:nvSpPr>
+        <p:spPr>
+          <a:xfrm>
+            <a:off x="685354" y="4565255"/>
+            <a:ext cx="7766495" cy="543472"/>
+          </a:xfrm>
+        </p:spPr>
+        <p:txBody>
+          <a:bodyPr anchor="b">
+            <a:normAutofit/>
+          </a:bodyPr>
+          <a:lstStyle>
+            <a:lvl1pPr algn="ctr">
+              <a:defRPr sz="2800"/>
+            </a:lvl1pPr>
+          </a:lstStyle>
+          <a:p>
+            <a:r>
+              <a:rPr lang="en-US"/>
+              <a:t>Click to edit Master title style</a:t>
+            </a:r>
+            <a:endParaRPr lang="en-US" dirty="0"/>
+          </a:p>
+        </p:txBody>
+      </p:sp>
+      <p:sp>
+        <p:nvSpPr>
+          <p:cNvPr id="3" name="Picture Placeholder 2"/>
+          <p:cNvSpPr>
+            <a:spLocks noGrp="1" noChangeAspect="1"/>
+          </p:cNvSpPr>
+          <p:nvPr>
+            <p:ph type="pic" idx="1"/>
+          </p:nvPr>
+        </p:nvSpPr>
+        <p:spPr>
+          <a:xfrm>
+            <a:off x="926217" y="695010"/>
+            <a:ext cx="7285600" cy="3525671"/>
+          </a:xfrm>
+          <a:effectLst>
+            <a:outerShdw blurRad="38100" dist="25400" dir="4440000">
+              <a:srgbClr val="000000">
+                <a:alpha val="36000"/>
+              </a:srgbClr>
+            </a:outerShdw>
+          </a:effectLst>
+        </p:spPr>
+        <p:txBody>
+          <a:bodyPr anchor="t">
+            <a:normAutofit/>
+          </a:bodyPr>
+          <a:lstStyle>
+            <a:lvl1pPr marL="0" indent="0" algn="ctr">
+              <a:buNone/>
+              <a:defRPr sz="2000"/>
+            </a:lvl1pPr>
+            <a:lvl2pPr marL="457200" indent="0">
+              <a:buNone/>
+              <a:defRPr sz="2000"/>
+            </a:lvl2pPr>
+            <a:lvl3pPr marL="914400" indent="0">
+              <a:buNone/>
+              <a:defRPr sz="2000"/>
+            </a:lvl3pPr>
+            <a:lvl4pPr marL="1371600" indent="0">
+              <a:buNone/>
+              <a:defRPr sz="2000"/>
+            </a:lvl4pPr>
+            <a:lvl5pPr marL="1828800" indent="0">
+              <a:buNone/>
+              <a:defRPr sz="2000"/>
+            </a:lvl5pPr>
+            <a:lvl6pPr marL="2286000" indent="0">
+              <a:buNone/>
+              <a:defRPr sz="2000"/>
+            </a:lvl6pPr>
+            <a:lvl7pPr marL="2743200" indent="0">
+              <a:buNone/>
+              <a:defRPr sz="2000"/>
+            </a:lvl7pPr>
+            <a:lvl8pPr marL="3200400" indent="0">
+              <a:buNone/>
+              <a:defRPr sz="2000"/>
+            </a:lvl8pPr>
+            <a:lvl9pPr marL="3657600" indent="0">
+              <a:buNone/>
+              <a:defRPr sz="2000"/>
+            </a:lvl9pPr>
+          </a:lstStyle>
+          <a:p>
+            <a:r>
+              <a:rPr lang="en-US"/>
+              <a:t>Click icon to add picture</a:t>
+            </a:r>
+            <a:endParaRPr lang="en-US" dirty="0"/>
+          </a:p>
+        </p:txBody>
+      </p:sp>
+      <p:sp>
+        <p:nvSpPr>
+          <p:cNvPr id="4" name="Text Placeholder 3"/>
+          <p:cNvSpPr>
+            <a:spLocks noGrp="1"/>
+          </p:cNvSpPr>
+          <p:nvPr>
+            <p:ph type="body" sz="half" idx="2"/>
+          </p:nvPr>
+        </p:nvSpPr>
+        <p:spPr>
+          <a:xfrm>
+            <a:off x="685346" y="5108728"/>
+            <a:ext cx="7765322" cy="682472"/>
+          </a:xfrm>
+        </p:spPr>
+        <p:txBody>
+          <a:bodyPr anchor="t"/>
+          <a:lstStyle>
+            <a:lvl1pPr marL="0" indent="0" algn="ctr">
+              <a:buNone/>
+              <a:defRPr sz="1600"/>
+            </a:lvl1pPr>
+            <a:lvl2pPr marL="457200" indent="0">
+              <a:buNone/>
+              <a:defRPr sz="1400"/>
+            </a:lvl2pPr>
+            <a:lvl3pPr marL="914400" indent="0">
+              <a:buNone/>
+              <a:defRPr sz="1200"/>
+            </a:lvl3pPr>
+            <a:lvl4pPr marL="1371600" indent="0">
+              <a:buNone/>
+              <a:defRPr sz="1000"/>
+            </a:lvl4pPr>
+            <a:lvl5pPr marL="1828800" indent="0">
+              <a:buNone/>
+              <a:defRPr sz="1000"/>
+            </a:lvl5pPr>
+            <a:lvl6pPr marL="2286000" indent="0">
+              <a:buNone/>
+              <a:defRPr sz="1000"/>
+            </a:lvl6pPr>
+            <a:lvl7pPr marL="2743200" indent="0">
+              <a:buNone/>
+              <a:defRPr sz="1000"/>
+            </a:lvl7pPr>
+            <a:lvl8pPr marL="3200400" indent="0">
+              <a:buNone/>
+              <a:defRPr sz="1000"/>
+            </a:lvl8pPr>
+            <a:lvl9pPr marL="3657600" indent="0">
+              <a:buNone/>
+              <a:defRPr sz="1000"/>
+            </a:lvl9pPr>
+          </a:lstStyle>
+          <a:p>
+            <a:pPr lvl="0"/>
+            <a:r>
+              <a:rPr lang="en-US"/>
+              <a:t>Click to edit Master text styles</a:t>
+            </a:r>
+          </a:p>
+        </p:txBody>
+      </p:sp>
+      <p:sp>
+        <p:nvSpPr>
+          <p:cNvPr id="5" name="Date Placeholder 4"/>
+          <p:cNvSpPr>
+            <a:spLocks noGrp="1"/>
+          </p:cNvSpPr>
+          <p:nvPr>
+            <p:ph type="dt" sz="half" idx="10"/>
+          </p:nvPr>
+        </p:nvSpPr>
+        <p:spPr/>
+        <p:txBody>
+          <a:bodyPr/>
+          <a:lstStyle/>
+          <a:p>
+            <a:fld id="{5BCAD085-E8A6-8845-BD4E-CB4CCA059FC4}" type="datetimeFigureOut">
+              <a:rPr lang="en-US" smtClean="0"/>
+              <a:t>5/24/2024</a:t>
+            </a:fld>
+            <a:endParaRPr lang="en-US"/>
+          </a:p>
+        </p:txBody>
+      </p:sp>
+      <p:sp>
+        <p:nvSpPr>
+          <p:cNvPr id="6" name="Footer Placeholder 5"/>
+          <p:cNvSpPr>
+            <a:spLocks noGrp="1"/>
+          </p:cNvSpPr>
+          <p:nvPr>
+            <p:ph type="ftr" sz="quarter" idx="11"/>
+          </p:nvPr>
+        </p:nvSpPr>
+        <p:spPr/>
+        <p:txBody>
+          <a:bodyPr/>
+          <a:lstStyle/>
+          <a:p>
+            <a:endParaRPr lang="en-US"/>
+          </a:p>
+        </p:txBody>
+      </p:sp>
+      <p:sp>
+        <p:nvSpPr>
+          <p:cNvPr id="7" name="Slide Number Placeholder 6"/>
+          <p:cNvSpPr>
+            <a:spLocks noGrp="1"/>
+          </p:cNvSpPr>
+          <p:nvPr>
+            <p:ph type="sldNum" sz="quarter" idx="12"/>
+          </p:nvPr>
+        </p:nvSpPr>
+        <p:spPr/>
+        <p:txBody>
+          <a:bodyPr/>
+          <a:lstStyle/>
+          <a:p>
+            <a:fld id="{C1FF6DA9-008F-8B48-92A6-B652298478BF}" type="slidenum">
+              <a:rPr lang="en-US" smtClean="0"/>
+              <a:t>‹#›</a:t>
+            </a:fld>
+            <a:endParaRPr lang="en-US"/>
+          </a:p>
+        </p:txBody>
+      </p:sp>
+    </p:spTree>
+    <p:extLst>
+      <p:ext uri="{BB962C8B-B14F-4D97-AF65-F5344CB8AC3E}">
+        <p14:creationId xmlns:p14="http://schemas.microsoft.com/office/powerpoint/2010/main" val="3938592191"/>
+      </p:ext>
+    </p:extLst>
+  </p:cSld>
+  <p:clrMapOvr>
+    <a:masterClrMapping/>
+  </p:clrMapOvr>
+</p:sldLayout>
+</file>
+
+<file path=ppt/slideLayouts/slideLayout11.xml><?xml version="1.0" encoding="utf-8"?>
+<p:sldLayout xmlns:a="http://schemas.openxmlformats.org/drawingml/2006/main" xmlns:r="http://schemas.openxmlformats.org/officeDocument/2006/relationships" xmlns:p="http://schemas.openxmlformats.org/presentationml/2006/main" preserve="1">
+  <p:cSld name="Title and Caption">
+    <p:spTree>
+      <p:nvGrpSpPr>
+        <p:cNvPr id="1" name=""/>
+        <p:cNvGrpSpPr/>
+        <p:nvPr/>
+      </p:nvGrpSpPr>
+      <p:grpSpPr>
+        <a:xfrm>
+          <a:off x="0" y="0"/>
+          <a:ext cx="0" cy="0"/>
+          <a:chOff x="0" y="0"/>
+          <a:chExt cx="0" cy="0"/>
+        </a:xfrm>
+      </p:grpSpPr>
+      <p:sp>
+        <p:nvSpPr>
+          <p:cNvPr id="2" name="Title 1"/>
+          <p:cNvSpPr>
+            <a:spLocks noGrp="1"/>
+          </p:cNvSpPr>
+          <p:nvPr>
+            <p:ph type="title"/>
+          </p:nvPr>
+        </p:nvSpPr>
+        <p:spPr>
+          <a:xfrm>
+            <a:off x="685346" y="608437"/>
+            <a:ext cx="7765322" cy="3534344"/>
+          </a:xfrm>
+        </p:spPr>
+        <p:txBody>
+          <a:bodyPr anchor="ctr"/>
+          <a:lstStyle>
+            <a:lvl1pPr>
+              <a:defRPr sz="3200"/>
+            </a:lvl1pPr>
+          </a:lstStyle>
+          <a:p>
+            <a:r>
+              <a:rPr lang="en-US"/>
+              <a:t>Click to edit Master title style</a:t>
+            </a:r>
+            <a:endParaRPr lang="en-US" dirty="0"/>
+          </a:p>
+        </p:txBody>
+      </p:sp>
+      <p:sp>
+        <p:nvSpPr>
+          <p:cNvPr id="4" name="Text Placeholder 3"/>
+          <p:cNvSpPr>
+            <a:spLocks noGrp="1"/>
+          </p:cNvSpPr>
+          <p:nvPr>
+            <p:ph type="body" sz="half" idx="2"/>
+          </p:nvPr>
+        </p:nvSpPr>
+        <p:spPr>
+          <a:xfrm>
+            <a:off x="685346" y="4295180"/>
+            <a:ext cx="7765322" cy="1501826"/>
+          </a:xfrm>
+        </p:spPr>
+        <p:txBody>
+          <a:bodyPr anchor="ctr"/>
+          <a:lstStyle>
+            <a:lvl1pPr marL="0" indent="0" algn="ctr">
+              <a:buNone/>
+              <a:defRPr sz="1600"/>
+            </a:lvl1pPr>
+            <a:lvl2pPr marL="457200" indent="0">
+              <a:buNone/>
+              <a:defRPr sz="1400"/>
+            </a:lvl2pPr>
+            <a:lvl3pPr marL="914400" indent="0">
+              <a:buNone/>
+              <a:defRPr sz="1200"/>
+            </a:lvl3pPr>
+            <a:lvl4pPr marL="1371600" indent="0">
+              <a:buNone/>
+              <a:defRPr sz="1000"/>
+            </a:lvl4pPr>
+            <a:lvl5pPr marL="1828800" indent="0">
+              <a:buNone/>
+              <a:defRPr sz="1000"/>
+            </a:lvl5pPr>
+            <a:lvl6pPr marL="2286000" indent="0">
+              <a:buNone/>
+              <a:defRPr sz="1000"/>
+            </a:lvl6pPr>
+            <a:lvl7pPr marL="2743200" indent="0">
+              <a:buNone/>
+              <a:defRPr sz="1000"/>
+            </a:lvl7pPr>
+            <a:lvl8pPr marL="3200400" indent="0">
+              <a:buNone/>
+              <a:defRPr sz="1000"/>
+            </a:lvl8pPr>
+            <a:lvl9pPr marL="3657600" indent="0">
+              <a:buNone/>
+              <a:defRPr sz="1000"/>
+            </a:lvl9pPr>
+          </a:lstStyle>
+          <a:p>
+            <a:pPr lvl="0"/>
+            <a:r>
+              <a:rPr lang="en-US"/>
+              <a:t>Click to edit Master text styles</a:t>
+            </a:r>
+          </a:p>
+        </p:txBody>
+      </p:sp>
+      <p:sp>
+        <p:nvSpPr>
+          <p:cNvPr id="5" name="Date Placeholder 4"/>
+          <p:cNvSpPr>
+            <a:spLocks noGrp="1"/>
+          </p:cNvSpPr>
+          <p:nvPr>
+            <p:ph type="dt" sz="half" idx="10"/>
+          </p:nvPr>
+        </p:nvSpPr>
+        <p:spPr/>
+        <p:txBody>
+          <a:bodyPr/>
+          <a:lstStyle/>
+          <a:p>
+            <a:fld id="{5BCAD085-E8A6-8845-BD4E-CB4CCA059FC4}" type="datetimeFigureOut">
+              <a:rPr lang="en-US" smtClean="0"/>
+              <a:t>5/24/2024</a:t>
+            </a:fld>
+            <a:endParaRPr lang="en-US"/>
+          </a:p>
+        </p:txBody>
+      </p:sp>
+      <p:sp>
+        <p:nvSpPr>
+          <p:cNvPr id="6" name="Footer Placeholder 5"/>
+          <p:cNvSpPr>
+            <a:spLocks noGrp="1"/>
+          </p:cNvSpPr>
+          <p:nvPr>
+            <p:ph type="ftr" sz="quarter" idx="11"/>
+          </p:nvPr>
+        </p:nvSpPr>
+        <p:spPr/>
+        <p:txBody>
+          <a:bodyPr/>
+          <a:lstStyle/>
+          <a:p>
+            <a:endParaRPr lang="en-US"/>
+          </a:p>
+        </p:txBody>
+      </p:sp>
+      <p:sp>
+        <p:nvSpPr>
+          <p:cNvPr id="7" name="Slide Number Placeholder 6"/>
+          <p:cNvSpPr>
+            <a:spLocks noGrp="1"/>
+          </p:cNvSpPr>
+          <p:nvPr>
+            <p:ph type="sldNum" sz="quarter" idx="12"/>
+          </p:nvPr>
+        </p:nvSpPr>
+        <p:spPr/>
+        <p:txBody>
+          <a:bodyPr/>
+          <a:lstStyle/>
+          <a:p>
+            <a:fld id="{C1FF6DA9-008F-8B48-92A6-B652298478BF}" type="slidenum">
+              <a:rPr lang="en-US" smtClean="0"/>
+              <a:t>‹#›</a:t>
+            </a:fld>
+            <a:endParaRPr lang="en-US"/>
+          </a:p>
+        </p:txBody>
+      </p:sp>
+    </p:spTree>
+    <p:extLst>
+      <p:ext uri="{BB962C8B-B14F-4D97-AF65-F5344CB8AC3E}">
+        <p14:creationId xmlns:p14="http://schemas.microsoft.com/office/powerpoint/2010/main" val="2276294163"/>
+      </p:ext>
+    </p:extLst>
+  </p:cSld>
+  <p:clrMapOvr>
+    <a:masterClrMapping/>
+  </p:clrMapOvr>
+</p:sldLayout>
+</file>
+
+<file path=ppt/slideLayouts/slideLayout12.xml><?xml version="1.0" encoding="utf-8"?>
+<p:sldLayout xmlns:a="http://schemas.openxmlformats.org/drawingml/2006/main" xmlns:r="http://schemas.openxmlformats.org/officeDocument/2006/relationships" xmlns:p="http://schemas.openxmlformats.org/presentationml/2006/main" preserve="1">
+  <p:cSld name="Quote with Caption">
+    <p:spTree>
+      <p:nvGrpSpPr>
+        <p:cNvPr id="1" name=""/>
+        <p:cNvGrpSpPr/>
+        <p:nvPr/>
+      </p:nvGrpSpPr>
+      <p:grpSpPr>
+        <a:xfrm>
+          <a:off x="0" y="0"/>
+          <a:ext cx="0" cy="0"/>
+          <a:chOff x="0" y="0"/>
+          <a:chExt cx="0" cy="0"/>
+        </a:xfrm>
+      </p:grpSpPr>
+      <p:sp>
+        <p:nvSpPr>
+          <p:cNvPr id="2" name="Title 1"/>
+          <p:cNvSpPr>
+            <a:spLocks noGrp="1"/>
+          </p:cNvSpPr>
+          <p:nvPr>
+            <p:ph type="title"/>
+          </p:nvPr>
+        </p:nvSpPr>
+        <p:spPr>
+          <a:xfrm>
+            <a:off x="1084659" y="609600"/>
+            <a:ext cx="6977064" cy="2992904"/>
+          </a:xfrm>
+        </p:spPr>
+        <p:txBody>
+          <a:bodyPr anchor="ctr"/>
+          <a:lstStyle>
+            <a:lvl1pPr>
+              <a:defRPr sz="3200"/>
+            </a:lvl1pPr>
+          </a:lstStyle>
+          <a:p>
+            <a:r>
+              <a:rPr lang="en-US"/>
+              <a:t>Click to edit Master title style</a:t>
+            </a:r>
+            <a:endParaRPr lang="en-US" dirty="0"/>
+          </a:p>
+        </p:txBody>
+      </p:sp>
+      <p:sp>
+        <p:nvSpPr>
+          <p:cNvPr id="12" name="Text Placeholder 3"/>
+          <p:cNvSpPr>
+            <a:spLocks noGrp="1"/>
+          </p:cNvSpPr>
+          <p:nvPr>
+            <p:ph type="body" sz="half" idx="13"/>
+          </p:nvPr>
+        </p:nvSpPr>
+        <p:spPr>
+          <a:xfrm>
+            <a:off x="1290484" y="3610033"/>
+            <a:ext cx="6564224" cy="532749"/>
+          </a:xfrm>
+        </p:spPr>
+        <p:txBody>
+          <a:bodyPr anchor="t">
+            <a:normAutofit/>
+          </a:bodyPr>
+          <a:lstStyle>
+            <a:lvl1pPr marL="0" indent="0" algn="r">
+              <a:buNone/>
+              <a:defRPr sz="1400"/>
+            </a:lvl1pPr>
+            <a:lvl2pPr marL="457200" indent="0">
+              <a:buNone/>
+              <a:defRPr sz="1400"/>
+            </a:lvl2pPr>
+            <a:lvl3pPr marL="914400" indent="0">
+              <a:buNone/>
+              <a:defRPr sz="1200"/>
+            </a:lvl3pPr>
+            <a:lvl4pPr marL="1371600" indent="0">
+              <a:buNone/>
+              <a:defRPr sz="1000"/>
+            </a:lvl4pPr>
+            <a:lvl5pPr marL="1828800" indent="0">
+              <a:buNone/>
+              <a:defRPr sz="1000"/>
+            </a:lvl5pPr>
+            <a:lvl6pPr marL="2286000" indent="0">
+              <a:buNone/>
+              <a:defRPr sz="1000"/>
+            </a:lvl6pPr>
+            <a:lvl7pPr marL="2743200" indent="0">
+              <a:buNone/>
+              <a:defRPr sz="1000"/>
+            </a:lvl7pPr>
+            <a:lvl8pPr marL="3200400" indent="0">
+              <a:buNone/>
+              <a:defRPr sz="1000"/>
+            </a:lvl8pPr>
+            <a:lvl9pPr marL="3657600" indent="0">
+              <a:buNone/>
+              <a:defRPr sz="1000"/>
+            </a:lvl9pPr>
+          </a:lstStyle>
+          <a:p>
+            <a:pPr lvl="0"/>
+            <a:r>
+              <a:rPr lang="en-US"/>
+              <a:t>Click to edit Master text styles</a:t>
+            </a:r>
+          </a:p>
+        </p:txBody>
+      </p:sp>
+      <p:sp>
+        <p:nvSpPr>
+          <p:cNvPr id="4" name="Text Placeholder 3"/>
+          <p:cNvSpPr>
+            <a:spLocks noGrp="1"/>
+          </p:cNvSpPr>
+          <p:nvPr>
+            <p:ph type="body" sz="half" idx="2"/>
+          </p:nvPr>
+        </p:nvSpPr>
+        <p:spPr>
+          <a:xfrm>
+            <a:off x="685346" y="4304353"/>
+            <a:ext cx="7765322" cy="1489496"/>
+          </a:xfrm>
+        </p:spPr>
+        <p:txBody>
+          <a:bodyPr anchor="ctr">
+            <a:normAutofit/>
+          </a:bodyPr>
+          <a:lstStyle>
+            <a:lvl1pPr marL="0" indent="0" algn="ctr">
+              <a:buNone/>
+              <a:defRPr sz="1600"/>
+            </a:lvl1pPr>
+            <a:lvl2pPr marL="457200" indent="0">
+              <a:buNone/>
+              <a:defRPr sz="1400"/>
+            </a:lvl2pPr>
+            <a:lvl3pPr marL="914400" indent="0">
+              <a:buNone/>
+              <a:defRPr sz="1200"/>
+            </a:lvl3pPr>
+            <a:lvl4pPr marL="1371600" indent="0">
+              <a:buNone/>
+              <a:defRPr sz="1000"/>
+            </a:lvl4pPr>
+            <a:lvl5pPr marL="1828800" indent="0">
+              <a:buNone/>
+              <a:defRPr sz="1000"/>
+            </a:lvl5pPr>
+            <a:lvl6pPr marL="2286000" indent="0">
+              <a:buNone/>
+              <a:defRPr sz="1000"/>
+            </a:lvl6pPr>
+            <a:lvl7pPr marL="2743200" indent="0">
+              <a:buNone/>
+              <a:defRPr sz="1000"/>
+            </a:lvl7pPr>
+            <a:lvl8pPr marL="3200400" indent="0">
+              <a:buNone/>
+              <a:defRPr sz="1000"/>
+            </a:lvl8pPr>
+            <a:lvl9pPr marL="3657600" indent="0">
+              <a:buNone/>
+              <a:defRPr sz="1000"/>
+            </a:lvl9pPr>
+          </a:lstStyle>
+          <a:p>
+            <a:pPr lvl="0"/>
+            <a:r>
+              <a:rPr lang="en-US"/>
+              <a:t>Click to edit Master text styles</a:t>
+            </a:r>
+          </a:p>
+        </p:txBody>
+      </p:sp>
+      <p:sp>
+        <p:nvSpPr>
+          <p:cNvPr id="5" name="Date Placeholder 4"/>
+          <p:cNvSpPr>
+            <a:spLocks noGrp="1"/>
+          </p:cNvSpPr>
+          <p:nvPr>
+            <p:ph type="dt" sz="half" idx="10"/>
+          </p:nvPr>
+        </p:nvSpPr>
+        <p:spPr/>
+        <p:txBody>
+          <a:bodyPr/>
+          <a:lstStyle/>
+          <a:p>
+            <a:fld id="{5BCAD085-E8A6-8845-BD4E-CB4CCA059FC4}" type="datetimeFigureOut">
+              <a:rPr lang="en-US" smtClean="0"/>
+              <a:t>5/24/2024</a:t>
+            </a:fld>
+            <a:endParaRPr lang="en-US"/>
+          </a:p>
+        </p:txBody>
+      </p:sp>
+      <p:sp>
+        <p:nvSpPr>
+          <p:cNvPr id="6" name="Footer Placeholder 5"/>
+          <p:cNvSpPr>
+            <a:spLocks noGrp="1"/>
+          </p:cNvSpPr>
+          <p:nvPr>
+            <p:ph type="ftr" sz="quarter" idx="11"/>
+          </p:nvPr>
+        </p:nvSpPr>
+        <p:spPr/>
+        <p:txBody>
+          <a:bodyPr/>
+          <a:lstStyle/>
+          <a:p>
+            <a:endParaRPr lang="en-US"/>
+          </a:p>
+        </p:txBody>
+      </p:sp>
+      <p:sp>
+        <p:nvSpPr>
+          <p:cNvPr id="7" name="Slide Number Placeholder 6"/>
+          <p:cNvSpPr>
+            <a:spLocks noGrp="1"/>
+          </p:cNvSpPr>
+          <p:nvPr>
+            <p:ph type="sldNum" sz="quarter" idx="12"/>
+          </p:nvPr>
+        </p:nvSpPr>
+        <p:spPr/>
+        <p:txBody>
+          <a:bodyPr/>
+          <a:lstStyle/>
+          <a:p>
+            <a:fld id="{C1FF6DA9-008F-8B48-92A6-B652298478BF}" type="slidenum">
+              <a:rPr lang="en-US" smtClean="0"/>
+              <a:t>‹#›</a:t>
+            </a:fld>
+            <a:endParaRPr lang="en-US"/>
+          </a:p>
+        </p:txBody>
+      </p:sp>
+      <p:sp>
+        <p:nvSpPr>
+          <p:cNvPr id="11" name="TextBox 10"/>
+          <p:cNvSpPr txBox="1"/>
+          <p:nvPr/>
+        </p:nvSpPr>
+        <p:spPr>
+          <a:xfrm>
+            <a:off x="627459" y="873912"/>
+            <a:ext cx="457200" cy="584776"/>
+          </a:xfrm>
+          <a:prstGeom prst="rect">
+            <a:avLst/>
+          </a:prstGeom>
+        </p:spPr>
+        <p:txBody>
+          <a:bodyPr vert="horz" lIns="91440" tIns="45720" rIns="91440" bIns="45720" rtlCol="0" anchor="ctr">
+            <a:noAutofit/>
+          </a:bodyPr>
+          <a:lstStyle>
+            <a:lvl1pPr>
+              <a:spcBef>
+                <a:spcPct val="0"/>
+              </a:spcBef>
+              <a:buNone/>
+              <a:defRPr sz="3200" b="0" cap="all">
+                <a:ln w="3175" cmpd="sng">
+                  <a:noFill/>
+                </a:ln>
+                <a:effectLst>
+                  <a:glow rad="38100">
+                    <a:schemeClr val="bg1">
+                      <a:lumMod val="65000"/>
+                      <a:lumOff val="35000"/>
+                      <a:alpha val="40000"/>
+                    </a:schemeClr>
+                  </a:glow>
+                  <a:outerShdw blurRad="28575" dist="38100" dir="14040000" algn="tl" rotWithShape="0">
+                    <a:srgbClr val="000000">
+                      <a:alpha val="25000"/>
+                    </a:srgbClr>
+                  </a:outerShdw>
+                </a:effectLst>
+              </a:defRPr>
+            </a:lvl1pPr>
+            <a:lvl2pPr>
+              <a:defRPr>
+                <a:solidFill>
+                  <a:schemeClr val="tx2"/>
+                </a:solidFill>
+              </a:defRPr>
+            </a:lvl2pPr>
+            <a:lvl3pPr>
+              <a:defRPr>
+                <a:solidFill>
+                  <a:schemeClr val="tx2"/>
+                </a:solidFill>
+              </a:defRPr>
+            </a:lvl3pPr>
+            <a:lvl4pPr>
+              <a:defRPr>
+                <a:solidFill>
+                  <a:schemeClr val="tx2"/>
+                </a:solidFill>
+              </a:defRPr>
+            </a:lvl4pPr>
+            <a:lvl5pPr>
+              <a:defRPr>
+                <a:solidFill>
+                  <a:schemeClr val="tx2"/>
+                </a:solidFill>
+              </a:defRPr>
+            </a:lvl5pPr>
+            <a:lvl6pPr>
+              <a:defRPr>
+                <a:solidFill>
+                  <a:schemeClr val="tx2"/>
+                </a:solidFill>
+              </a:defRPr>
+            </a:lvl6pPr>
+            <a:lvl7pPr>
+              <a:defRPr>
+                <a:solidFill>
+                  <a:schemeClr val="tx2"/>
+                </a:solidFill>
+              </a:defRPr>
+            </a:lvl7pPr>
+            <a:lvl8pPr>
+              <a:defRPr>
+                <a:solidFill>
+                  <a:schemeClr val="tx2"/>
+                </a:solidFill>
+              </a:defRPr>
+            </a:lvl8pPr>
+            <a:lvl9pPr>
+              <a:defRPr>
+                <a:solidFill>
+                  <a:schemeClr val="tx2"/>
+                </a:solidFill>
+              </a:defRPr>
+            </a:lvl9pPr>
+          </a:lstStyle>
+          <a:p>
+            <a:pPr lvl="0"/>
+            <a:r>
+              <a:rPr lang="en-US" sz="8000" dirty="0">
+                <a:solidFill>
+                  <a:schemeClr val="tx1"/>
+                </a:solidFill>
+                <a:effectLst/>
+              </a:rPr>
+              <a:t>“</a:t>
+            </a:r>
+          </a:p>
+        </p:txBody>
+      </p:sp>
+      <p:sp>
+        <p:nvSpPr>
+          <p:cNvPr id="13" name="TextBox 12"/>
+          <p:cNvSpPr txBox="1"/>
+          <p:nvPr/>
+        </p:nvSpPr>
+        <p:spPr>
+          <a:xfrm>
+            <a:off x="7828359" y="2933245"/>
+            <a:ext cx="457200" cy="584776"/>
+          </a:xfrm>
+          <a:prstGeom prst="rect">
+            <a:avLst/>
+          </a:prstGeom>
+        </p:spPr>
+        <p:txBody>
+          <a:bodyPr vert="horz" lIns="91440" tIns="45720" rIns="91440" bIns="45720" rtlCol="0" anchor="ctr">
+            <a:noAutofit/>
+          </a:bodyPr>
+          <a:lstStyle>
+            <a:lvl1pPr>
+              <a:spcBef>
+                <a:spcPct val="0"/>
+              </a:spcBef>
+              <a:buNone/>
+              <a:defRPr sz="3200" b="0" cap="all">
+                <a:ln w="3175" cmpd="sng">
+                  <a:noFill/>
+                </a:ln>
+                <a:effectLst>
+                  <a:glow rad="38100">
+                    <a:schemeClr val="bg1">
+                      <a:lumMod val="65000"/>
+                      <a:lumOff val="35000"/>
+                      <a:alpha val="40000"/>
+                    </a:schemeClr>
+                  </a:glow>
+                  <a:outerShdw blurRad="28575" dist="38100" dir="14040000" algn="tl" rotWithShape="0">
+                    <a:srgbClr val="000000">
+                      <a:alpha val="25000"/>
+                    </a:srgbClr>
+                  </a:outerShdw>
+                </a:effectLst>
+              </a:defRPr>
+            </a:lvl1pPr>
+            <a:lvl2pPr>
+              <a:defRPr>
+                <a:solidFill>
+                  <a:schemeClr val="tx2"/>
+                </a:solidFill>
+              </a:defRPr>
+            </a:lvl2pPr>
+            <a:lvl3pPr>
+              <a:defRPr>
+                <a:solidFill>
+                  <a:schemeClr val="tx2"/>
+                </a:solidFill>
+              </a:defRPr>
+            </a:lvl3pPr>
+            <a:lvl4pPr>
+              <a:defRPr>
+                <a:solidFill>
+                  <a:schemeClr val="tx2"/>
+                </a:solidFill>
+              </a:defRPr>
+            </a:lvl4pPr>
+            <a:lvl5pPr>
+              <a:defRPr>
+                <a:solidFill>
+                  <a:schemeClr val="tx2"/>
+                </a:solidFill>
+              </a:defRPr>
+            </a:lvl5pPr>
+            <a:lvl6pPr>
+              <a:defRPr>
+                <a:solidFill>
+                  <a:schemeClr val="tx2"/>
+                </a:solidFill>
+              </a:defRPr>
+            </a:lvl6pPr>
+            <a:lvl7pPr>
+              <a:defRPr>
+                <a:solidFill>
+                  <a:schemeClr val="tx2"/>
+                </a:solidFill>
+              </a:defRPr>
+            </a:lvl7pPr>
+            <a:lvl8pPr>
+              <a:defRPr>
+                <a:solidFill>
+                  <a:schemeClr val="tx2"/>
+                </a:solidFill>
+              </a:defRPr>
+            </a:lvl8pPr>
+            <a:lvl9pPr>
+              <a:defRPr>
+                <a:solidFill>
+                  <a:schemeClr val="tx2"/>
+                </a:solidFill>
+              </a:defRPr>
+            </a:lvl9pPr>
+          </a:lstStyle>
+          <a:p>
+            <a:pPr lvl="0" algn="r"/>
+            <a:r>
+              <a:rPr lang="en-US" sz="8000" dirty="0">
+                <a:solidFill>
+                  <a:schemeClr val="tx1"/>
+                </a:solidFill>
+                <a:effectLst/>
+              </a:rPr>
+              <a:t>”</a:t>
+            </a:r>
+          </a:p>
+        </p:txBody>
+      </p:sp>
+    </p:spTree>
+    <p:extLst>
+      <p:ext uri="{BB962C8B-B14F-4D97-AF65-F5344CB8AC3E}">
+        <p14:creationId xmlns:p14="http://schemas.microsoft.com/office/powerpoint/2010/main" val="1092227588"/>
+      </p:ext>
+    </p:extLst>
+  </p:cSld>
+  <p:clrMapOvr>
+    <a:masterClrMapping/>
+  </p:clrMapOvr>
+</p:sldLayout>
+</file>
+
+<file path=ppt/slideLayouts/slideLayout13.xml><?xml version="1.0" encoding="utf-8"?>
+<p:sldLayout xmlns:a="http://schemas.openxmlformats.org/drawingml/2006/main" xmlns:r="http://schemas.openxmlformats.org/officeDocument/2006/relationships" xmlns:p="http://schemas.openxmlformats.org/presentationml/2006/main" preserve="1">
+  <p:cSld name="Name Card">
+    <p:spTree>
+      <p:nvGrpSpPr>
+        <p:cNvPr id="1" name=""/>
+        <p:cNvGrpSpPr/>
+        <p:nvPr/>
+      </p:nvGrpSpPr>
+      <p:grpSpPr>
+        <a:xfrm>
+          <a:off x="0" y="0"/>
+          <a:ext cx="0" cy="0"/>
+          <a:chOff x="0" y="0"/>
+          <a:chExt cx="0" cy="0"/>
+        </a:xfrm>
+      </p:grpSpPr>
+      <p:sp>
+        <p:nvSpPr>
+          <p:cNvPr id="2" name="Title 1"/>
+          <p:cNvSpPr>
+            <a:spLocks noGrp="1"/>
+          </p:cNvSpPr>
+          <p:nvPr>
+            <p:ph type="title"/>
+          </p:nvPr>
+        </p:nvSpPr>
+        <p:spPr>
+          <a:xfrm>
+            <a:off x="685346" y="2126943"/>
+            <a:ext cx="7765322" cy="2511835"/>
+          </a:xfrm>
+        </p:spPr>
+        <p:txBody>
+          <a:bodyPr anchor="b"/>
+          <a:lstStyle>
+            <a:lvl1pPr>
+              <a:defRPr sz="3200"/>
+            </a:lvl1pPr>
+          </a:lstStyle>
+          <a:p>
+            <a:r>
+              <a:rPr lang="en-US"/>
+              <a:t>Click to edit Master title style</a:t>
+            </a:r>
+            <a:endParaRPr lang="en-US" dirty="0"/>
+          </a:p>
+        </p:txBody>
+      </p:sp>
+      <p:sp>
+        <p:nvSpPr>
+          <p:cNvPr id="4" name="Text Placeholder 3"/>
+          <p:cNvSpPr>
+            <a:spLocks noGrp="1"/>
+          </p:cNvSpPr>
+          <p:nvPr>
+            <p:ph type="body" sz="half" idx="2"/>
+          </p:nvPr>
+        </p:nvSpPr>
+        <p:spPr>
+          <a:xfrm>
+            <a:off x="685339" y="4650556"/>
+            <a:ext cx="7764149" cy="1140644"/>
+          </a:xfrm>
+        </p:spPr>
+        <p:txBody>
+          <a:bodyPr anchor="t"/>
+          <a:lstStyle>
+            <a:lvl1pPr marL="0" indent="0" algn="ctr">
+              <a:buNone/>
+              <a:defRPr sz="1600"/>
+            </a:lvl1pPr>
+            <a:lvl2pPr marL="457200" indent="0">
+              <a:buNone/>
+              <a:defRPr sz="1400"/>
+            </a:lvl2pPr>
+            <a:lvl3pPr marL="914400" indent="0">
+              <a:buNone/>
+              <a:defRPr sz="1200"/>
+            </a:lvl3pPr>
+            <a:lvl4pPr marL="1371600" indent="0">
+              <a:buNone/>
+              <a:defRPr sz="1000"/>
+            </a:lvl4pPr>
+            <a:lvl5pPr marL="1828800" indent="0">
+              <a:buNone/>
+              <a:defRPr sz="1000"/>
+            </a:lvl5pPr>
+            <a:lvl6pPr marL="2286000" indent="0">
+              <a:buNone/>
+              <a:defRPr sz="1000"/>
+            </a:lvl6pPr>
+            <a:lvl7pPr marL="2743200" indent="0">
+              <a:buNone/>
+              <a:defRPr sz="1000"/>
+            </a:lvl7pPr>
+            <a:lvl8pPr marL="3200400" indent="0">
+              <a:buNone/>
+              <a:defRPr sz="1000"/>
+            </a:lvl8pPr>
+            <a:lvl9pPr marL="3657600" indent="0">
+              <a:buNone/>
+              <a:defRPr sz="1000"/>
+            </a:lvl9pPr>
+          </a:lstStyle>
+          <a:p>
+            <a:pPr lvl="0"/>
+            <a:r>
+              <a:rPr lang="en-US"/>
+              <a:t>Click to edit Master text styles</a:t>
+            </a:r>
+          </a:p>
+        </p:txBody>
+      </p:sp>
+      <p:sp>
+        <p:nvSpPr>
+          <p:cNvPr id="5" name="Date Placeholder 4"/>
+          <p:cNvSpPr>
+            <a:spLocks noGrp="1"/>
+          </p:cNvSpPr>
+          <p:nvPr>
+            <p:ph type="dt" sz="half" idx="10"/>
+          </p:nvPr>
+        </p:nvSpPr>
+        <p:spPr/>
+        <p:txBody>
+          <a:bodyPr/>
+          <a:lstStyle/>
+          <a:p>
+            <a:fld id="{5BCAD085-E8A6-8845-BD4E-CB4CCA059FC4}" type="datetimeFigureOut">
+              <a:rPr lang="en-US" smtClean="0"/>
+              <a:t>5/24/2024</a:t>
+            </a:fld>
+            <a:endParaRPr lang="en-US"/>
+          </a:p>
+        </p:txBody>
+      </p:sp>
+      <p:sp>
+        <p:nvSpPr>
+          <p:cNvPr id="6" name="Footer Placeholder 5"/>
+          <p:cNvSpPr>
+            <a:spLocks noGrp="1"/>
+          </p:cNvSpPr>
+          <p:nvPr>
+            <p:ph type="ftr" sz="quarter" idx="11"/>
+          </p:nvPr>
+        </p:nvSpPr>
+        <p:spPr/>
+        <p:txBody>
+          <a:bodyPr/>
+          <a:lstStyle/>
+          <a:p>
+            <a:endParaRPr lang="en-US"/>
+          </a:p>
+        </p:txBody>
+      </p:sp>
+      <p:sp>
+        <p:nvSpPr>
+          <p:cNvPr id="7" name="Slide Number Placeholder 6"/>
+          <p:cNvSpPr>
+            <a:spLocks noGrp="1"/>
+          </p:cNvSpPr>
+          <p:nvPr>
+            <p:ph type="sldNum" sz="quarter" idx="12"/>
+          </p:nvPr>
+        </p:nvSpPr>
+        <p:spPr/>
+        <p:txBody>
+          <a:bodyPr/>
+          <a:lstStyle/>
+          <a:p>
+            <a:fld id="{C1FF6DA9-008F-8B48-92A6-B652298478BF}" type="slidenum">
+              <a:rPr lang="en-US" smtClean="0"/>
+              <a:t>‹#›</a:t>
+            </a:fld>
+            <a:endParaRPr lang="en-US"/>
+          </a:p>
+        </p:txBody>
+      </p:sp>
+    </p:spTree>
+    <p:extLst>
+      <p:ext uri="{BB962C8B-B14F-4D97-AF65-F5344CB8AC3E}">
+        <p14:creationId xmlns:p14="http://schemas.microsoft.com/office/powerpoint/2010/main" val="805317092"/>
+      </p:ext>
+    </p:extLst>
+  </p:cSld>
+  <p:clrMapOvr>
+    <a:masterClrMapping/>
+  </p:clrMapOvr>
+</p:sldLayout>
+</file>
+
+<file path=ppt/slideLayouts/slideLayout14.xml><?xml version="1.0" encoding="utf-8"?>
+<p:sldLayout xmlns:a="http://schemas.openxmlformats.org/drawingml/2006/main" xmlns:r="http://schemas.openxmlformats.org/officeDocument/2006/relationships" xmlns:p="http://schemas.openxmlformats.org/presentationml/2006/main" preserve="1">
+  <p:cSld name="3 Column">
+    <p:spTree>
+      <p:nvGrpSpPr>
+        <p:cNvPr id="1" name=""/>
+        <p:cNvGrpSpPr/>
+        <p:nvPr/>
+      </p:nvGrpSpPr>
+      <p:grpSpPr>
+        <a:xfrm>
+          <a:off x="0" y="0"/>
+          <a:ext cx="0" cy="0"/>
+          <a:chOff x="0" y="0"/>
+          <a:chExt cx="0" cy="0"/>
+        </a:xfrm>
+      </p:grpSpPr>
+      <p:sp>
+        <p:nvSpPr>
+          <p:cNvPr id="15" name="Title 1"/>
+          <p:cNvSpPr>
+            <a:spLocks noGrp="1"/>
+          </p:cNvSpPr>
+          <p:nvPr>
+            <p:ph type="title"/>
+          </p:nvPr>
+        </p:nvSpPr>
+        <p:spPr>
+          <a:xfrm>
+            <a:off x="685346" y="609600"/>
+            <a:ext cx="7765322" cy="970450"/>
+          </a:xfrm>
+        </p:spPr>
+        <p:txBody>
+          <a:bodyPr/>
+          <a:lstStyle/>
+          <a:p>
+            <a:r>
+              <a:rPr lang="en-US"/>
+              <a:t>Click to edit Master title style</a:t>
+            </a:r>
+            <a:endParaRPr lang="en-US" dirty="0"/>
+          </a:p>
+        </p:txBody>
+      </p:sp>
+      <p:sp>
+        <p:nvSpPr>
+          <p:cNvPr id="7" name="Text Placeholder 2"/>
+          <p:cNvSpPr>
+            <a:spLocks noGrp="1"/>
+          </p:cNvSpPr>
+          <p:nvPr>
+            <p:ph type="body" idx="1"/>
+          </p:nvPr>
+        </p:nvSpPr>
+        <p:spPr>
+          <a:xfrm>
+            <a:off x="685346" y="1885950"/>
+            <a:ext cx="2475738" cy="576262"/>
+          </a:xfrm>
+        </p:spPr>
+        <p:txBody>
+          <a:bodyPr anchor="b">
+            <a:noAutofit/>
+          </a:bodyPr>
+          <a:lstStyle>
+            <a:lvl1pPr marL="0" indent="0" algn="ctr">
+              <a:buNone/>
+              <a:defRPr sz="2400" b="0">
+                <a:solidFill>
+                  <a:schemeClr val="tx1"/>
+                </a:solidFill>
+              </a:defRPr>
+            </a:lvl1pPr>
+            <a:lvl2pPr marL="457200" indent="0">
+              <a:buNone/>
+              <a:defRPr sz="2000" b="1"/>
+            </a:lvl2pPr>
+            <a:lvl3pPr marL="914400" indent="0">
+              <a:buNone/>
+              <a:defRPr sz="1800" b="1"/>
+            </a:lvl3pPr>
+            <a:lvl4pPr marL="1371600" indent="0">
+              <a:buNone/>
+              <a:defRPr sz="1600" b="1"/>
+            </a:lvl4pPr>
+            <a:lvl5pPr marL="1828800" indent="0">
+              <a:buNone/>
+              <a:defRPr sz="1600" b="1"/>
+            </a:lvl5pPr>
+            <a:lvl6pPr marL="2286000" indent="0">
+              <a:buNone/>
+              <a:defRPr sz="1600" b="1"/>
+            </a:lvl6pPr>
+            <a:lvl7pPr marL="2743200" indent="0">
+              <a:buNone/>
+              <a:defRPr sz="1600" b="1"/>
+            </a:lvl7pPr>
+            <a:lvl8pPr marL="3200400" indent="0">
+              <a:buNone/>
+              <a:defRPr sz="1600" b="1"/>
+            </a:lvl8pPr>
+            <a:lvl9pPr marL="3657600" indent="0">
+              <a:buNone/>
+              <a:defRPr sz="1600" b="1"/>
+            </a:lvl9pPr>
+          </a:lstStyle>
+          <a:p>
+            <a:pPr lvl="0"/>
+            <a:r>
+              <a:rPr lang="en-US"/>
+              <a:t>Click to edit Master text styles</a:t>
+            </a:r>
+          </a:p>
+        </p:txBody>
+      </p:sp>
+      <p:sp>
+        <p:nvSpPr>
+          <p:cNvPr id="8" name="Text Placeholder 3"/>
+          <p:cNvSpPr>
+            <a:spLocks noGrp="1"/>
+          </p:cNvSpPr>
+          <p:nvPr>
+            <p:ph type="body" sz="half" idx="15"/>
+          </p:nvPr>
+        </p:nvSpPr>
+        <p:spPr>
+          <a:xfrm>
+            <a:off x="685346" y="2571750"/>
+            <a:ext cx="2475738" cy="3219450"/>
+          </a:xfrm>
+        </p:spPr>
+        <p:txBody>
+          <a:bodyPr anchor="t">
+            <a:normAutofit/>
+          </a:bodyPr>
+          <a:lstStyle>
+            <a:lvl1pPr marL="0" indent="0" algn="ctr">
+              <a:buNone/>
+              <a:defRPr sz="1400"/>
+            </a:lvl1pPr>
+            <a:lvl2pPr marL="457200" indent="0">
+              <a:buNone/>
+              <a:defRPr sz="1200"/>
+            </a:lvl2pPr>
+            <a:lvl3pPr marL="914400" indent="0">
+              <a:buNone/>
+              <a:defRPr sz="1000"/>
+            </a:lvl3pPr>
+            <a:lvl4pPr marL="1371600" indent="0">
+              <a:buNone/>
+              <a:defRPr sz="900"/>
+            </a:lvl4pPr>
+            <a:lvl5pPr marL="1828800" indent="0">
+              <a:buNone/>
+              <a:defRPr sz="900"/>
+            </a:lvl5pPr>
+            <a:lvl6pPr marL="2286000" indent="0">
+              <a:buNone/>
+              <a:defRPr sz="900"/>
+            </a:lvl6pPr>
+            <a:lvl7pPr marL="2743200" indent="0">
+              <a:buNone/>
+              <a:defRPr sz="900"/>
+            </a:lvl7pPr>
+            <a:lvl8pPr marL="3200400" indent="0">
+              <a:buNone/>
+              <a:defRPr sz="900"/>
+            </a:lvl8pPr>
+            <a:lvl9pPr marL="3657600" indent="0">
+              <a:buNone/>
+              <a:defRPr sz="900"/>
+            </a:lvl9pPr>
+          </a:lstStyle>
+          <a:p>
+            <a:pPr lvl="0"/>
+            <a:r>
+              <a:rPr lang="en-US"/>
+              <a:t>Click to edit Master text styles</a:t>
+            </a:r>
+          </a:p>
+        </p:txBody>
+      </p:sp>
+      <p:sp>
+        <p:nvSpPr>
+          <p:cNvPr id="9" name="Text Placeholder 4"/>
+          <p:cNvSpPr>
+            <a:spLocks noGrp="1"/>
+          </p:cNvSpPr>
+          <p:nvPr>
+            <p:ph type="body" sz="quarter" idx="3"/>
+          </p:nvPr>
+        </p:nvSpPr>
+        <p:spPr>
+          <a:xfrm>
+            <a:off x="3335033" y="1885950"/>
+            <a:ext cx="2475738" cy="576262"/>
+          </a:xfrm>
+        </p:spPr>
+        <p:txBody>
+          <a:bodyPr anchor="b">
+            <a:noAutofit/>
+          </a:bodyPr>
+          <a:lstStyle>
+            <a:lvl1pPr marL="0" indent="0" algn="ctr">
+              <a:buNone/>
+              <a:defRPr sz="2400" b="0">
+                <a:solidFill>
+                  <a:schemeClr val="tx1"/>
+                </a:solidFill>
+              </a:defRPr>
+            </a:lvl1pPr>
+            <a:lvl2pPr marL="457200" indent="0">
+              <a:buNone/>
+              <a:defRPr sz="2000" b="1"/>
+            </a:lvl2pPr>
+            <a:lvl3pPr marL="914400" indent="0">
+              <a:buNone/>
+              <a:defRPr sz="1800" b="1"/>
+            </a:lvl3pPr>
+            <a:lvl4pPr marL="1371600" indent="0">
+              <a:buNone/>
+              <a:defRPr sz="1600" b="1"/>
+            </a:lvl4pPr>
+            <a:lvl5pPr marL="1828800" indent="0">
+              <a:buNone/>
+              <a:defRPr sz="1600" b="1"/>
+            </a:lvl5pPr>
+            <a:lvl6pPr marL="2286000" indent="0">
+              <a:buNone/>
+              <a:defRPr sz="1600" b="1"/>
+            </a:lvl6pPr>
+            <a:lvl7pPr marL="2743200" indent="0">
+              <a:buNone/>
+              <a:defRPr sz="1600" b="1"/>
+            </a:lvl7pPr>
+            <a:lvl8pPr marL="3200400" indent="0">
+              <a:buNone/>
+              <a:defRPr sz="1600" b="1"/>
+            </a:lvl8pPr>
+            <a:lvl9pPr marL="3657600" indent="0">
+              <a:buNone/>
+              <a:defRPr sz="1600" b="1"/>
+            </a:lvl9pPr>
+          </a:lstStyle>
+          <a:p>
+            <a:pPr lvl="0"/>
+            <a:r>
+              <a:rPr lang="en-US"/>
+              <a:t>Click to edit Master text styles</a:t>
+            </a:r>
+          </a:p>
+        </p:txBody>
+      </p:sp>
+      <p:sp>
+        <p:nvSpPr>
+          <p:cNvPr id="10" name="Text Placeholder 3"/>
+          <p:cNvSpPr>
+            <a:spLocks noGrp="1"/>
+          </p:cNvSpPr>
+          <p:nvPr>
+            <p:ph type="body" sz="half" idx="16"/>
+          </p:nvPr>
+        </p:nvSpPr>
+        <p:spPr>
+          <a:xfrm>
+            <a:off x="3331076" y="2571750"/>
+            <a:ext cx="2475738" cy="3219450"/>
+          </a:xfrm>
+        </p:spPr>
+        <p:txBody>
+          <a:bodyPr anchor="t">
+            <a:normAutofit/>
+          </a:bodyPr>
+          <a:lstStyle>
+            <a:lvl1pPr marL="0" indent="0" algn="ctr">
+              <a:buNone/>
+              <a:defRPr sz="1400"/>
+            </a:lvl1pPr>
+            <a:lvl2pPr marL="457200" indent="0">
+              <a:buNone/>
+              <a:defRPr sz="1200"/>
+            </a:lvl2pPr>
+            <a:lvl3pPr marL="914400" indent="0">
+              <a:buNone/>
+              <a:defRPr sz="1000"/>
+            </a:lvl3pPr>
+            <a:lvl4pPr marL="1371600" indent="0">
+              <a:buNone/>
+              <a:defRPr sz="900"/>
+            </a:lvl4pPr>
+            <a:lvl5pPr marL="1828800" indent="0">
+              <a:buNone/>
+              <a:defRPr sz="900"/>
+            </a:lvl5pPr>
+            <a:lvl6pPr marL="2286000" indent="0">
+              <a:buNone/>
+              <a:defRPr sz="900"/>
+            </a:lvl6pPr>
+            <a:lvl7pPr marL="2743200" indent="0">
+              <a:buNone/>
+              <a:defRPr sz="900"/>
+            </a:lvl7pPr>
+            <a:lvl8pPr marL="3200400" indent="0">
+              <a:buNone/>
+              <a:defRPr sz="900"/>
+            </a:lvl8pPr>
+            <a:lvl9pPr marL="3657600" indent="0">
+              <a:buNone/>
+              <a:defRPr sz="900"/>
+            </a:lvl9pPr>
+          </a:lstStyle>
+          <a:p>
+            <a:pPr lvl="0"/>
+            <a:r>
+              <a:rPr lang="en-US"/>
+              <a:t>Click to edit Master text styles</a:t>
+            </a:r>
+          </a:p>
+        </p:txBody>
+      </p:sp>
+      <p:sp>
+        <p:nvSpPr>
+          <p:cNvPr id="11" name="Text Placeholder 4"/>
+          <p:cNvSpPr>
+            <a:spLocks noGrp="1"/>
+          </p:cNvSpPr>
+          <p:nvPr>
+            <p:ph type="body" sz="quarter" idx="13"/>
+          </p:nvPr>
+        </p:nvSpPr>
+        <p:spPr>
+          <a:xfrm>
+            <a:off x="5974929" y="1885950"/>
+            <a:ext cx="2475738" cy="576262"/>
+          </a:xfrm>
+        </p:spPr>
+        <p:txBody>
+          <a:bodyPr anchor="b">
+            <a:noAutofit/>
+          </a:bodyPr>
+          <a:lstStyle>
+            <a:lvl1pPr marL="0" indent="0" algn="ctr">
+              <a:buNone/>
+              <a:defRPr sz="2400" b="0">
+                <a:solidFill>
+                  <a:schemeClr val="tx1"/>
+                </a:solidFill>
+              </a:defRPr>
+            </a:lvl1pPr>
+            <a:lvl2pPr marL="457200" indent="0">
+              <a:buNone/>
+              <a:defRPr sz="2000" b="1"/>
+            </a:lvl2pPr>
+            <a:lvl3pPr marL="914400" indent="0">
+              <a:buNone/>
+              <a:defRPr sz="1800" b="1"/>
+            </a:lvl3pPr>
+            <a:lvl4pPr marL="1371600" indent="0">
+              <a:buNone/>
+              <a:defRPr sz="1600" b="1"/>
+            </a:lvl4pPr>
+            <a:lvl5pPr marL="1828800" indent="0">
+              <a:buNone/>
+              <a:defRPr sz="1600" b="1"/>
+            </a:lvl5pPr>
+            <a:lvl6pPr marL="2286000" indent="0">
+              <a:buNone/>
+              <a:defRPr sz="1600" b="1"/>
+            </a:lvl6pPr>
+            <a:lvl7pPr marL="2743200" indent="0">
+              <a:buNone/>
+              <a:defRPr sz="1600" b="1"/>
+            </a:lvl7pPr>
+            <a:lvl8pPr marL="3200400" indent="0">
+              <a:buNone/>
+              <a:defRPr sz="1600" b="1"/>
+            </a:lvl8pPr>
+            <a:lvl9pPr marL="3657600" indent="0">
+              <a:buNone/>
+              <a:defRPr sz="1600" b="1"/>
+            </a:lvl9pPr>
+          </a:lstStyle>
+          <a:p>
+            <a:pPr lvl="0"/>
+            <a:r>
+              <a:rPr lang="en-US"/>
+              <a:t>Click to edit Master text styles</a:t>
+            </a:r>
+          </a:p>
+        </p:txBody>
+      </p:sp>
+      <p:sp>
+        <p:nvSpPr>
+          <p:cNvPr id="12" name="Text Placeholder 3"/>
+          <p:cNvSpPr>
+            <a:spLocks noGrp="1"/>
+          </p:cNvSpPr>
+          <p:nvPr>
+            <p:ph type="body" sz="half" idx="17"/>
+          </p:nvPr>
+        </p:nvSpPr>
+        <p:spPr>
+          <a:xfrm>
+            <a:off x="5974929" y="2571750"/>
+            <a:ext cx="2475738" cy="3219450"/>
+          </a:xfrm>
+        </p:spPr>
+        <p:txBody>
+          <a:bodyPr anchor="t">
+            <a:normAutofit/>
+          </a:bodyPr>
+          <a:lstStyle>
+            <a:lvl1pPr marL="0" indent="0" algn="ctr">
+              <a:buNone/>
+              <a:defRPr sz="1400"/>
+            </a:lvl1pPr>
+            <a:lvl2pPr marL="457200" indent="0">
+              <a:buNone/>
+              <a:defRPr sz="1200"/>
+            </a:lvl2pPr>
+            <a:lvl3pPr marL="914400" indent="0">
+              <a:buNone/>
+              <a:defRPr sz="1000"/>
+            </a:lvl3pPr>
+            <a:lvl4pPr marL="1371600" indent="0">
+              <a:buNone/>
+              <a:defRPr sz="900"/>
+            </a:lvl4pPr>
+            <a:lvl5pPr marL="1828800" indent="0">
+              <a:buNone/>
+              <a:defRPr sz="900"/>
+            </a:lvl5pPr>
+            <a:lvl6pPr marL="2286000" indent="0">
+              <a:buNone/>
+              <a:defRPr sz="900"/>
+            </a:lvl6pPr>
+            <a:lvl7pPr marL="2743200" indent="0">
+              <a:buNone/>
+              <a:defRPr sz="900"/>
+            </a:lvl7pPr>
+            <a:lvl8pPr marL="3200400" indent="0">
+              <a:buNone/>
+              <a:defRPr sz="900"/>
+            </a:lvl8pPr>
+            <a:lvl9pPr marL="3657600" indent="0">
+              <a:buNone/>
+              <a:defRPr sz="900"/>
+            </a:lvl9pPr>
+          </a:lstStyle>
+          <a:p>
+            <a:pPr lvl="0"/>
+            <a:r>
+              <a:rPr lang="en-US"/>
+              <a:t>Click to edit Master text styles</a:t>
+            </a:r>
+          </a:p>
+        </p:txBody>
+      </p:sp>
+      <p:sp>
+        <p:nvSpPr>
+          <p:cNvPr id="3" name="Date Placeholder 2"/>
+          <p:cNvSpPr>
+            <a:spLocks noGrp="1"/>
+          </p:cNvSpPr>
+          <p:nvPr>
+            <p:ph type="dt" sz="half" idx="10"/>
+          </p:nvPr>
+        </p:nvSpPr>
+        <p:spPr/>
+        <p:txBody>
+          <a:bodyPr/>
+          <a:lstStyle/>
+          <a:p>
+            <a:fld id="{5BCAD085-E8A6-8845-BD4E-CB4CCA059FC4}" type="datetimeFigureOut">
+              <a:rPr lang="en-US" smtClean="0"/>
+              <a:t>5/24/2024</a:t>
+            </a:fld>
+            <a:endParaRPr lang="en-US"/>
+          </a:p>
+        </p:txBody>
+      </p:sp>
+      <p:sp>
+        <p:nvSpPr>
+          <p:cNvPr id="4" name="Footer Placeholder 3"/>
+          <p:cNvSpPr>
+            <a:spLocks noGrp="1"/>
+          </p:cNvSpPr>
+          <p:nvPr>
+            <p:ph type="ftr" sz="quarter" idx="11"/>
+          </p:nvPr>
+        </p:nvSpPr>
+        <p:spPr/>
+        <p:txBody>
+          <a:bodyPr/>
+          <a:lstStyle/>
+          <a:p>
+            <a:endParaRPr lang="en-US"/>
+          </a:p>
+        </p:txBody>
+      </p:sp>
+      <p:sp>
+        <p:nvSpPr>
+          <p:cNvPr id="5" name="Slide Number Placeholder 4"/>
+          <p:cNvSpPr>
+            <a:spLocks noGrp="1"/>
+          </p:cNvSpPr>
+          <p:nvPr>
+            <p:ph type="sldNum" sz="quarter" idx="12"/>
+          </p:nvPr>
+        </p:nvSpPr>
+        <p:spPr/>
+        <p:txBody>
+          <a:bodyPr/>
+          <a:lstStyle/>
+          <a:p>
+            <a:fld id="{C1FF6DA9-008F-8B48-92A6-B652298478BF}" type="slidenum">
+              <a:rPr lang="en-US" smtClean="0"/>
+              <a:t>‹#›</a:t>
+            </a:fld>
+            <a:endParaRPr lang="en-US"/>
+          </a:p>
+        </p:txBody>
+      </p:sp>
+    </p:spTree>
+    <p:extLst>
+      <p:ext uri="{BB962C8B-B14F-4D97-AF65-F5344CB8AC3E}">
+        <p14:creationId xmlns:p14="http://schemas.microsoft.com/office/powerpoint/2010/main" val="1912085416"/>
+      </p:ext>
+    </p:extLst>
+  </p:cSld>
+  <p:clrMapOvr>
+    <a:masterClrMapping/>
+  </p:clrMapOvr>
+</p:sldLayout>
+</file>
+
+<file path=ppt/slideLayouts/slideLayout15.xml><?xml version="1.0" encoding="utf-8"?>
+<p:sldLayout xmlns:a="http://schemas.openxmlformats.org/drawingml/2006/main" xmlns:r="http://schemas.openxmlformats.org/officeDocument/2006/relationships" xmlns:p="http://schemas.openxmlformats.org/presentationml/2006/main" preserve="1">
+  <p:cSld name="3 Picture Column">
+    <p:spTree>
+      <p:nvGrpSpPr>
+        <p:cNvPr id="1" name=""/>
+        <p:cNvGrpSpPr/>
+        <p:nvPr/>
+      </p:nvGrpSpPr>
+      <p:grpSpPr>
+        <a:xfrm>
+          <a:off x="0" y="0"/>
+          <a:ext cx="0" cy="0"/>
+          <a:chOff x="0" y="0"/>
+          <a:chExt cx="0" cy="0"/>
+        </a:xfrm>
+      </p:grpSpPr>
+      <p:pic>
+        <p:nvPicPr>
+          <p:cNvPr id="6" name="Picture 5" descr="Slate-V2-SD-3colPhotoInset.png"/>
+          <p:cNvPicPr>
+            <a:picLocks noChangeAspect="1"/>
+          </p:cNvPicPr>
+          <p:nvPr/>
+        </p:nvPicPr>
+        <p:blipFill>
+          <a:blip r:embed="rId2">
+            <a:extLst>
+              <a:ext uri="{28A0092B-C50C-407E-A947-70E740481C1C}">
+                <a14:useLocalDpi xmlns:a14="http://schemas.microsoft.com/office/drawing/2010/main" val="0"/>
+              </a:ext>
+            </a:extLst>
+          </a:blip>
+          <a:stretch>
+            <a:fillRect/>
+          </a:stretch>
+        </p:blipFill>
+        <p:spPr>
+          <a:xfrm>
+            <a:off x="659239" y="1826045"/>
+            <a:ext cx="2529046" cy="1833558"/>
+          </a:xfrm>
+          <a:prstGeom prst="rect">
+            <a:avLst/>
+          </a:prstGeom>
+        </p:spPr>
+      </p:pic>
+      <p:pic>
+        <p:nvPicPr>
+          <p:cNvPr id="28" name="Picture 27" descr="Slate-V2-SD-3colPhotoInset.png"/>
+          <p:cNvPicPr>
+            <a:picLocks noChangeAspect="1"/>
+          </p:cNvPicPr>
+          <p:nvPr/>
+        </p:nvPicPr>
+        <p:blipFill>
+          <a:blip r:embed="rId2">
+            <a:extLst>
+              <a:ext uri="{28A0092B-C50C-407E-A947-70E740481C1C}">
+                <a14:useLocalDpi xmlns:a14="http://schemas.microsoft.com/office/drawing/2010/main" val="0"/>
+              </a:ext>
+            </a:extLst>
+          </a:blip>
+          <a:stretch>
+            <a:fillRect/>
+          </a:stretch>
+        </p:blipFill>
+        <p:spPr>
+          <a:xfrm>
+            <a:off x="3293813" y="1826045"/>
+            <a:ext cx="2529046" cy="1833558"/>
+          </a:xfrm>
+          <a:prstGeom prst="rect">
+            <a:avLst/>
+          </a:prstGeom>
+        </p:spPr>
+      </p:pic>
+      <p:pic>
+        <p:nvPicPr>
+          <p:cNvPr id="29" name="Picture 28" descr="Slate-V2-SD-3colPhotoInset.png"/>
+          <p:cNvPicPr>
+            <a:picLocks noChangeAspect="1"/>
+          </p:cNvPicPr>
+          <p:nvPr/>
+        </p:nvPicPr>
+        <p:blipFill>
+          <a:blip r:embed="rId2">
+            <a:extLst>
+              <a:ext uri="{28A0092B-C50C-407E-A947-70E740481C1C}">
+                <a14:useLocalDpi xmlns:a14="http://schemas.microsoft.com/office/drawing/2010/main" val="0"/>
+              </a:ext>
+            </a:extLst>
+          </a:blip>
+          <a:stretch>
+            <a:fillRect/>
+          </a:stretch>
+        </p:blipFill>
+        <p:spPr>
+          <a:xfrm>
+            <a:off x="5921715" y="1826045"/>
+            <a:ext cx="2529046" cy="1833558"/>
+          </a:xfrm>
+          <a:prstGeom prst="rect">
+            <a:avLst/>
+          </a:prstGeom>
+        </p:spPr>
+      </p:pic>
+      <p:sp>
+        <p:nvSpPr>
+          <p:cNvPr id="30" name="Title 1"/>
+          <p:cNvSpPr>
+            <a:spLocks noGrp="1"/>
+          </p:cNvSpPr>
+          <p:nvPr>
+            <p:ph type="title"/>
+          </p:nvPr>
+        </p:nvSpPr>
+        <p:spPr>
+          <a:xfrm>
+            <a:off x="685346" y="609600"/>
+            <a:ext cx="7765322" cy="970450"/>
+          </a:xfrm>
+        </p:spPr>
+        <p:txBody>
+          <a:bodyPr/>
+          <a:lstStyle/>
+          <a:p>
+            <a:r>
+              <a:rPr lang="en-US"/>
+              <a:t>Click to edit Master title style</a:t>
+            </a:r>
+            <a:endParaRPr lang="en-US" dirty="0"/>
+          </a:p>
+        </p:txBody>
+      </p:sp>
+      <p:sp>
+        <p:nvSpPr>
+          <p:cNvPr id="19" name="Text Placeholder 2"/>
+          <p:cNvSpPr>
+            <a:spLocks noGrp="1"/>
+          </p:cNvSpPr>
+          <p:nvPr>
+            <p:ph type="body" idx="1"/>
+          </p:nvPr>
+        </p:nvSpPr>
+        <p:spPr>
+          <a:xfrm>
+            <a:off x="685346" y="3904106"/>
+            <a:ext cx="2475738" cy="576262"/>
+          </a:xfrm>
+        </p:spPr>
+        <p:txBody>
+          <a:bodyPr anchor="b">
+            <a:noAutofit/>
+          </a:bodyPr>
+          <a:lstStyle>
+            <a:lvl1pPr marL="0" indent="0" algn="ctr">
+              <a:buNone/>
+              <a:defRPr sz="2000" b="0">
+                <a:solidFill>
+                  <a:schemeClr val="tx1"/>
+                </a:solidFill>
+              </a:defRPr>
+            </a:lvl1pPr>
+            <a:lvl2pPr marL="457200" indent="0">
+              <a:buNone/>
+              <a:defRPr sz="2000" b="1"/>
+            </a:lvl2pPr>
+            <a:lvl3pPr marL="914400" indent="0">
+              <a:buNone/>
+              <a:defRPr sz="1800" b="1"/>
+            </a:lvl3pPr>
+            <a:lvl4pPr marL="1371600" indent="0">
+              <a:buNone/>
+              <a:defRPr sz="1600" b="1"/>
+            </a:lvl4pPr>
+            <a:lvl5pPr marL="1828800" indent="0">
+              <a:buNone/>
+              <a:defRPr sz="1600" b="1"/>
+            </a:lvl5pPr>
+            <a:lvl6pPr marL="2286000" indent="0">
+              <a:buNone/>
+              <a:defRPr sz="1600" b="1"/>
+            </a:lvl6pPr>
+            <a:lvl7pPr marL="2743200" indent="0">
+              <a:buNone/>
+              <a:defRPr sz="1600" b="1"/>
+            </a:lvl7pPr>
+            <a:lvl8pPr marL="3200400" indent="0">
+              <a:buNone/>
+              <a:defRPr sz="1600" b="1"/>
+            </a:lvl8pPr>
+            <a:lvl9pPr marL="3657600" indent="0">
+              <a:buNone/>
+              <a:defRPr sz="1600" b="1"/>
+            </a:lvl9pPr>
+          </a:lstStyle>
+          <a:p>
+            <a:pPr lvl="0"/>
+            <a:r>
+              <a:rPr lang="en-US"/>
+              <a:t>Click to edit Master text styles</a:t>
+            </a:r>
+          </a:p>
+        </p:txBody>
+      </p:sp>
+      <p:sp>
+        <p:nvSpPr>
+          <p:cNvPr id="20" name="Picture Placeholder 2"/>
+          <p:cNvSpPr>
+            <a:spLocks noGrp="1" noChangeAspect="1"/>
+          </p:cNvSpPr>
+          <p:nvPr>
+            <p:ph type="pic" idx="15"/>
+          </p:nvPr>
+        </p:nvSpPr>
+        <p:spPr>
+          <a:xfrm>
+            <a:off x="763577" y="1938918"/>
+            <a:ext cx="2319276" cy="1602954"/>
+          </a:xfrm>
+          <a:prstGeom prst="roundRect">
+            <a:avLst>
+              <a:gd name="adj" fmla="val 1858"/>
+            </a:avLst>
+          </a:prstGeom>
+          <a:effectLst>
+            <a:outerShdw blurRad="38100" dist="25400" dir="4440000">
+              <a:srgbClr val="000000">
+                <a:alpha val="36000"/>
+              </a:srgbClr>
+            </a:outerShdw>
+          </a:effectLst>
+        </p:spPr>
+        <p:txBody>
+          <a:bodyPr anchor="t">
+            <a:normAutofit/>
+          </a:bodyPr>
+          <a:lstStyle>
+            <a:lvl1pPr marL="0" indent="0" algn="ctr">
+              <a:buNone/>
+              <a:defRPr sz="1600"/>
+            </a:lvl1pPr>
+            <a:lvl2pPr marL="457200" indent="0">
+              <a:buNone/>
+              <a:defRPr sz="1600"/>
+            </a:lvl2pPr>
+            <a:lvl3pPr marL="914400" indent="0">
+              <a:buNone/>
+              <a:defRPr sz="1600"/>
+            </a:lvl3pPr>
+            <a:lvl4pPr marL="1371600" indent="0">
+              <a:buNone/>
+              <a:defRPr sz="1600"/>
+            </a:lvl4pPr>
+            <a:lvl5pPr marL="1828800" indent="0">
+              <a:buNone/>
+              <a:defRPr sz="1600"/>
+            </a:lvl5pPr>
+            <a:lvl6pPr marL="2286000" indent="0">
+              <a:buNone/>
+              <a:defRPr sz="1600"/>
+            </a:lvl6pPr>
+            <a:lvl7pPr marL="2743200" indent="0">
+              <a:buNone/>
+              <a:defRPr sz="1600"/>
+            </a:lvl7pPr>
+            <a:lvl8pPr marL="3200400" indent="0">
+              <a:buNone/>
+              <a:defRPr sz="1600"/>
+            </a:lvl8pPr>
+            <a:lvl9pPr marL="3657600" indent="0">
+              <a:buNone/>
+              <a:defRPr sz="1600"/>
+            </a:lvl9pPr>
+          </a:lstStyle>
+          <a:p>
+            <a:r>
+              <a:rPr lang="en-US"/>
+              <a:t>Click icon to add picture</a:t>
+            </a:r>
+            <a:endParaRPr lang="en-US" dirty="0"/>
+          </a:p>
+        </p:txBody>
+      </p:sp>
+      <p:sp>
+        <p:nvSpPr>
+          <p:cNvPr id="21" name="Text Placeholder 3"/>
+          <p:cNvSpPr>
+            <a:spLocks noGrp="1"/>
+          </p:cNvSpPr>
+          <p:nvPr>
+            <p:ph type="body" sz="half" idx="18"/>
+          </p:nvPr>
+        </p:nvSpPr>
+        <p:spPr>
+          <a:xfrm>
+            <a:off x="685346" y="4480369"/>
+            <a:ext cx="2475738" cy="1310833"/>
+          </a:xfrm>
+        </p:spPr>
+        <p:txBody>
+          <a:bodyPr anchor="t">
+            <a:normAutofit/>
+          </a:bodyPr>
+          <a:lstStyle>
+            <a:lvl1pPr marL="0" indent="0" algn="ctr">
+              <a:buNone/>
+              <a:defRPr sz="1400"/>
+            </a:lvl1pPr>
+            <a:lvl2pPr marL="457200" indent="0">
+              <a:buNone/>
+              <a:defRPr sz="1200"/>
+            </a:lvl2pPr>
+            <a:lvl3pPr marL="914400" indent="0">
+              <a:buNone/>
+              <a:defRPr sz="1000"/>
+            </a:lvl3pPr>
+            <a:lvl4pPr marL="1371600" indent="0">
+              <a:buNone/>
+              <a:defRPr sz="900"/>
+            </a:lvl4pPr>
+            <a:lvl5pPr marL="1828800" indent="0">
+              <a:buNone/>
+              <a:defRPr sz="900"/>
+            </a:lvl5pPr>
+            <a:lvl6pPr marL="2286000" indent="0">
+              <a:buNone/>
+              <a:defRPr sz="900"/>
+            </a:lvl6pPr>
+            <a:lvl7pPr marL="2743200" indent="0">
+              <a:buNone/>
+              <a:defRPr sz="900"/>
+            </a:lvl7pPr>
+            <a:lvl8pPr marL="3200400" indent="0">
+              <a:buNone/>
+              <a:defRPr sz="900"/>
+            </a:lvl8pPr>
+            <a:lvl9pPr marL="3657600" indent="0">
+              <a:buNone/>
+              <a:defRPr sz="900"/>
+            </a:lvl9pPr>
+          </a:lstStyle>
+          <a:p>
+            <a:pPr lvl="0"/>
+            <a:r>
+              <a:rPr lang="en-US"/>
+              <a:t>Click to edit Master text styles</a:t>
+            </a:r>
+          </a:p>
+        </p:txBody>
+      </p:sp>
+      <p:sp>
+        <p:nvSpPr>
+          <p:cNvPr id="22" name="Text Placeholder 4"/>
+          <p:cNvSpPr>
+            <a:spLocks noGrp="1"/>
+          </p:cNvSpPr>
+          <p:nvPr>
+            <p:ph type="body" sz="quarter" idx="3"/>
+          </p:nvPr>
+        </p:nvSpPr>
+        <p:spPr>
+          <a:xfrm>
+            <a:off x="3332091" y="3904106"/>
+            <a:ext cx="2475738" cy="576262"/>
+          </a:xfrm>
+        </p:spPr>
+        <p:txBody>
+          <a:bodyPr anchor="b">
+            <a:noAutofit/>
+          </a:bodyPr>
+          <a:lstStyle>
+            <a:lvl1pPr marL="0" indent="0" algn="ctr">
+              <a:buNone/>
+              <a:defRPr sz="2000" b="0">
+                <a:solidFill>
+                  <a:schemeClr val="tx1"/>
+                </a:solidFill>
+              </a:defRPr>
+            </a:lvl1pPr>
+            <a:lvl2pPr marL="457200" indent="0">
+              <a:buNone/>
+              <a:defRPr sz="2000" b="1"/>
+            </a:lvl2pPr>
+            <a:lvl3pPr marL="914400" indent="0">
+              <a:buNone/>
+              <a:defRPr sz="1800" b="1"/>
+            </a:lvl3pPr>
+            <a:lvl4pPr marL="1371600" indent="0">
+              <a:buNone/>
+              <a:defRPr sz="1600" b="1"/>
+            </a:lvl4pPr>
+            <a:lvl5pPr marL="1828800" indent="0">
+              <a:buNone/>
+              <a:defRPr sz="1600" b="1"/>
+            </a:lvl5pPr>
+            <a:lvl6pPr marL="2286000" indent="0">
+              <a:buNone/>
+              <a:defRPr sz="1600" b="1"/>
+            </a:lvl6pPr>
+            <a:lvl7pPr marL="2743200" indent="0">
+              <a:buNone/>
+              <a:defRPr sz="1600" b="1"/>
+            </a:lvl7pPr>
+            <a:lvl8pPr marL="3200400" indent="0">
+              <a:buNone/>
+              <a:defRPr sz="1600" b="1"/>
+            </a:lvl8pPr>
+            <a:lvl9pPr marL="3657600" indent="0">
+              <a:buNone/>
+              <a:defRPr sz="1600" b="1"/>
+            </a:lvl9pPr>
+          </a:lstStyle>
+          <a:p>
+            <a:pPr lvl="0"/>
+            <a:r>
+              <a:rPr lang="en-US"/>
+              <a:t>Click to edit Master text styles</a:t>
+            </a:r>
+          </a:p>
+        </p:txBody>
+      </p:sp>
+      <p:sp>
+        <p:nvSpPr>
+          <p:cNvPr id="23" name="Picture Placeholder 2"/>
+          <p:cNvSpPr>
+            <a:spLocks noGrp="1" noChangeAspect="1"/>
+          </p:cNvSpPr>
+          <p:nvPr>
+            <p:ph type="pic" idx="21"/>
+          </p:nvPr>
+        </p:nvSpPr>
+        <p:spPr>
+          <a:xfrm>
+            <a:off x="3409307" y="1939094"/>
+            <a:ext cx="2319276" cy="1608164"/>
+          </a:xfrm>
+          <a:prstGeom prst="roundRect">
+            <a:avLst>
+              <a:gd name="adj" fmla="val 1858"/>
+            </a:avLst>
+          </a:prstGeom>
+          <a:effectLst>
+            <a:outerShdw blurRad="38100" dist="25400" dir="4440000">
+              <a:srgbClr val="000000">
+                <a:alpha val="36000"/>
+              </a:srgbClr>
+            </a:outerShdw>
+          </a:effectLst>
+        </p:spPr>
+        <p:txBody>
+          <a:bodyPr anchor="t">
+            <a:normAutofit/>
+          </a:bodyPr>
+          <a:lstStyle>
+            <a:lvl1pPr marL="0" indent="0" algn="ctr">
+              <a:buNone/>
+              <a:defRPr sz="1600"/>
+            </a:lvl1pPr>
+            <a:lvl2pPr marL="457200" indent="0">
+              <a:buNone/>
+              <a:defRPr sz="1600"/>
+            </a:lvl2pPr>
+            <a:lvl3pPr marL="914400" indent="0">
+              <a:buNone/>
+              <a:defRPr sz="1600"/>
+            </a:lvl3pPr>
+            <a:lvl4pPr marL="1371600" indent="0">
+              <a:buNone/>
+              <a:defRPr sz="1600"/>
+            </a:lvl4pPr>
+            <a:lvl5pPr marL="1828800" indent="0">
+              <a:buNone/>
+              <a:defRPr sz="1600"/>
+            </a:lvl5pPr>
+            <a:lvl6pPr marL="2286000" indent="0">
+              <a:buNone/>
+              <a:defRPr sz="1600"/>
+            </a:lvl6pPr>
+            <a:lvl7pPr marL="2743200" indent="0">
+              <a:buNone/>
+              <a:defRPr sz="1600"/>
+            </a:lvl7pPr>
+            <a:lvl8pPr marL="3200400" indent="0">
+              <a:buNone/>
+              <a:defRPr sz="1600"/>
+            </a:lvl8pPr>
+            <a:lvl9pPr marL="3657600" indent="0">
+              <a:buNone/>
+              <a:defRPr sz="1600"/>
+            </a:lvl9pPr>
+          </a:lstStyle>
+          <a:p>
+            <a:r>
+              <a:rPr lang="en-US"/>
+              <a:t>Click icon to add picture</a:t>
+            </a:r>
+            <a:endParaRPr lang="en-US" dirty="0"/>
+          </a:p>
+        </p:txBody>
+      </p:sp>
+      <p:sp>
+        <p:nvSpPr>
+          <p:cNvPr id="24" name="Text Placeholder 3"/>
+          <p:cNvSpPr>
+            <a:spLocks noGrp="1"/>
+          </p:cNvSpPr>
+          <p:nvPr>
+            <p:ph type="body" sz="half" idx="19"/>
+          </p:nvPr>
+        </p:nvSpPr>
+        <p:spPr>
+          <a:xfrm>
+            <a:off x="3331075" y="4480368"/>
+            <a:ext cx="2476753" cy="1310833"/>
+          </a:xfrm>
+        </p:spPr>
+        <p:txBody>
+          <a:bodyPr anchor="t">
+            <a:normAutofit/>
+          </a:bodyPr>
+          <a:lstStyle>
+            <a:lvl1pPr marL="0" indent="0" algn="ctr">
+              <a:buNone/>
+              <a:defRPr sz="1400"/>
+            </a:lvl1pPr>
+            <a:lvl2pPr marL="457200" indent="0">
+              <a:buNone/>
+              <a:defRPr sz="1200"/>
+            </a:lvl2pPr>
+            <a:lvl3pPr marL="914400" indent="0">
+              <a:buNone/>
+              <a:defRPr sz="1000"/>
+            </a:lvl3pPr>
+            <a:lvl4pPr marL="1371600" indent="0">
+              <a:buNone/>
+              <a:defRPr sz="900"/>
+            </a:lvl4pPr>
+            <a:lvl5pPr marL="1828800" indent="0">
+              <a:buNone/>
+              <a:defRPr sz="900"/>
+            </a:lvl5pPr>
+            <a:lvl6pPr marL="2286000" indent="0">
+              <a:buNone/>
+              <a:defRPr sz="900"/>
+            </a:lvl6pPr>
+            <a:lvl7pPr marL="2743200" indent="0">
+              <a:buNone/>
+              <a:defRPr sz="900"/>
+            </a:lvl7pPr>
+            <a:lvl8pPr marL="3200400" indent="0">
+              <a:buNone/>
+              <a:defRPr sz="900"/>
+            </a:lvl8pPr>
+            <a:lvl9pPr marL="3657600" indent="0">
+              <a:buNone/>
+              <a:defRPr sz="900"/>
+            </a:lvl9pPr>
+          </a:lstStyle>
+          <a:p>
+            <a:pPr lvl="0"/>
+            <a:r>
+              <a:rPr lang="en-US"/>
+              <a:t>Click to edit Master text styles</a:t>
+            </a:r>
+          </a:p>
+        </p:txBody>
+      </p:sp>
+      <p:sp>
+        <p:nvSpPr>
+          <p:cNvPr id="25" name="Text Placeholder 4"/>
+          <p:cNvSpPr>
+            <a:spLocks noGrp="1"/>
+          </p:cNvSpPr>
+          <p:nvPr>
+            <p:ph type="body" sz="quarter" idx="13"/>
+          </p:nvPr>
+        </p:nvSpPr>
+        <p:spPr>
+          <a:xfrm>
+            <a:off x="5975023" y="3904106"/>
+            <a:ext cx="2475738" cy="576262"/>
+          </a:xfrm>
+        </p:spPr>
+        <p:txBody>
+          <a:bodyPr anchor="b">
+            <a:noAutofit/>
+          </a:bodyPr>
+          <a:lstStyle>
+            <a:lvl1pPr marL="0" indent="0" algn="ctr">
+              <a:buNone/>
+              <a:defRPr sz="2000" b="0">
+                <a:solidFill>
+                  <a:schemeClr val="tx1"/>
+                </a:solidFill>
+              </a:defRPr>
+            </a:lvl1pPr>
+            <a:lvl2pPr marL="457200" indent="0">
+              <a:buNone/>
+              <a:defRPr sz="2000" b="1"/>
+            </a:lvl2pPr>
+            <a:lvl3pPr marL="914400" indent="0">
+              <a:buNone/>
+              <a:defRPr sz="1800" b="1"/>
+            </a:lvl3pPr>
+            <a:lvl4pPr marL="1371600" indent="0">
+              <a:buNone/>
+              <a:defRPr sz="1600" b="1"/>
+            </a:lvl4pPr>
+            <a:lvl5pPr marL="1828800" indent="0">
+              <a:buNone/>
+              <a:defRPr sz="1600" b="1"/>
+            </a:lvl5pPr>
+            <a:lvl6pPr marL="2286000" indent="0">
+              <a:buNone/>
+              <a:defRPr sz="1600" b="1"/>
+            </a:lvl6pPr>
+            <a:lvl7pPr marL="2743200" indent="0">
+              <a:buNone/>
+              <a:defRPr sz="1600" b="1"/>
+            </a:lvl7pPr>
+            <a:lvl8pPr marL="3200400" indent="0">
+              <a:buNone/>
+              <a:defRPr sz="1600" b="1"/>
+            </a:lvl8pPr>
+            <a:lvl9pPr marL="3657600" indent="0">
+              <a:buNone/>
+              <a:defRPr sz="1600" b="1"/>
+            </a:lvl9pPr>
+          </a:lstStyle>
+          <a:p>
+            <a:pPr lvl="0"/>
+            <a:r>
+              <a:rPr lang="en-US"/>
+              <a:t>Click to edit Master text styles</a:t>
+            </a:r>
+          </a:p>
+        </p:txBody>
+      </p:sp>
+      <p:sp>
+        <p:nvSpPr>
+          <p:cNvPr id="26" name="Picture Placeholder 2"/>
+          <p:cNvSpPr>
+            <a:spLocks noGrp="1" noChangeAspect="1"/>
+          </p:cNvSpPr>
+          <p:nvPr>
+            <p:ph type="pic" idx="22"/>
+          </p:nvPr>
+        </p:nvSpPr>
+        <p:spPr>
+          <a:xfrm>
+            <a:off x="6056774" y="1934432"/>
+            <a:ext cx="2319276" cy="1607294"/>
+          </a:xfrm>
+          <a:prstGeom prst="roundRect">
+            <a:avLst>
+              <a:gd name="adj" fmla="val 1858"/>
+            </a:avLst>
+          </a:prstGeom>
+          <a:effectLst>
+            <a:outerShdw blurRad="38100" dist="25400" dir="4440000">
+              <a:srgbClr val="000000">
+                <a:alpha val="36000"/>
+              </a:srgbClr>
+            </a:outerShdw>
+          </a:effectLst>
+        </p:spPr>
+        <p:txBody>
+          <a:bodyPr anchor="t">
+            <a:normAutofit/>
+          </a:bodyPr>
+          <a:lstStyle>
+            <a:lvl1pPr marL="0" indent="0" algn="ctr">
+              <a:buNone/>
+              <a:defRPr sz="1600"/>
+            </a:lvl1pPr>
+            <a:lvl2pPr marL="457200" indent="0">
+              <a:buNone/>
+              <a:defRPr sz="1600"/>
+            </a:lvl2pPr>
+            <a:lvl3pPr marL="914400" indent="0">
+              <a:buNone/>
+              <a:defRPr sz="1600"/>
+            </a:lvl3pPr>
+            <a:lvl4pPr marL="1371600" indent="0">
+              <a:buNone/>
+              <a:defRPr sz="1600"/>
+            </a:lvl4pPr>
+            <a:lvl5pPr marL="1828800" indent="0">
+              <a:buNone/>
+              <a:defRPr sz="1600"/>
+            </a:lvl5pPr>
+            <a:lvl6pPr marL="2286000" indent="0">
+              <a:buNone/>
+              <a:defRPr sz="1600"/>
+            </a:lvl6pPr>
+            <a:lvl7pPr marL="2743200" indent="0">
+              <a:buNone/>
+              <a:defRPr sz="1600"/>
+            </a:lvl7pPr>
+            <a:lvl8pPr marL="3200400" indent="0">
+              <a:buNone/>
+              <a:defRPr sz="1600"/>
+            </a:lvl8pPr>
+            <a:lvl9pPr marL="3657600" indent="0">
+              <a:buNone/>
+              <a:defRPr sz="1600"/>
+            </a:lvl9pPr>
+          </a:lstStyle>
+          <a:p>
+            <a:r>
+              <a:rPr lang="en-US"/>
+              <a:t>Click icon to add picture</a:t>
+            </a:r>
+            <a:endParaRPr lang="en-US" dirty="0"/>
+          </a:p>
+        </p:txBody>
+      </p:sp>
+      <p:sp>
+        <p:nvSpPr>
+          <p:cNvPr id="27" name="Text Placeholder 3"/>
+          <p:cNvSpPr>
+            <a:spLocks noGrp="1"/>
+          </p:cNvSpPr>
+          <p:nvPr>
+            <p:ph type="body" sz="half" idx="20"/>
+          </p:nvPr>
+        </p:nvSpPr>
+        <p:spPr>
+          <a:xfrm>
+            <a:off x="5974929" y="4480366"/>
+            <a:ext cx="2475738" cy="1310835"/>
+          </a:xfrm>
+        </p:spPr>
+        <p:txBody>
+          <a:bodyPr anchor="t">
+            <a:normAutofit/>
+          </a:bodyPr>
+          <a:lstStyle>
+            <a:lvl1pPr marL="0" indent="0" algn="ctr">
+              <a:buNone/>
+              <a:defRPr sz="1400"/>
+            </a:lvl1pPr>
+            <a:lvl2pPr marL="457200" indent="0">
+              <a:buNone/>
+              <a:defRPr sz="1200"/>
+            </a:lvl2pPr>
+            <a:lvl3pPr marL="914400" indent="0">
+              <a:buNone/>
+              <a:defRPr sz="1000"/>
+            </a:lvl3pPr>
+            <a:lvl4pPr marL="1371600" indent="0">
+              <a:buNone/>
+              <a:defRPr sz="900"/>
+            </a:lvl4pPr>
+            <a:lvl5pPr marL="1828800" indent="0">
+              <a:buNone/>
+              <a:defRPr sz="900"/>
+            </a:lvl5pPr>
+            <a:lvl6pPr marL="2286000" indent="0">
+              <a:buNone/>
+              <a:defRPr sz="900"/>
+            </a:lvl6pPr>
+            <a:lvl7pPr marL="2743200" indent="0">
+              <a:buNone/>
+              <a:defRPr sz="900"/>
+            </a:lvl7pPr>
+            <a:lvl8pPr marL="3200400" indent="0">
+              <a:buNone/>
+              <a:defRPr sz="900"/>
+            </a:lvl8pPr>
+            <a:lvl9pPr marL="3657600" indent="0">
+              <a:buNone/>
+              <a:defRPr sz="900"/>
+            </a:lvl9pPr>
+          </a:lstStyle>
+          <a:p>
+            <a:pPr lvl="0"/>
+            <a:r>
+              <a:rPr lang="en-US"/>
+              <a:t>Click to edit Master text styles</a:t>
+            </a:r>
+          </a:p>
+        </p:txBody>
+      </p:sp>
+      <p:sp>
+        <p:nvSpPr>
+          <p:cNvPr id="3" name="Date Placeholder 2"/>
+          <p:cNvSpPr>
+            <a:spLocks noGrp="1"/>
+          </p:cNvSpPr>
+          <p:nvPr>
+            <p:ph type="dt" sz="half" idx="10"/>
+          </p:nvPr>
+        </p:nvSpPr>
+        <p:spPr/>
+        <p:txBody>
+          <a:bodyPr/>
+          <a:lstStyle/>
+          <a:p>
+            <a:fld id="{5BCAD085-E8A6-8845-BD4E-CB4CCA059FC4}" type="datetimeFigureOut">
+              <a:rPr lang="en-US" smtClean="0"/>
+              <a:t>5/24/2024</a:t>
+            </a:fld>
+            <a:endParaRPr lang="en-US"/>
+          </a:p>
+        </p:txBody>
+      </p:sp>
+      <p:sp>
+        <p:nvSpPr>
+          <p:cNvPr id="4" name="Footer Placeholder 3"/>
+          <p:cNvSpPr>
+            <a:spLocks noGrp="1"/>
+          </p:cNvSpPr>
+          <p:nvPr>
+            <p:ph type="ftr" sz="quarter" idx="11"/>
+          </p:nvPr>
+        </p:nvSpPr>
+        <p:spPr/>
+        <p:txBody>
+          <a:bodyPr/>
+          <a:lstStyle/>
+          <a:p>
+            <a:endParaRPr lang="en-US"/>
+          </a:p>
+        </p:txBody>
+      </p:sp>
+      <p:sp>
+        <p:nvSpPr>
+          <p:cNvPr id="5" name="Slide Number Placeholder 4"/>
+          <p:cNvSpPr>
+            <a:spLocks noGrp="1"/>
+          </p:cNvSpPr>
+          <p:nvPr>
+            <p:ph type="sldNum" sz="quarter" idx="12"/>
+          </p:nvPr>
+        </p:nvSpPr>
+        <p:spPr/>
+        <p:txBody>
+          <a:bodyPr/>
+          <a:lstStyle/>
+          <a:p>
+            <a:fld id="{C1FF6DA9-008F-8B48-92A6-B652298478BF}" type="slidenum">
+              <a:rPr lang="en-US" smtClean="0"/>
+              <a:t>‹#›</a:t>
+            </a:fld>
+            <a:endParaRPr lang="en-US"/>
+          </a:p>
+        </p:txBody>
+      </p:sp>
+    </p:spTree>
+    <p:extLst>
+      <p:ext uri="{BB962C8B-B14F-4D97-AF65-F5344CB8AC3E}">
+        <p14:creationId xmlns:p14="http://schemas.microsoft.com/office/powerpoint/2010/main" val="713592452"/>
+      </p:ext>
+    </p:extLst>
+  </p:cSld>
+  <p:clrMapOvr>
+    <a:masterClrMapping/>
+  </p:clrMapOvr>
+</p:sldLayout>
+</file>
+
+<file path=ppt/slideLayouts/slideLayout16.xml><?xml version="1.0" encoding="utf-8"?>
 <p:sldLayout xmlns:a="http://schemas.openxmlformats.org/drawingml/2006/main" xmlns:r="http://schemas.openxmlformats.org/officeDocument/2006/relationships" xmlns:p="http://schemas.openxmlformats.org/presentationml/2006/main" type="vertTx" preserve="1">
   <p:cSld name="Title and Vertical Text">
     <p:spTree>
@@ -391,10 +2987,10 @@
           <a:lstStyle/>
           <a:p>
             <a:r>
-              <a:rPr lang="en-US" smtClean="0"/>
+              <a:rPr lang="en-US"/>
               <a:t>Click to edit Master title style</a:t>
             </a:r>
-            <a:endParaRPr lang="en-US"/>
+            <a:endParaRPr lang="en-US" dirty="0"/>
           </a:p>
         </p:txBody>
       </p:sp>
@@ -410,43 +3006,43 @@
         </p:nvSpPr>
         <p:spPr/>
         <p:txBody>
-          <a:bodyPr vert="eaVert"/>
+          <a:bodyPr vert="eaVert" anchor="t"/>
           <a:lstStyle/>
           <a:p>
             <a:pPr lvl="0"/>
             <a:r>
-              <a:rPr lang="en-US" smtClean="0"/>
+              <a:rPr lang="en-US"/>
               <a:t>Click to edit Master text styles</a:t>
             </a:r>
           </a:p>
           <a:p>
             <a:pPr lvl="1"/>
             <a:r>
-              <a:rPr lang="en-US" smtClean="0"/>
+              <a:rPr lang="en-US"/>
               <a:t>Second level</a:t>
             </a:r>
           </a:p>
           <a:p>
             <a:pPr lvl="2"/>
             <a:r>
-              <a:rPr lang="en-US" smtClean="0"/>
+              <a:rPr lang="en-US"/>
               <a:t>Third level</a:t>
             </a:r>
           </a:p>
           <a:p>
             <a:pPr lvl="3"/>
             <a:r>
-              <a:rPr lang="en-US" smtClean="0"/>
+              <a:rPr lang="en-US"/>
               <a:t>Fourth level</a:t>
             </a:r>
           </a:p>
           <a:p>
             <a:pPr lvl="4"/>
             <a:r>
-              <a:rPr lang="en-US" smtClean="0"/>
+              <a:rPr lang="en-US"/>
               <a:t>Fifth level</a:t>
             </a:r>
-            <a:endParaRPr lang="en-US"/>
+            <a:endParaRPr lang="en-US" dirty="0"/>
           </a:p>
         </p:txBody>
       </p:sp>
@@ -467,7 +3063,7 @@
           <a:p>
             <a:fld id="{5BCAD085-E8A6-8845-BD4E-CB4CCA059FC4}" type="datetimeFigureOut">
               <a:rPr lang="en-US" smtClean="0"/>
-              <a:t>1/27/13</a:t>
+              <a:t>5/24/2024</a:t>
             </a:fld>
             <a:endParaRPr lang="en-US"/>
           </a:p>
@@ -518,7 +3114,7 @@
     </p:spTree>
     <p:extLst>
       <p:ext uri="{BB962C8B-B14F-4D97-AF65-F5344CB8AC3E}">
-        <p14:creationId xmlns:p14="http://schemas.microsoft.com/office/powerpoint/2010/main" val="2910927964"/>
+        <p14:creationId xmlns:p14="http://schemas.microsoft.com/office/powerpoint/2010/main" val="2256437184"/>
       </p:ext>
     </p:extLst>
   </p:cSld>
@@ -528,7 +3124,7 @@
 </p:sldLayout>
 </file>
 
-<file path=ppt/slideLayouts/slideLayout11.xml><?xml version="1.0" encoding="utf-8"?>
+<file path=ppt/slideLayouts/slideLayout17.xml><?xml version="1.0" encoding="utf-8"?>
 <p:sldLayout xmlns:a="http://schemas.openxmlformats.org/drawingml/2006/main" xmlns:r="http://schemas.openxmlformats.org/officeDocument/2006/relationships" xmlns:p="http://schemas.openxmlformats.org/presentationml/2006/main" type="vertTitleAndTx" preserve="1">
   <p:cSld name="Vertical Title and Text">
     <p:spTree>
@@ -557,19 +3153,23 @@
         </p:nvSpPr>
         <p:spPr>
           <a:xfrm>
-            <a:off x="6629400" y="274638"/>
-            <a:ext cx="2057400" cy="5851525"/>
+            <a:off x="6737302" y="609600"/>
+            <a:ext cx="1713365" cy="5181601"/>
           </a:xfrm>
         </p:spPr>
         <p:txBody>
           <a:bodyPr vert="eaVert"/>
-          <a:lstStyle/>
-          <a:p>
-            <a:r>
-              <a:rPr lang="en-US" smtClean="0"/>
+          <a:lstStyle>
+            <a:lvl1pPr algn="l">
+              <a:defRPr/>
+            </a:lvl1pPr>
+          </a:lstStyle>
+          <a:p>
+            <a:r>
+              <a:rPr lang="en-US"/>
               <a:t>Click to edit Master title style</a:t>
             </a:r>
-            <a:endParaRPr lang="en-US"/>
+            <a:endParaRPr lang="en-US" dirty="0"/>
           </a:p>
         </p:txBody>
       </p:sp>
@@ -585,48 +3185,48 @@
         </p:nvSpPr>
         <p:spPr>
           <a:xfrm>
-            <a:off x="457200" y="274638"/>
-            <a:ext cx="6019800" cy="5851525"/>
+            <a:off x="685347" y="609600"/>
+            <a:ext cx="5937654" cy="5181601"/>
           </a:xfrm>
         </p:spPr>
         <p:txBody>
-          <a:bodyPr vert="eaVert"/>
+          <a:bodyPr vert="eaVert" anchor="t"/>
           <a:lstStyle/>
           <a:p>
             <a:pPr lvl="0"/>
             <a:r>
-              <a:rPr lang="en-US" smtClean="0"/>
+              <a:rPr lang="en-US"/>
               <a:t>Click to edit Master text styles</a:t>
             </a:r>
           </a:p>
           <a:p>
             <a:pPr lvl="1"/>
             <a:r>
-              <a:rPr lang="en-US" smtClean="0"/>
+              <a:rPr lang="en-US"/>
               <a:t>Second level</a:t>
             </a:r>
           </a:p>
           <a:p>
             <a:pPr lvl="2"/>
             <a:r>
-              <a:rPr lang="en-US" smtClean="0"/>
+              <a:rPr lang="en-US"/>
               <a:t>Third level</a:t>
             </a:r>
           </a:p>
           <a:p>
             <a:pPr lvl="3"/>
             <a:r>
-              <a:rPr lang="en-US" smtClean="0"/>
+              <a:rPr lang="en-US"/>
               <a:t>Fourth level</a:t>
             </a:r>
           </a:p>
           <a:p>
             <a:pPr lvl="4"/>
             <a:r>
-              <a:rPr lang="en-US" smtClean="0"/>
+              <a:rPr lang="en-US"/>
               <a:t>Fifth level</a:t>
             </a:r>
-            <a:endParaRPr lang="en-US"/>
+            <a:endParaRPr lang="en-US" dirty="0"/>
           </a:p>
         </p:txBody>
       </p:sp>
@@ -647,7 +3247,7 @@
           <a:p>
             <a:fld id="{5BCAD085-E8A6-8845-BD4E-CB4CCA059FC4}" type="datetimeFigureOut">
               <a:rPr lang="en-US" smtClean="0"/>
-              <a:t>1/27/13</a:t>
+              <a:t>5/24/2024</a:t>
             </a:fld>
             <a:endParaRPr lang="en-US"/>
           </a:p>
@@ -698,7 +3298,7 @@
     </p:spTree>
     <p:extLst>
       <p:ext uri="{BB962C8B-B14F-4D97-AF65-F5344CB8AC3E}">
-        <p14:creationId xmlns:p14="http://schemas.microsoft.com/office/powerpoint/2010/main" val="3612223792"/>
+        <p14:creationId xmlns:p14="http://schemas.microsoft.com/office/powerpoint/2010/main" val="2553404779"/>
       </p:ext>
     </p:extLst>
   </p:cSld>
@@ -741,10 +3341,10 @@
           <a:lstStyle/>
           <a:p>
             <a:r>
-              <a:rPr lang="en-US" smtClean="0"/>
+              <a:rPr lang="en-US"/>
               <a:t>Click to edit Master title style</a:t>
             </a:r>
-            <a:endParaRPr lang="en-US"/>
+            <a:endParaRPr lang="en-US" dirty="0"/>
           </a:p>
         </p:txBody>
       </p:sp>
@@ -765,38 +3365,38 @@
           <a:p>
             <a:pPr lvl="0"/>
             <a:r>
-              <a:rPr lang="en-US" smtClean="0"/>
+              <a:rPr lang="en-US"/>
               <a:t>Click to edit Master text styles</a:t>
             </a:r>
           </a:p>
           <a:p>
             <a:pPr lvl="1"/>
             <a:r>
-              <a:rPr lang="en-US" smtClean="0"/>
+              <a:rPr lang="en-US"/>
               <a:t>Second level</a:t>
             </a:r>
           </a:p>
           <a:p>
             <a:pPr lvl="2"/>
             <a:r>
-              <a:rPr lang="en-US" smtClean="0"/>
+              <a:rPr lang="en-US"/>
               <a:t>Third level</a:t>
             </a:r>
           </a:p>
           <a:p>
             <a:pPr lvl="3"/>
             <a:r>
-              <a:rPr lang="en-US" smtClean="0"/>
+              <a:rPr lang="en-US"/>
               <a:t>Fourth level</a:t>
             </a:r>
           </a:p>
           <a:p>
             <a:pPr lvl="4"/>
             <a:r>
-              <a:rPr lang="en-US" smtClean="0"/>
+              <a:rPr lang="en-US"/>
               <a:t>Fifth level</a:t>
             </a:r>
-            <a:endParaRPr lang="en-US"/>
+            <a:endParaRPr lang="en-US" dirty="0"/>
           </a:p>
         </p:txBody>
       </p:sp>
@@ -817,7 +3417,7 @@
           <a:p>
             <a:fld id="{5BCAD085-E8A6-8845-BD4E-CB4CCA059FC4}" type="datetimeFigureOut">
               <a:rPr lang="en-US" smtClean="0"/>
-              <a:t>1/27/13</a:t>
+              <a:t>5/24/2024</a:t>
             </a:fld>
             <a:endParaRPr lang="en-US"/>
           </a:p>
@@ -868,7 +3468,7 @@
     </p:spTree>
     <p:extLst>
       <p:ext uri="{BB962C8B-B14F-4D97-AF65-F5344CB8AC3E}">
-        <p14:creationId xmlns:p14="http://schemas.microsoft.com/office/powerpoint/2010/main" val="2614314258"/>
+        <p14:creationId xmlns:p14="http://schemas.microsoft.com/office/powerpoint/2010/main" val="97633050"/>
       </p:ext>
     </p:extLst>
   </p:cSld>
@@ -907,52 +3507,50 @@
         </p:nvSpPr>
         <p:spPr>
           <a:xfrm>
-            <a:off x="722313" y="4406900"/>
-            <a:ext cx="7772400" cy="1362075"/>
+            <a:off x="971551" y="1761068"/>
+            <a:ext cx="7192913" cy="1828813"/>
           </a:xfrm>
         </p:spPr>
         <p:txBody>
+          <a:bodyPr anchor="b"/>
+          <a:lstStyle>
+            <a:lvl1pPr algn="ctr">
+              <a:defRPr sz="4000" b="0" cap="none"/>
+            </a:lvl1pPr>
+          </a:lstStyle>
+          <a:p>
+            <a:r>
+              <a:rPr lang="en-US"/>
+              <a:t>Click to edit Master title style</a:t>
+            </a:r>
+            <a:endParaRPr lang="en-US" dirty="0"/>
+          </a:p>
+        </p:txBody>
+      </p:sp>
+      <p:sp>
+        <p:nvSpPr>
+          <p:cNvPr id="3" name="Text Placeholder 2"/>
+          <p:cNvSpPr>
+            <a:spLocks noGrp="1"/>
+          </p:cNvSpPr>
+          <p:nvPr>
+            <p:ph type="body" idx="1"/>
+          </p:nvPr>
+        </p:nvSpPr>
+        <p:spPr>
+          <a:xfrm>
+            <a:off x="971551" y="3589879"/>
+            <a:ext cx="7192913" cy="1507054"/>
+          </a:xfrm>
+        </p:spPr>
+        <p:txBody>
           <a:bodyPr anchor="t"/>
           <a:lstStyle>
-            <a:lvl1pPr algn="l">
-              <a:defRPr sz="4000" b="1" cap="all"/>
-            </a:lvl1pPr>
-          </a:lstStyle>
-          <a:p>
-            <a:r>
-              <a:rPr lang="en-US" smtClean="0"/>
-              <a:t>Click to edit Master title style</a:t>
-            </a:r>
-            <a:endParaRPr lang="en-US"/>
-          </a:p>
-        </p:txBody>
-      </p:sp>
-      <p:sp>
-        <p:nvSpPr>
-          <p:cNvPr id="3" name="Text Placeholder 2"/>
-          <p:cNvSpPr>
-            <a:spLocks noGrp="1"/>
-          </p:cNvSpPr>
-          <p:nvPr>
-            <p:ph type="body" idx="1"/>
-          </p:nvPr>
-        </p:nvSpPr>
-        <p:spPr>
-          <a:xfrm>
-            <a:off x="722313" y="2906713"/>
-            <a:ext cx="7772400" cy="1500187"/>
-          </a:xfrm>
-        </p:spPr>
-        <p:txBody>
-          <a:bodyPr anchor="b"/>
-          <a:lstStyle>
-            <a:lvl1pPr marL="0" indent="0">
+            <a:lvl1pPr marL="0" indent="0" algn="ctr">
               <a:buNone/>
               <a:defRPr sz="2000">
                 <a:solidFill>
-                  <a:schemeClr val="tx1">
-                    <a:tint val="75000"/>
-                  </a:schemeClr>
+                  <a:schemeClr val="tx1"/>
                 </a:solidFill>
               </a:defRPr>
             </a:lvl1pPr>
@@ -1040,7 +3638,7 @@
           <a:p>
             <a:pPr lvl="0"/>
             <a:r>
-              <a:rPr lang="en-US" smtClean="0"/>
+              <a:rPr lang="en-US"/>
               <a:t>Click to edit Master text styles</a:t>
             </a:r>
           </a:p>
@@ -1063,7 +3661,7 @@
           <a:p>
             <a:fld id="{5BCAD085-E8A6-8845-BD4E-CB4CCA059FC4}" type="datetimeFigureOut">
               <a:rPr lang="en-US" smtClean="0"/>
-              <a:t>1/27/13</a:t>
+              <a:t>5/24/2024</a:t>
             </a:fld>
             <a:endParaRPr lang="en-US"/>
           </a:p>
@@ -1114,7 +3712,7 @@
     </p:spTree>
     <p:extLst>
       <p:ext uri="{BB962C8B-B14F-4D97-AF65-F5344CB8AC3E}">
-        <p14:creationId xmlns:p14="http://schemas.microsoft.com/office/powerpoint/2010/main" val="960648375"/>
+        <p14:creationId xmlns:p14="http://schemas.microsoft.com/office/powerpoint/2010/main" val="3654816576"/>
       </p:ext>
     </p:extLst>
   </p:cSld>
@@ -1157,10 +3755,10 @@
           <a:lstStyle/>
           <a:p>
             <a:r>
-              <a:rPr lang="en-US" smtClean="0"/>
+              <a:rPr lang="en-US"/>
               <a:t>Click to edit Master title style</a:t>
             </a:r>
-            <a:endParaRPr lang="en-US"/>
+            <a:endParaRPr lang="en-US" dirty="0"/>
           </a:p>
         </p:txBody>
       </p:sp>
@@ -1176,76 +3774,50 @@
         </p:nvSpPr>
         <p:spPr>
           <a:xfrm>
-            <a:off x="457200" y="1600200"/>
-            <a:ext cx="4038600" cy="4525963"/>
+            <a:off x="685347" y="1732449"/>
+            <a:ext cx="3795373" cy="4058750"/>
           </a:xfrm>
         </p:spPr>
         <p:txBody>
-          <a:bodyPr/>
-          <a:lstStyle>
-            <a:lvl1pPr>
-              <a:defRPr sz="2800"/>
-            </a:lvl1pPr>
-            <a:lvl2pPr>
-              <a:defRPr sz="2400"/>
-            </a:lvl2pPr>
-            <a:lvl3pPr>
-              <a:defRPr sz="2000"/>
-            </a:lvl3pPr>
-            <a:lvl4pPr>
-              <a:defRPr sz="1800"/>
-            </a:lvl4pPr>
-            <a:lvl5pPr>
-              <a:defRPr sz="1800"/>
-            </a:lvl5pPr>
-            <a:lvl6pPr>
-              <a:defRPr sz="1800"/>
-            </a:lvl6pPr>
-            <a:lvl7pPr>
-              <a:defRPr sz="1800"/>
-            </a:lvl7pPr>
-            <a:lvl8pPr>
-              <a:defRPr sz="1800"/>
-            </a:lvl8pPr>
-            <a:lvl9pPr>
-              <a:defRPr sz="1800"/>
-            </a:lvl9pPr>
-          </a:lstStyle>
+          <a:bodyPr anchor="t">
+            <a:normAutofit/>
+          </a:bodyPr>
+          <a:lstStyle/>
           <a:p>
             <a:pPr lvl="0"/>
             <a:r>
-              <a:rPr lang="en-US" smtClean="0"/>
+              <a:rPr lang="en-US"/>
               <a:t>Click to edit Master text styles</a:t>
             </a:r>
           </a:p>
           <a:p>
             <a:pPr lvl="1"/>
             <a:r>
-              <a:rPr lang="en-US" smtClean="0"/>
+              <a:rPr lang="en-US"/>
               <a:t>Second level</a:t>
             </a:r>
           </a:p>
           <a:p>
             <a:pPr lvl="2"/>
             <a:r>
-              <a:rPr lang="en-US" smtClean="0"/>
+              <a:rPr lang="en-US"/>
               <a:t>Third level</a:t>
             </a:r>
           </a:p>
           <a:p>
             <a:pPr lvl="3"/>
             <a:r>
-              <a:rPr lang="en-US" smtClean="0"/>
+              <a:rPr lang="en-US"/>
               <a:t>Fourth level</a:t>
             </a:r>
           </a:p>
           <a:p>
             <a:pPr lvl="4"/>
             <a:r>
-              <a:rPr lang="en-US" smtClean="0"/>
+              <a:rPr lang="en-US"/>
               <a:t>Fifth level</a:t>
             </a:r>
-            <a:endParaRPr lang="en-US"/>
+            <a:endParaRPr lang="en-US" dirty="0"/>
           </a:p>
         </p:txBody>
       </p:sp>
@@ -1261,76 +3833,50 @@
         </p:nvSpPr>
         <p:spPr>
           <a:xfrm>
-            <a:off x="4648200" y="1600200"/>
-            <a:ext cx="4038600" cy="4525963"/>
+            <a:off x="4652169" y="1732450"/>
+            <a:ext cx="3798499" cy="4058751"/>
           </a:xfrm>
         </p:spPr>
         <p:txBody>
-          <a:bodyPr/>
-          <a:lstStyle>
-            <a:lvl1pPr>
-              <a:defRPr sz="2800"/>
-            </a:lvl1pPr>
-            <a:lvl2pPr>
-              <a:defRPr sz="2400"/>
-            </a:lvl2pPr>
-            <a:lvl3pPr>
-              <a:defRPr sz="2000"/>
-            </a:lvl3pPr>
-            <a:lvl4pPr>
-              <a:defRPr sz="1800"/>
-            </a:lvl4pPr>
-            <a:lvl5pPr>
-              <a:defRPr sz="1800"/>
-            </a:lvl5pPr>
-            <a:lvl6pPr>
-              <a:defRPr sz="1800"/>
-            </a:lvl6pPr>
-            <a:lvl7pPr>
-              <a:defRPr sz="1800"/>
-            </a:lvl7pPr>
-            <a:lvl8pPr>
-              <a:defRPr sz="1800"/>
-            </a:lvl8pPr>
-            <a:lvl9pPr>
-              <a:defRPr sz="1800"/>
-            </a:lvl9pPr>
-          </a:lstStyle>
+          <a:bodyPr anchor="t">
+            <a:normAutofit/>
+          </a:bodyPr>
+          <a:lstStyle/>
           <a:p>
             <a:pPr lvl="0"/>
             <a:r>
-              <a:rPr lang="en-US" smtClean="0"/>
+              <a:rPr lang="en-US"/>
               <a:t>Click to edit Master text styles</a:t>
             </a:r>
           </a:p>
           <a:p>
             <a:pPr lvl="1"/>
             <a:r>
-              <a:rPr lang="en-US" smtClean="0"/>
+              <a:rPr lang="en-US"/>
               <a:t>Second level</a:t>
             </a:r>
           </a:p>
           <a:p>
             <a:pPr lvl="2"/>
             <a:r>
-              <a:rPr lang="en-US" smtClean="0"/>
+              <a:rPr lang="en-US"/>
               <a:t>Third level</a:t>
             </a:r>
           </a:p>
           <a:p>
             <a:pPr lvl="3"/>
             <a:r>
-              <a:rPr lang="en-US" smtClean="0"/>
+              <a:rPr lang="en-US"/>
               <a:t>Fourth level</a:t>
             </a:r>
           </a:p>
           <a:p>
             <a:pPr lvl="4"/>
             <a:r>
-              <a:rPr lang="en-US" smtClean="0"/>
+              <a:rPr lang="en-US"/>
               <a:t>Fifth level</a:t>
             </a:r>
-            <a:endParaRPr lang="en-US"/>
+            <a:endParaRPr lang="en-US" dirty="0"/>
           </a:p>
         </p:txBody>
       </p:sp>
@@ -1351,7 +3897,7 @@
           <a:p>
             <a:fld id="{5BCAD085-E8A6-8845-BD4E-CB4CCA059FC4}" type="datetimeFigureOut">
               <a:rPr lang="en-US" smtClean="0"/>
-              <a:t>1/27/13</a:t>
+              <a:t>5/24/2024</a:t>
             </a:fld>
             <a:endParaRPr lang="en-US"/>
           </a:p>
@@ -1402,7 +3948,7 @@
     </p:spTree>
     <p:extLst>
       <p:ext uri="{BB962C8B-B14F-4D97-AF65-F5344CB8AC3E}">
-        <p14:creationId xmlns:p14="http://schemas.microsoft.com/office/powerpoint/2010/main" val="2782244947"/>
+        <p14:creationId xmlns:p14="http://schemas.microsoft.com/office/powerpoint/2010/main" val="2286053764"/>
       </p:ext>
     </p:extLst>
   </p:cSld>
@@ -1429,6 +3975,66 @@
           <a:chExt cx="0" cy="0"/>
         </a:xfrm>
       </p:grpSpPr>
+      <p:pic>
+        <p:nvPicPr>
+          <p:cNvPr id="10" name="Picture 9" descr="Slate-V2-SD-compPhotoInset.png"/>
+          <p:cNvPicPr>
+            <a:picLocks noChangeAspect="1"/>
+          </p:cNvPicPr>
+          <p:nvPr/>
+        </p:nvPicPr>
+        <p:blipFill>
+          <a:blip r:embed="rId2">
+            <a:extLst>
+              <a:ext uri="{28A0092B-C50C-407E-A947-70E740481C1C}">
+                <a14:useLocalDpi xmlns:a14="http://schemas.microsoft.com/office/drawing/2010/main" val="0"/>
+              </a:ext>
+            </a:extLst>
+          </a:blip>
+          <a:stretch>
+            <a:fillRect/>
+          </a:stretch>
+        </p:blipFill>
+        <p:spPr>
+          <a:xfrm>
+            <a:off x="685345" y="1770323"/>
+            <a:ext cx="3787423" cy="4112953"/>
+          </a:xfrm>
+          <a:prstGeom prst="rect">
+            <a:avLst/>
+          </a:prstGeom>
+        </p:spPr>
+      </p:pic>
+      <p:pic>
+        <p:nvPicPr>
+          <p:cNvPr id="14" name="Picture 13" descr="Slate-V2-SD-compPhotoInset.png"/>
+          <p:cNvPicPr>
+            <a:picLocks noChangeAspect="1"/>
+          </p:cNvPicPr>
+          <p:nvPr/>
+        </p:nvPicPr>
+        <p:blipFill>
+          <a:blip r:embed="rId2">
+            <a:extLst>
+              <a:ext uri="{28A0092B-C50C-407E-A947-70E740481C1C}">
+                <a14:useLocalDpi xmlns:a14="http://schemas.microsoft.com/office/drawing/2010/main" val="0"/>
+              </a:ext>
+            </a:extLst>
+          </a:blip>
+          <a:stretch>
+            <a:fillRect/>
+          </a:stretch>
+        </p:blipFill>
+        <p:spPr>
+          <a:xfrm>
+            <a:off x="4663245" y="1770323"/>
+            <a:ext cx="3787423" cy="4112953"/>
+          </a:xfrm>
+          <a:prstGeom prst="rect">
+            <a:avLst/>
+          </a:prstGeom>
+        </p:spPr>
+      </p:pic>
       <p:sp>
         <p:nvSpPr>
           <p:cNvPr id="2" name="Title 1"/>
@@ -1449,10 +4055,10 @@
           </a:lstStyle>
           <a:p>
             <a:r>
-              <a:rPr lang="en-US" smtClean="0"/>
+              <a:rPr lang="en-US"/>
               <a:t>Click to edit Master title style</a:t>
             </a:r>
-            <a:endParaRPr lang="en-US"/>
+            <a:endParaRPr lang="en-US" dirty="0"/>
           </a:p>
         </p:txBody>
       </p:sp>
@@ -1468,16 +4074,18 @@
         </p:nvSpPr>
         <p:spPr>
           <a:xfrm>
-            <a:off x="457200" y="1535113"/>
-            <a:ext cx="4040188" cy="639762"/>
+            <a:off x="754404" y="1835254"/>
+            <a:ext cx="3657258" cy="544884"/>
           </a:xfrm>
         </p:spPr>
         <p:txBody>
-          <a:bodyPr anchor="b"/>
+          <a:bodyPr anchor="b">
+            <a:noAutofit/>
+          </a:bodyPr>
           <a:lstStyle>
-            <a:lvl1pPr marL="0" indent="0">
-              <a:buNone/>
-              <a:defRPr sz="2400" b="1"/>
+            <a:lvl1pPr marL="0" indent="0" algn="ctr">
+              <a:buNone/>
+              <a:defRPr sz="2400" b="0"/>
             </a:lvl1pPr>
             <a:lvl2pPr marL="457200" indent="0">
               <a:buNone/>
@@ -1515,7 +4123,7 @@
           <a:p>
             <a:pPr lvl="0"/>
             <a:r>
-              <a:rPr lang="en-US" smtClean="0"/>
+              <a:rPr lang="en-US"/>
               <a:t>Click to edit Master text styles</a:t>
             </a:r>
           </a:p>
@@ -1533,76 +4141,66 @@
         </p:nvSpPr>
         <p:spPr>
           <a:xfrm>
-            <a:off x="457200" y="2174875"/>
-            <a:ext cx="4040188" cy="3951288"/>
+            <a:off x="754404" y="2380138"/>
+            <a:ext cx="3657258" cy="3411063"/>
           </a:xfrm>
         </p:spPr>
         <p:txBody>
-          <a:bodyPr/>
+          <a:bodyPr anchor="t">
+            <a:normAutofit/>
+          </a:bodyPr>
           <a:lstStyle>
             <a:lvl1pPr>
-              <a:defRPr sz="2400"/>
+              <a:defRPr sz="1800"/>
             </a:lvl1pPr>
             <a:lvl2pPr>
-              <a:defRPr sz="2000"/>
+              <a:defRPr sz="1600"/>
             </a:lvl2pPr>
             <a:lvl3pPr>
-              <a:defRPr sz="1800"/>
+              <a:defRPr sz="1400"/>
             </a:lvl3pPr>
             <a:lvl4pPr>
-              <a:defRPr sz="1600"/>
+              <a:defRPr sz="1200"/>
             </a:lvl4pPr>
             <a:lvl5pPr>
-              <a:defRPr sz="1600"/>
+              <a:defRPr sz="1200"/>
             </a:lvl5pPr>
-            <a:lvl6pPr>
-              <a:defRPr sz="1600"/>
-            </a:lvl6pPr>
-            <a:lvl7pPr>
-              <a:defRPr sz="1600"/>
-            </a:lvl7pPr>
-            <a:lvl8pPr>
-              <a:defRPr sz="1600"/>
-            </a:lvl8pPr>
-            <a:lvl9pPr>
-              <a:defRPr sz="1600"/>
-            </a:lvl9pPr>
           </a:lstStyle>
           <a:p>
             <a:pPr lvl="0"/>
             <a:r>
-              <a:rPr lang="en-US" smtClean="0"/>
+              <a:rPr lang="en-US"/>
               <a:t>Click to edit Master text styles</a:t>
             </a:r>
           </a:p>
           <a:p>
             <a:pPr lvl="1"/>
             <a:r>
-              <a:rPr lang="en-US" smtClean="0"/>
+              <a:rPr lang="en-US"/>
               <a:t>Second level</a:t>
             </a:r>
           </a:p>
           <a:p>
             <a:pPr lvl="2"/>
             <a:r>
-              <a:rPr lang="en-US" smtClean="0"/>
+              <a:rPr lang="en-US"/>
               <a:t>Third level</a:t>
             </a:r>
           </a:p>
           <a:p>
             <a:pPr lvl="3"/>
             <a:r>
-              <a:rPr lang="en-US" smtClean="0"/>
+              <a:rPr lang="en-US"/>
               <a:t>Fourth level</a:t>
             </a:r>
           </a:p>
           <a:p>
             <a:pPr lvl="4"/>
             <a:r>
-              <a:rPr lang="en-US" smtClean="0"/>
+              <a:rPr lang="en-US"/>
               <a:t>Fifth level</a:t>
             </a:r>
-            <a:endParaRPr lang="en-US"/>
+            <a:endParaRPr lang="en-US" dirty="0"/>
           </a:p>
         </p:txBody>
       </p:sp>
@@ -1618,16 +4216,18 @@
         </p:nvSpPr>
         <p:spPr>
           <a:xfrm>
-            <a:off x="4645025" y="1535113"/>
-            <a:ext cx="4041775" cy="639762"/>
+            <a:off x="4721225" y="1835255"/>
+            <a:ext cx="3671498" cy="544883"/>
           </a:xfrm>
         </p:spPr>
         <p:txBody>
-          <a:bodyPr anchor="b"/>
+          <a:bodyPr anchor="b">
+            <a:noAutofit/>
+          </a:bodyPr>
           <a:lstStyle>
-            <a:lvl1pPr marL="0" indent="0">
-              <a:buNone/>
-              <a:defRPr sz="2400" b="1"/>
+            <a:lvl1pPr marL="0" indent="0" algn="ctr">
+              <a:buNone/>
+              <a:defRPr sz="2400" b="0"/>
             </a:lvl1pPr>
             <a:lvl2pPr marL="457200" indent="0">
               <a:buNone/>
@@ -1665,7 +4265,7 @@
           <a:p>
             <a:pPr lvl="0"/>
             <a:r>
-              <a:rPr lang="en-US" smtClean="0"/>
+              <a:rPr lang="en-US"/>
               <a:t>Click to edit Master text styles</a:t>
             </a:r>
           </a:p>
@@ -1683,76 +4283,66 @@
         </p:nvSpPr>
         <p:spPr>
           <a:xfrm>
-            <a:off x="4645025" y="2174875"/>
-            <a:ext cx="4041775" cy="3951288"/>
+            <a:off x="4721225" y="2380138"/>
+            <a:ext cx="3671498" cy="3411063"/>
           </a:xfrm>
         </p:spPr>
         <p:txBody>
-          <a:bodyPr/>
+          <a:bodyPr anchor="t">
+            <a:normAutofit/>
+          </a:bodyPr>
           <a:lstStyle>
             <a:lvl1pPr>
-              <a:defRPr sz="2400"/>
+              <a:defRPr sz="1800"/>
             </a:lvl1pPr>
             <a:lvl2pPr>
-              <a:defRPr sz="2000"/>
+              <a:defRPr sz="1600"/>
             </a:lvl2pPr>
             <a:lvl3pPr>
-              <a:defRPr sz="1800"/>
+              <a:defRPr sz="1400"/>
             </a:lvl3pPr>
             <a:lvl4pPr>
-              <a:defRPr sz="1600"/>
+              <a:defRPr sz="1200"/>
             </a:lvl4pPr>
             <a:lvl5pPr>
-              <a:defRPr sz="1600"/>
+              <a:defRPr sz="1200"/>
             </a:lvl5pPr>
-            <a:lvl6pPr>
-              <a:defRPr sz="1600"/>
-            </a:lvl6pPr>
-            <a:lvl7pPr>
-              <a:defRPr sz="1600"/>
-            </a:lvl7pPr>
-            <a:lvl8pPr>
-              <a:defRPr sz="1600"/>
-            </a:lvl8pPr>
-            <a:lvl9pPr>
-              <a:defRPr sz="1600"/>
-            </a:lvl9pPr>
           </a:lstStyle>
           <a:p>
             <a:pPr lvl="0"/>
             <a:r>
-              <a:rPr lang="en-US" smtClean="0"/>
+              <a:rPr lang="en-US"/>
               <a:t>Click to edit Master text styles</a:t>
             </a:r>
           </a:p>
           <a:p>
             <a:pPr lvl="1"/>
             <a:r>
-              <a:rPr lang="en-US" smtClean="0"/>
+              <a:rPr lang="en-US"/>
               <a:t>Second level</a:t>
             </a:r>
           </a:p>
           <a:p>
             <a:pPr lvl="2"/>
             <a:r>
-              <a:rPr lang="en-US" smtClean="0"/>
+              <a:rPr lang="en-US"/>
               <a:t>Third level</a:t>
             </a:r>
           </a:p>
           <a:p>
             <a:pPr lvl="3"/>
             <a:r>
-              <a:rPr lang="en-US" smtClean="0"/>
+              <a:rPr lang="en-US"/>
               <a:t>Fourth level</a:t>
             </a:r>
           </a:p>
           <a:p>
             <a:pPr lvl="4"/>
             <a:r>
-              <a:rPr lang="en-US" smtClean="0"/>
+              <a:rPr lang="en-US"/>
               <a:t>Fifth level</a:t>
             </a:r>
-            <a:endParaRPr lang="en-US"/>
+            <a:endParaRPr lang="en-US" dirty="0"/>
           </a:p>
         </p:txBody>
       </p:sp>
@@ -1773,7 +4363,7 @@
           <a:p>
             <a:fld id="{5BCAD085-E8A6-8845-BD4E-CB4CCA059FC4}" type="datetimeFigureOut">
               <a:rPr lang="en-US" smtClean="0"/>
-              <a:t>1/27/13</a:t>
+              <a:t>5/24/2024</a:t>
             </a:fld>
             <a:endParaRPr lang="en-US"/>
           </a:p>
@@ -1824,7 +4414,7 @@
     </p:spTree>
     <p:extLst>
       <p:ext uri="{BB962C8B-B14F-4D97-AF65-F5344CB8AC3E}">
-        <p14:creationId xmlns:p14="http://schemas.microsoft.com/office/powerpoint/2010/main" val="990158736"/>
+        <p14:creationId xmlns:p14="http://schemas.microsoft.com/office/powerpoint/2010/main" val="1020561129"/>
       </p:ext>
     </p:extLst>
   </p:cSld>
@@ -1867,10 +4457,10 @@
           <a:lstStyle/>
           <a:p>
             <a:r>
-              <a:rPr lang="en-US" smtClean="0"/>
+              <a:rPr lang="en-US"/>
               <a:t>Click to edit Master title style</a:t>
             </a:r>
-            <a:endParaRPr lang="en-US"/>
+            <a:endParaRPr lang="en-US" dirty="0"/>
           </a:p>
         </p:txBody>
       </p:sp>
@@ -1891,7 +4481,7 @@
           <a:p>
             <a:fld id="{5BCAD085-E8A6-8845-BD4E-CB4CCA059FC4}" type="datetimeFigureOut">
               <a:rPr lang="en-US" smtClean="0"/>
-              <a:t>1/27/13</a:t>
+              <a:t>5/24/2024</a:t>
             </a:fld>
             <a:endParaRPr lang="en-US"/>
           </a:p>
@@ -1942,7 +4532,7 @@
     </p:spTree>
     <p:extLst>
       <p:ext uri="{BB962C8B-B14F-4D97-AF65-F5344CB8AC3E}">
-        <p14:creationId xmlns:p14="http://schemas.microsoft.com/office/powerpoint/2010/main" val="727027711"/>
+        <p14:creationId xmlns:p14="http://schemas.microsoft.com/office/powerpoint/2010/main" val="814322980"/>
       </p:ext>
     </p:extLst>
   </p:cSld>
@@ -1986,7 +4576,7 @@
           <a:p>
             <a:fld id="{5BCAD085-E8A6-8845-BD4E-CB4CCA059FC4}" type="datetimeFigureOut">
               <a:rPr lang="en-US" smtClean="0"/>
-              <a:t>1/27/13</a:t>
+              <a:t>5/24/2024</a:t>
             </a:fld>
             <a:endParaRPr lang="en-US"/>
           </a:p>
@@ -2037,7 +4627,7 @@
     </p:spTree>
     <p:extLst>
       <p:ext uri="{BB962C8B-B14F-4D97-AF65-F5344CB8AC3E}">
-        <p14:creationId xmlns:p14="http://schemas.microsoft.com/office/powerpoint/2010/main" val="1212999818"/>
+        <p14:creationId xmlns:p14="http://schemas.microsoft.com/office/powerpoint/2010/main" val="2924407515"/>
       </p:ext>
     </p:extLst>
   </p:cSld>
@@ -2076,23 +4666,25 @@
         </p:nvSpPr>
         <p:spPr>
           <a:xfrm>
-            <a:off x="457200" y="273050"/>
-            <a:ext cx="3008313" cy="1162050"/>
+            <a:off x="685347" y="609600"/>
+            <a:ext cx="2780167" cy="1821918"/>
           </a:xfrm>
         </p:spPr>
         <p:txBody>
-          <a:bodyPr anchor="b"/>
+          <a:bodyPr anchor="b">
+            <a:normAutofit/>
+          </a:bodyPr>
           <a:lstStyle>
-            <a:lvl1pPr algn="l">
-              <a:defRPr sz="2000" b="1"/>
+            <a:lvl1pPr algn="ctr">
+              <a:defRPr sz="2400" b="0"/>
             </a:lvl1pPr>
           </a:lstStyle>
           <a:p>
             <a:r>
-              <a:rPr lang="en-US" smtClean="0"/>
+              <a:rPr lang="en-US"/>
               <a:t>Click to edit Master title style</a:t>
             </a:r>
-            <a:endParaRPr lang="en-US"/>
+            <a:endParaRPr lang="en-US" dirty="0"/>
           </a:p>
         </p:txBody>
       </p:sp>
@@ -2108,76 +4700,50 @@
         </p:nvSpPr>
         <p:spPr>
           <a:xfrm>
-            <a:off x="3575050" y="273050"/>
-            <a:ext cx="5111750" cy="5853113"/>
+            <a:off x="3641725" y="609600"/>
+            <a:ext cx="4808943" cy="5181600"/>
           </a:xfrm>
         </p:spPr>
         <p:txBody>
-          <a:bodyPr/>
-          <a:lstStyle>
-            <a:lvl1pPr>
-              <a:defRPr sz="3200"/>
-            </a:lvl1pPr>
-            <a:lvl2pPr>
-              <a:defRPr sz="2800"/>
-            </a:lvl2pPr>
-            <a:lvl3pPr>
-              <a:defRPr sz="2400"/>
-            </a:lvl3pPr>
-            <a:lvl4pPr>
-              <a:defRPr sz="2000"/>
-            </a:lvl4pPr>
-            <a:lvl5pPr>
-              <a:defRPr sz="2000"/>
-            </a:lvl5pPr>
-            <a:lvl6pPr>
-              <a:defRPr sz="2000"/>
-            </a:lvl6pPr>
-            <a:lvl7pPr>
-              <a:defRPr sz="2000"/>
-            </a:lvl7pPr>
-            <a:lvl8pPr>
-              <a:defRPr sz="2000"/>
-            </a:lvl8pPr>
-            <a:lvl9pPr>
-              <a:defRPr sz="2000"/>
-            </a:lvl9pPr>
-          </a:lstStyle>
+          <a:bodyPr>
+            <a:normAutofit/>
+          </a:bodyPr>
+          <a:lstStyle/>
           <a:p>
             <a:pPr lvl="0"/>
             <a:r>
-              <a:rPr lang="en-US" smtClean="0"/>
+              <a:rPr lang="en-US"/>
               <a:t>Click to edit Master text styles</a:t>
             </a:r>
           </a:p>
           <a:p>
             <a:pPr lvl="1"/>
             <a:r>
-              <a:rPr lang="en-US" smtClean="0"/>
+              <a:rPr lang="en-US"/>
               <a:t>Second level</a:t>
             </a:r>
           </a:p>
           <a:p>
             <a:pPr lvl="2"/>
             <a:r>
-              <a:rPr lang="en-US" smtClean="0"/>
+              <a:rPr lang="en-US"/>
               <a:t>Third level</a:t>
             </a:r>
           </a:p>
           <a:p>
             <a:pPr lvl="3"/>
             <a:r>
-              <a:rPr lang="en-US" smtClean="0"/>
+              <a:rPr lang="en-US"/>
               <a:t>Fourth level</a:t>
             </a:r>
           </a:p>
           <a:p>
             <a:pPr lvl="4"/>
             <a:r>
-              <a:rPr lang="en-US" smtClean="0"/>
+              <a:rPr lang="en-US"/>
               <a:t>Fifth level</a:t>
             </a:r>
-            <a:endParaRPr lang="en-US"/>
+            <a:endParaRPr lang="en-US" dirty="0"/>
           </a:p>
         </p:txBody>
       </p:sp>
@@ -2193,16 +4759,18 @@
         </p:nvSpPr>
         <p:spPr>
           <a:xfrm>
-            <a:off x="457200" y="1435100"/>
-            <a:ext cx="3008313" cy="4691063"/>
+            <a:off x="685347" y="2431518"/>
+            <a:ext cx="2780167" cy="3359681"/>
           </a:xfrm>
         </p:spPr>
         <p:txBody>
-          <a:bodyPr/>
+          <a:bodyPr anchor="t">
+            <a:normAutofit/>
+          </a:bodyPr>
           <a:lstStyle>
-            <a:lvl1pPr marL="0" indent="0">
-              <a:buNone/>
-              <a:defRPr sz="1400"/>
+            <a:lvl1pPr marL="0" indent="0" algn="ctr">
+              <a:buNone/>
+              <a:defRPr sz="1600"/>
             </a:lvl1pPr>
             <a:lvl2pPr marL="457200" indent="0">
               <a:buNone/>
@@ -2240,7 +4808,7 @@
           <a:p>
             <a:pPr lvl="0"/>
             <a:r>
-              <a:rPr lang="en-US" smtClean="0"/>
+              <a:rPr lang="en-US"/>
               <a:t>Click to edit Master text styles</a:t>
             </a:r>
           </a:p>
@@ -2263,7 +4831,7 @@
           <a:p>
             <a:fld id="{5BCAD085-E8A6-8845-BD4E-CB4CCA059FC4}" type="datetimeFigureOut">
               <a:rPr lang="en-US" smtClean="0"/>
-              <a:t>1/27/13</a:t>
+              <a:t>5/24/2024</a:t>
             </a:fld>
             <a:endParaRPr lang="en-US"/>
           </a:p>
@@ -2314,7 +4882,7 @@
     </p:spTree>
     <p:extLst>
       <p:ext uri="{BB962C8B-B14F-4D97-AF65-F5344CB8AC3E}">
-        <p14:creationId xmlns:p14="http://schemas.microsoft.com/office/powerpoint/2010/main" val="1840726560"/>
+        <p14:creationId xmlns:p14="http://schemas.microsoft.com/office/powerpoint/2010/main" val="3200724403"/>
       </p:ext>
     </p:extLst>
   </p:cSld>
@@ -2341,35 +4909,67 @@
           <a:chExt cx="0" cy="0"/>
         </a:xfrm>
       </p:grpSpPr>
-      <p:sp>
-        <p:nvSpPr>
-          <p:cNvPr id="2" name="Title 1"/>
-          <p:cNvSpPr>
-            <a:spLocks noGrp="1"/>
-          </p:cNvSpPr>
-          <p:nvPr>
-            <p:ph type="title"/>
-          </p:nvPr>
-        </p:nvSpPr>
+      <p:pic>
+        <p:nvPicPr>
+          <p:cNvPr id="12" name="Picture 11" descr="Slate-V2-SD-vertPhotoInset.png"/>
+          <p:cNvPicPr>
+            <a:picLocks noChangeAspect="1"/>
+          </p:cNvPicPr>
+          <p:nvPr/>
+        </p:nvPicPr>
+        <p:blipFill>
+          <a:blip r:embed="rId2">
+            <a:extLst>
+              <a:ext uri="{28A0092B-C50C-407E-A947-70E740481C1C}">
+                <a14:useLocalDpi xmlns:a14="http://schemas.microsoft.com/office/drawing/2010/main" val="0"/>
+              </a:ext>
+            </a:extLst>
+          </a:blip>
+          <a:stretch>
+            <a:fillRect/>
+          </a:stretch>
+        </p:blipFill>
         <p:spPr>
           <a:xfrm>
-            <a:off x="1792288" y="4800600"/>
-            <a:ext cx="5486400" cy="566738"/>
+            <a:off x="4844987" y="609923"/>
+            <a:ext cx="3428146" cy="5205472"/>
+          </a:xfrm>
+          <a:prstGeom prst="rect">
+            <a:avLst/>
+          </a:prstGeom>
+        </p:spPr>
+      </p:pic>
+      <p:sp>
+        <p:nvSpPr>
+          <p:cNvPr id="2" name="Title 1"/>
+          <p:cNvSpPr>
+            <a:spLocks noGrp="1"/>
+          </p:cNvSpPr>
+          <p:nvPr>
+            <p:ph type="title"/>
+          </p:nvPr>
+        </p:nvSpPr>
+        <p:spPr>
+          <a:xfrm>
+            <a:off x="685347" y="609923"/>
+            <a:ext cx="3924676" cy="1829338"/>
           </a:xfrm>
         </p:spPr>
         <p:txBody>
-          <a:bodyPr anchor="b"/>
+          <a:bodyPr anchor="b">
+            <a:noAutofit/>
+          </a:bodyPr>
           <a:lstStyle>
-            <a:lvl1pPr algn="l">
-              <a:defRPr sz="2000" b="1"/>
+            <a:lvl1pPr algn="ctr">
+              <a:defRPr sz="3200" b="0"/>
             </a:lvl1pPr>
           </a:lstStyle>
           <a:p>
             <a:r>
-              <a:rPr lang="en-US" smtClean="0"/>
+              <a:rPr lang="en-US"/>
               <a:t>Click to edit Master title style</a:t>
             </a:r>
-            <a:endParaRPr lang="en-US"/>
+            <a:endParaRPr lang="en-US" dirty="0"/>
           </a:p>
         </p:txBody>
       </p:sp>
@@ -2377,7 +4977,7 @@
         <p:nvSpPr>
           <p:cNvPr id="3" name="Picture Placeholder 2"/>
           <p:cNvSpPr>
-            <a:spLocks noGrp="1"/>
+            <a:spLocks noGrp="1" noChangeAspect="1"/>
           </p:cNvSpPr>
           <p:nvPr>
             <p:ph type="pic" idx="1"/>
@@ -2385,77 +4985,92 @@
         </p:nvSpPr>
         <p:spPr>
           <a:xfrm>
-            <a:off x="1792288" y="612775"/>
-            <a:ext cx="5486400" cy="4114800"/>
+            <a:off x="4976728" y="743989"/>
+            <a:ext cx="3165375" cy="4912822"/>
+          </a:xfrm>
+          <a:effectLst>
+            <a:outerShdw blurRad="38100" dist="25400" dir="4440000">
+              <a:srgbClr val="000000">
+                <a:alpha val="36000"/>
+              </a:srgbClr>
+            </a:outerShdw>
+          </a:effectLst>
+        </p:spPr>
+        <p:txBody>
+          <a:bodyPr anchor="t">
+            <a:normAutofit/>
+          </a:bodyPr>
+          <a:lstStyle>
+            <a:lvl1pPr marL="0" indent="0" algn="ctr">
+              <a:buNone/>
+              <a:defRPr sz="1600"/>
+            </a:lvl1pPr>
+            <a:lvl2pPr marL="457200" indent="0">
+              <a:buNone/>
+              <a:defRPr sz="1600"/>
+            </a:lvl2pPr>
+            <a:lvl3pPr marL="914400" indent="0">
+              <a:buNone/>
+              <a:defRPr sz="1600"/>
+            </a:lvl3pPr>
+            <a:lvl4pPr marL="1371600" indent="0">
+              <a:buNone/>
+              <a:defRPr sz="1600"/>
+            </a:lvl4pPr>
+            <a:lvl5pPr marL="1828800" indent="0">
+              <a:buNone/>
+              <a:defRPr sz="1600"/>
+            </a:lvl5pPr>
+            <a:lvl6pPr marL="2286000" indent="0">
+              <a:buNone/>
+              <a:defRPr sz="1600"/>
+            </a:lvl6pPr>
+            <a:lvl7pPr marL="2743200" indent="0">
+              <a:buNone/>
+              <a:defRPr sz="1600"/>
+            </a:lvl7pPr>
+            <a:lvl8pPr marL="3200400" indent="0">
+              <a:buNone/>
+              <a:defRPr sz="1600"/>
+            </a:lvl8pPr>
+            <a:lvl9pPr marL="3657600" indent="0">
+              <a:buNone/>
+              <a:defRPr sz="1600"/>
+            </a:lvl9pPr>
+          </a:lstStyle>
+          <a:p>
+            <a:r>
+              <a:rPr lang="en-US"/>
+              <a:t>Click icon to add picture</a:t>
+            </a:r>
+            <a:endParaRPr lang="en-US" dirty="0"/>
+          </a:p>
+        </p:txBody>
+      </p:sp>
+      <p:sp>
+        <p:nvSpPr>
+          <p:cNvPr id="4" name="Text Placeholder 3"/>
+          <p:cNvSpPr>
+            <a:spLocks noGrp="1"/>
+          </p:cNvSpPr>
+          <p:nvPr>
+            <p:ph type="body" sz="half" idx="2"/>
+          </p:nvPr>
+        </p:nvSpPr>
+        <p:spPr>
+          <a:xfrm>
+            <a:off x="685347" y="2439261"/>
+            <a:ext cx="3924676" cy="3376134"/>
           </a:xfrm>
         </p:spPr>
         <p:txBody>
-          <a:bodyPr/>
+          <a:bodyPr anchor="t">
+            <a:normAutofit/>
+          </a:bodyPr>
           <a:lstStyle>
-            <a:lvl1pPr marL="0" indent="0">
-              <a:buNone/>
-              <a:defRPr sz="3200"/>
-            </a:lvl1pPr>
-            <a:lvl2pPr marL="457200" indent="0">
-              <a:buNone/>
-              <a:defRPr sz="2800"/>
-            </a:lvl2pPr>
-            <a:lvl3pPr marL="914400" indent="0">
-              <a:buNone/>
-              <a:defRPr sz="2400"/>
-            </a:lvl3pPr>
-            <a:lvl4pPr marL="1371600" indent="0">
-              <a:buNone/>
-              <a:defRPr sz="2000"/>
-            </a:lvl4pPr>
-            <a:lvl5pPr marL="1828800" indent="0">
-              <a:buNone/>
-              <a:defRPr sz="2000"/>
-            </a:lvl5pPr>
-            <a:lvl6pPr marL="2286000" indent="0">
-              <a:buNone/>
-              <a:defRPr sz="2000"/>
-            </a:lvl6pPr>
-            <a:lvl7pPr marL="2743200" indent="0">
-              <a:buNone/>
-              <a:defRPr sz="2000"/>
-            </a:lvl7pPr>
-            <a:lvl8pPr marL="3200400" indent="0">
-              <a:buNone/>
-              <a:defRPr sz="2000"/>
-            </a:lvl8pPr>
-            <a:lvl9pPr marL="3657600" indent="0">
-              <a:buNone/>
-              <a:defRPr sz="2000"/>
-            </a:lvl9pPr>
-          </a:lstStyle>
-          <a:p>
-            <a:endParaRPr lang="en-US"/>
-          </a:p>
-        </p:txBody>
-      </p:sp>
-      <p:sp>
-        <p:nvSpPr>
-          <p:cNvPr id="4" name="Text Placeholder 3"/>
-          <p:cNvSpPr>
-            <a:spLocks noGrp="1"/>
-          </p:cNvSpPr>
-          <p:nvPr>
-            <p:ph type="body" sz="half" idx="2"/>
-          </p:nvPr>
-        </p:nvSpPr>
-        <p:spPr>
-          <a:xfrm>
-            <a:off x="1792288" y="5367338"/>
-            <a:ext cx="5486400" cy="804862"/>
-          </a:xfrm>
-        </p:spPr>
-        <p:txBody>
-          <a:bodyPr/>
-          <a:lstStyle>
-            <a:lvl1pPr marL="0" indent="0">
-              <a:buNone/>
-              <a:defRPr sz="1400"/>
+            <a:lvl1pPr marL="0" indent="0" algn="ctr">
+              <a:buNone/>
+              <a:defRPr sz="1600"/>
             </a:lvl1pPr>
             <a:lvl2pPr marL="457200" indent="0">
               <a:buNone/>
@@ -2493,7 +5108,7 @@
           <a:p>
             <a:pPr lvl="0"/>
             <a:r>
-              <a:rPr lang="en-US" smtClean="0"/>
+              <a:rPr lang="en-US"/>
               <a:t>Click to edit Master text styles</a:t>
             </a:r>
           </a:p>
@@ -2516,7 +5131,7 @@
           <a:p>
             <a:fld id="{5BCAD085-E8A6-8845-BD4E-CB4CCA059FC4}" type="datetimeFigureOut">
               <a:rPr lang="en-US" smtClean="0"/>
-              <a:t>1/27/13</a:t>
+              <a:t>5/24/2024</a:t>
             </a:fld>
             <a:endParaRPr lang="en-US"/>
           </a:p>
@@ -2567,7 +5182,7 @@
     </p:spTree>
     <p:extLst>
       <p:ext uri="{BB962C8B-B14F-4D97-AF65-F5344CB8AC3E}">
-        <p14:creationId xmlns:p14="http://schemas.microsoft.com/office/powerpoint/2010/main" val="3889236939"/>
+        <p14:creationId xmlns:p14="http://schemas.microsoft.com/office/powerpoint/2010/main" val="3345722024"/>
       </p:ext>
     </p:extLst>
   </p:cSld>
@@ -2581,8 +5196,8 @@
 <p:sldMaster xmlns:a="http://schemas.openxmlformats.org/drawingml/2006/main" xmlns:r="http://schemas.openxmlformats.org/officeDocument/2006/relationships" xmlns:p="http://schemas.openxmlformats.org/presentationml/2006/main">
   <p:cSld>
     <p:bg>
-      <p:bgRef idx="1001">
-        <a:schemeClr val="bg1"/>
+      <p:bgRef idx="1003">
+        <a:schemeClr val="bg2"/>
       </p:bgRef>
     </p:bg>
     <p:spTree>
@@ -2611,103 +5226,209 @@
         </p:nvSpPr>
         <p:spPr>
           <a:xfrm>
-            <a:off x="457200" y="274638"/>
-            <a:ext cx="8229600" cy="1143000"/>
+            <a:off x="685346" y="609600"/>
+            <a:ext cx="7765322" cy="970450"/>
+          </a:xfrm>
+          <a:prstGeom prst="rect">
+            <a:avLst/>
+          </a:prstGeom>
+          <a:effectLst>
+            <a:outerShdw blurRad="25400" dir="17880000">
+              <a:srgbClr val="000000">
+                <a:alpha val="46000"/>
+              </a:srgbClr>
+            </a:outerShdw>
+          </a:effectLst>
+        </p:spPr>
+        <p:txBody>
+          <a:bodyPr vert="horz" lIns="91440" tIns="45720" rIns="91440" bIns="45720" rtlCol="0" anchor="ctr">
+            <a:normAutofit/>
+          </a:bodyPr>
+          <a:lstStyle/>
+          <a:p>
+            <a:r>
+              <a:rPr lang="en-US"/>
+              <a:t>Click to edit Master title style</a:t>
+            </a:r>
+            <a:endParaRPr lang="en-US" dirty="0"/>
+          </a:p>
+        </p:txBody>
+      </p:sp>
+      <p:sp>
+        <p:nvSpPr>
+          <p:cNvPr id="3" name="Text Placeholder 2"/>
+          <p:cNvSpPr>
+            <a:spLocks noGrp="1"/>
+          </p:cNvSpPr>
+          <p:nvPr>
+            <p:ph type="body" idx="1"/>
+          </p:nvPr>
+        </p:nvSpPr>
+        <p:spPr>
+          <a:xfrm>
+            <a:off x="685346" y="1732450"/>
+            <a:ext cx="7765322" cy="4058751"/>
+          </a:xfrm>
+          <a:prstGeom prst="rect">
+            <a:avLst/>
+          </a:prstGeom>
+          <a:effectLst>
+            <a:outerShdw blurRad="25400" dir="17880000">
+              <a:srgbClr val="000000">
+                <a:alpha val="46000"/>
+              </a:srgbClr>
+            </a:outerShdw>
+          </a:effectLst>
+        </p:spPr>
+        <p:txBody>
+          <a:bodyPr vert="horz" lIns="91440" tIns="45720" rIns="91440" bIns="45720" rtlCol="0" anchor="t">
+            <a:normAutofit/>
+          </a:bodyPr>
+          <a:lstStyle/>
+          <a:p>
+            <a:pPr lvl="0"/>
+            <a:r>
+              <a:rPr lang="en-US"/>
+              <a:t>Click to edit Master text styles</a:t>
+            </a:r>
+          </a:p>
+          <a:p>
+            <a:pPr lvl="1"/>
+            <a:r>
+              <a:rPr lang="en-US"/>
+              <a:t>Second level</a:t>
+            </a:r>
+          </a:p>
+          <a:p>
+            <a:pPr lvl="2"/>
+            <a:r>
+              <a:rPr lang="en-US"/>
+              <a:t>Third level</a:t>
+            </a:r>
+          </a:p>
+          <a:p>
+            <a:pPr lvl="3"/>
+            <a:r>
+              <a:rPr lang="en-US"/>
+              <a:t>Fourth level</a:t>
+            </a:r>
+          </a:p>
+          <a:p>
+            <a:pPr lvl="4"/>
+            <a:r>
+              <a:rPr lang="en-US"/>
+              <a:t>Fifth level</a:t>
+            </a:r>
+            <a:endParaRPr lang="en-US" dirty="0"/>
+          </a:p>
+        </p:txBody>
+      </p:sp>
+      <p:sp>
+        <p:nvSpPr>
+          <p:cNvPr id="4" name="Date Placeholder 3"/>
+          <p:cNvSpPr>
+            <a:spLocks noGrp="1"/>
+          </p:cNvSpPr>
+          <p:nvPr>
+            <p:ph type="dt" sz="half" idx="2"/>
+          </p:nvPr>
+        </p:nvSpPr>
+        <p:spPr>
+          <a:xfrm>
+            <a:off x="5759052" y="5883276"/>
+            <a:ext cx="2057400" cy="365125"/>
           </a:xfrm>
           <a:prstGeom prst="rect">
             <a:avLst/>
           </a:prstGeom>
         </p:spPr>
         <p:txBody>
-          <a:bodyPr vert="horz" lIns="91440" tIns="45720" rIns="91440" bIns="45720" rtlCol="0" anchor="ctr">
-            <a:normAutofit/>
-          </a:bodyPr>
-          <a:lstStyle/>
-          <a:p>
-            <a:r>
+          <a:bodyPr vert="horz" lIns="91440" tIns="45720" rIns="91440" bIns="45720" rtlCol="0" anchor="ctr"/>
+          <a:lstStyle>
+            <a:lvl1pPr algn="r">
+              <a:defRPr sz="1000">
+                <a:solidFill>
+                  <a:schemeClr val="tx1">
+                    <a:lumMod val="95000"/>
+                  </a:schemeClr>
+                </a:solidFill>
+                <a:effectLst>
+                  <a:outerShdw blurRad="50800" dist="38100" dir="2700000" algn="tl" rotWithShape="0">
+                    <a:schemeClr val="bg1">
+                      <a:alpha val="43000"/>
+                    </a:schemeClr>
+                  </a:outerShdw>
+                </a:effectLst>
+              </a:defRPr>
+            </a:lvl1pPr>
+          </a:lstStyle>
+          <a:p>
+            <a:fld id="{5BCAD085-E8A6-8845-BD4E-CB4CCA059FC4}" type="datetimeFigureOut">
               <a:rPr lang="en-US" smtClean="0"/>
-              <a:t>Click to edit Master title style</a:t>
-            </a:r>
+              <a:t>5/24/2024</a:t>
+            </a:fld>
             <a:endParaRPr lang="en-US"/>
           </a:p>
         </p:txBody>
       </p:sp>
       <p:sp>
         <p:nvSpPr>
-          <p:cNvPr id="3" name="Text Placeholder 2"/>
-          <p:cNvSpPr>
-            <a:spLocks noGrp="1"/>
-          </p:cNvSpPr>
-          <p:nvPr>
-            <p:ph type="body" idx="1"/>
+          <p:cNvPr id="5" name="Footer Placeholder 4"/>
+          <p:cNvSpPr>
+            <a:spLocks noGrp="1"/>
+          </p:cNvSpPr>
+          <p:nvPr>
+            <p:ph type="ftr" sz="quarter" idx="3"/>
           </p:nvPr>
         </p:nvSpPr>
         <p:spPr>
           <a:xfrm>
-            <a:off x="457200" y="1600200"/>
-            <a:ext cx="8229600" cy="4525963"/>
+            <a:off x="685347" y="5883276"/>
+            <a:ext cx="5004649" cy="365125"/>
           </a:xfrm>
           <a:prstGeom prst="rect">
             <a:avLst/>
           </a:prstGeom>
         </p:spPr>
         <p:txBody>
-          <a:bodyPr vert="horz" lIns="91440" tIns="45720" rIns="91440" bIns="45720" rtlCol="0">
-            <a:normAutofit/>
-          </a:bodyPr>
-          <a:lstStyle/>
-          <a:p>
-            <a:pPr lvl="0"/>
-            <a:r>
-              <a:rPr lang="en-US" smtClean="0"/>
-              <a:t>Click to edit Master text styles</a:t>
-            </a:r>
-          </a:p>
-          <a:p>
-            <a:pPr lvl="1"/>
-            <a:r>
-              <a:rPr lang="en-US" smtClean="0"/>
-              <a:t>Second level</a:t>
-            </a:r>
-          </a:p>
-          <a:p>
-            <a:pPr lvl="2"/>
-            <a:r>
-              <a:rPr lang="en-US" smtClean="0"/>
-              <a:t>Third level</a:t>
-            </a:r>
-          </a:p>
-          <a:p>
-            <a:pPr lvl="3"/>
-            <a:r>
-              <a:rPr lang="en-US" smtClean="0"/>
-              <a:t>Fourth level</a:t>
-            </a:r>
-          </a:p>
-          <a:p>
-            <a:pPr lvl="4"/>
-            <a:r>
-              <a:rPr lang="en-US" smtClean="0"/>
-              <a:t>Fifth level</a:t>
-            </a:r>
+          <a:bodyPr vert="horz" lIns="91440" tIns="45720" rIns="91440" bIns="45720" rtlCol="0" anchor="ctr"/>
+          <a:lstStyle>
+            <a:lvl1pPr algn="l">
+              <a:defRPr sz="1000">
+                <a:solidFill>
+                  <a:schemeClr val="tx1">
+                    <a:lumMod val="95000"/>
+                  </a:schemeClr>
+                </a:solidFill>
+                <a:effectLst>
+                  <a:outerShdw blurRad="50800" dist="38100" dir="2700000" algn="tl" rotWithShape="0">
+                    <a:schemeClr val="bg1">
+                      <a:alpha val="43000"/>
+                    </a:schemeClr>
+                  </a:outerShdw>
+                </a:effectLst>
+              </a:defRPr>
+            </a:lvl1pPr>
+          </a:lstStyle>
+          <a:p>
             <a:endParaRPr lang="en-US"/>
           </a:p>
         </p:txBody>
       </p:sp>
       <p:sp>
         <p:nvSpPr>
-          <p:cNvPr id="4" name="Date Placeholder 3"/>
-          <p:cNvSpPr>
-            <a:spLocks noGrp="1"/>
-          </p:cNvSpPr>
-          <p:nvPr>
-            <p:ph type="dt" sz="half" idx="2"/>
+          <p:cNvPr id="6" name="Slide Number Placeholder 5"/>
+          <p:cNvSpPr>
+            <a:spLocks noGrp="1"/>
+          </p:cNvSpPr>
+          <p:nvPr>
+            <p:ph type="sldNum" sz="quarter" idx="4"/>
           </p:nvPr>
         </p:nvSpPr>
         <p:spPr>
           <a:xfrm>
-            <a:off x="457200" y="6356350"/>
-            <a:ext cx="2133600" cy="365125"/>
+            <a:off x="7885509" y="5883276"/>
+            <a:ext cx="565159" cy="365125"/>
           </a:xfrm>
           <a:prstGeom prst="rect">
             <a:avLst/>
@@ -2716,91 +5437,20 @@
         <p:txBody>
           <a:bodyPr vert="horz" lIns="91440" tIns="45720" rIns="91440" bIns="45720" rtlCol="0" anchor="ctr"/>
           <a:lstStyle>
-            <a:lvl1pPr algn="l">
-              <a:defRPr sz="1200">
+            <a:lvl1pPr algn="r">
+              <a:defRPr sz="1000">
                 <a:solidFill>
                   <a:schemeClr val="tx1">
-                    <a:tint val="75000"/>
+                    <a:lumMod val="95000"/>
                   </a:schemeClr>
                 </a:solidFill>
-              </a:defRPr>
-            </a:lvl1pPr>
-          </a:lstStyle>
-          <a:p>
-            <a:fld id="{5BCAD085-E8A6-8845-BD4E-CB4CCA059FC4}" type="datetimeFigureOut">
-              <a:rPr lang="en-US" smtClean="0"/>
-              <a:t>1/27/13</a:t>
-            </a:fld>
-            <a:endParaRPr lang="en-US"/>
-          </a:p>
-        </p:txBody>
-      </p:sp>
-      <p:sp>
-        <p:nvSpPr>
-          <p:cNvPr id="5" name="Footer Placeholder 4"/>
-          <p:cNvSpPr>
-            <a:spLocks noGrp="1"/>
-          </p:cNvSpPr>
-          <p:nvPr>
-            <p:ph type="ftr" sz="quarter" idx="3"/>
-          </p:nvPr>
-        </p:nvSpPr>
-        <p:spPr>
-          <a:xfrm>
-            <a:off x="3124200" y="6356350"/>
-            <a:ext cx="2895600" cy="365125"/>
-          </a:xfrm>
-          <a:prstGeom prst="rect">
-            <a:avLst/>
-          </a:prstGeom>
-        </p:spPr>
-        <p:txBody>
-          <a:bodyPr vert="horz" lIns="91440" tIns="45720" rIns="91440" bIns="45720" rtlCol="0" anchor="ctr"/>
-          <a:lstStyle>
-            <a:lvl1pPr algn="ctr">
-              <a:defRPr sz="1200">
-                <a:solidFill>
-                  <a:schemeClr val="tx1">
-                    <a:tint val="75000"/>
-                  </a:schemeClr>
-                </a:solidFill>
-              </a:defRPr>
-            </a:lvl1pPr>
-          </a:lstStyle>
-          <a:p>
-            <a:endParaRPr lang="en-US"/>
-          </a:p>
-        </p:txBody>
-      </p:sp>
-      <p:sp>
-        <p:nvSpPr>
-          <p:cNvPr id="6" name="Slide Number Placeholder 5"/>
-          <p:cNvSpPr>
-            <a:spLocks noGrp="1"/>
-          </p:cNvSpPr>
-          <p:nvPr>
-            <p:ph type="sldNum" sz="quarter" idx="4"/>
-          </p:nvPr>
-        </p:nvSpPr>
-        <p:spPr>
-          <a:xfrm>
-            <a:off x="6553200" y="6356350"/>
-            <a:ext cx="2133600" cy="365125"/>
-          </a:xfrm>
-          <a:prstGeom prst="rect">
-            <a:avLst/>
-          </a:prstGeom>
-        </p:spPr>
-        <p:txBody>
-          <a:bodyPr vert="horz" lIns="91440" tIns="45720" rIns="91440" bIns="45720" rtlCol="0" anchor="ctr"/>
-          <a:lstStyle>
-            <a:lvl1pPr algn="r">
-              <a:defRPr sz="1200">
-                <a:solidFill>
-                  <a:schemeClr val="tx1">
-                    <a:tint val="75000"/>
-                  </a:schemeClr>
-                </a:solidFill>
+                <a:effectLst>
+                  <a:outerShdw blurRad="50800" dist="38100" dir="2700000" algn="tl" rotWithShape="0">
+                    <a:schemeClr val="bg1">
+                      <a:alpha val="43000"/>
+                    </a:schemeClr>
+                  </a:outerShdw>
+                </a:effectLst>
               </a:defRPr>
             </a:lvl1pPr>
           </a:lstStyle>
@@ -2816,23 +5466,29 @@
     </p:spTree>
     <p:extLst>
       <p:ext uri="{BB962C8B-B14F-4D97-AF65-F5344CB8AC3E}">
-        <p14:creationId xmlns:p14="http://schemas.microsoft.com/office/powerpoint/2010/main" val="2209977519"/>
+        <p14:creationId xmlns:p14="http://schemas.microsoft.com/office/powerpoint/2010/main" val="4255221085"/>
       </p:ext>
     </p:extLst>
   </p:cSld>
-  <p:clrMap bg1="lt1" tx1="dk1" bg2="lt2" tx2="dk2" accent1="accent1" accent2="accent2" accent3="accent3" accent4="accent4" accent5="accent5" accent6="accent6" hlink="hlink" folHlink="folHlink"/>
+  <p:clrMap bg1="dk1" tx1="lt1" bg2="dk2" tx2="lt2" accent1="accent1" accent2="accent2" accent3="accent3" accent4="accent4" accent5="accent5" accent6="accent6" hlink="hlink" folHlink="folHlink"/>
   <p:sldLayoutIdLst>
-    <p:sldLayoutId id="2147483649" r:id="rId1"/>
-    <p:sldLayoutId id="2147483650" r:id="rId2"/>
-    <p:sldLayoutId id="2147483651" r:id="rId3"/>
-    <p:sldLayoutId id="2147483652" r:id="rId4"/>
-    <p:sldLayoutId id="2147483653" r:id="rId5"/>
-    <p:sldLayoutId id="2147483654" r:id="rId6"/>
-    <p:sldLayoutId id="2147483655" r:id="rId7"/>
-    <p:sldLayoutId id="2147483656" r:id="rId8"/>
-    <p:sldLayoutId id="2147483657" r:id="rId9"/>
-    <p:sldLayoutId id="2147483658" r:id="rId10"/>
-    <p:sldLayoutId id="2147483659" r:id="rId11"/>
+    <p:sldLayoutId id="2147483661" r:id="rId1"/>
+    <p:sldLayoutId id="2147483662" r:id="rId2"/>
+    <p:sldLayoutId id="2147483663" r:id="rId3"/>
+    <p:sldLayoutId id="2147483664" r:id="rId4"/>
+    <p:sldLayoutId id="2147483665" r:id="rId5"/>
+    <p:sldLayoutId id="2147483666" r:id="rId6"/>
+    <p:sldLayoutId id="2147483667" r:id="rId7"/>
+    <p:sldLayoutId id="2147483668" r:id="rId8"/>
+    <p:sldLayoutId id="2147483669" r:id="rId9"/>
+    <p:sldLayoutId id="2147483670" r:id="rId10"/>
+    <p:sldLayoutId id="2147483671" r:id="rId11"/>
+    <p:sldLayoutId id="2147483672" r:id="rId12"/>
+    <p:sldLayoutId id="2147483673" r:id="rId13"/>
+    <p:sldLayoutId id="2147483674" r:id="rId14"/>
+    <p:sldLayoutId id="2147483675" r:id="rId15"/>
+    <p:sldLayoutId id="2147483676" r:id="rId16"/>
+    <p:sldLayoutId id="2147483677" r:id="rId17"/>
   </p:sldLayoutIdLst>
   <p:txStyles>
     <p:titleStyle>
@@ -2841,147 +5497,426 @@
           <a:spcPct val="0"/>
         </a:spcBef>
         <a:buNone/>
-        <a:defRPr sz="4400" kern="1200">
+        <a:defRPr sz="4000" kern="1200">
+          <a:ln>
+            <a:solidFill>
+              <a:schemeClr val="bg1">
+                <a:lumMod val="75000"/>
+                <a:lumOff val="25000"/>
+                <a:alpha val="10000"/>
+              </a:schemeClr>
+            </a:solidFill>
+          </a:ln>
           <a:solidFill>
-            <a:schemeClr val="tx1"/>
+            <a:schemeClr val="tx2"/>
           </a:solidFill>
+          <a:effectLst>
+            <a:outerShdw blurRad="9525" dist="25400" dir="14640000" algn="tl" rotWithShape="0">
+              <a:schemeClr val="bg1">
+                <a:alpha val="30000"/>
+              </a:schemeClr>
+            </a:outerShdw>
+          </a:effectLst>
           <a:latin typeface="+mj-lt"/>
           <a:ea typeface="+mj-ea"/>
-          <a:cs typeface="+mj-cs"/>
+          <a:cs typeface="Trebuchet MS"/>
         </a:defRPr>
       </a:lvl1pPr>
+      <a:lvl2pPr eaLnBrk="1" hangingPunct="1">
+        <a:defRPr>
+          <a:solidFill>
+            <a:schemeClr val="tx2"/>
+          </a:solidFill>
+        </a:defRPr>
+      </a:lvl2pPr>
+      <a:lvl3pPr eaLnBrk="1" hangingPunct="1">
+        <a:defRPr>
+          <a:solidFill>
+            <a:schemeClr val="tx2"/>
+          </a:solidFill>
+        </a:defRPr>
+      </a:lvl3pPr>
+      <a:lvl4pPr eaLnBrk="1" hangingPunct="1">
+        <a:defRPr>
+          <a:solidFill>
+            <a:schemeClr val="tx2"/>
+          </a:solidFill>
+        </a:defRPr>
+      </a:lvl4pPr>
+      <a:lvl5pPr eaLnBrk="1" hangingPunct="1">
+        <a:defRPr>
+          <a:solidFill>
+            <a:schemeClr val="tx2"/>
+          </a:solidFill>
+        </a:defRPr>
+      </a:lvl5pPr>
+      <a:lvl6pPr eaLnBrk="1" hangingPunct="1">
+        <a:defRPr>
+          <a:solidFill>
+            <a:schemeClr val="tx2"/>
+          </a:solidFill>
+        </a:defRPr>
+      </a:lvl6pPr>
+      <a:lvl7pPr eaLnBrk="1" hangingPunct="1">
+        <a:defRPr>
+          <a:solidFill>
+            <a:schemeClr val="tx2"/>
+          </a:solidFill>
+        </a:defRPr>
+      </a:lvl7pPr>
+      <a:lvl8pPr eaLnBrk="1" hangingPunct="1">
+        <a:defRPr>
+          <a:solidFill>
+            <a:schemeClr val="tx2"/>
+          </a:solidFill>
+        </a:defRPr>
+      </a:lvl8pPr>
+      <a:lvl9pPr eaLnBrk="1" hangingPunct="1">
+        <a:defRPr>
+          <a:solidFill>
+            <a:schemeClr val="tx2"/>
+          </a:solidFill>
+        </a:defRPr>
+      </a:lvl9pPr>
     </p:titleStyle>
     <p:bodyStyle>
-      <a:lvl1pPr marL="342900" indent="-342900" algn="l" defTabSz="457200" rtl="0" eaLnBrk="1" latinLnBrk="0" hangingPunct="1">
+      <a:lvl1pPr marL="342900" indent="-306000" algn="l" defTabSz="457200" rtl="0" eaLnBrk="1" latinLnBrk="0" hangingPunct="1">
         <a:spcBef>
           <a:spcPct val="20000"/>
         </a:spcBef>
-        <a:buFont typeface="Arial"/>
-        <a:buChar char="•"/>
-        <a:defRPr sz="3200" kern="1200">
+        <a:spcAft>
+          <a:spcPts val="600"/>
+        </a:spcAft>
+        <a:buClr>
+          <a:schemeClr val="tx2"/>
+        </a:buClr>
+        <a:buSzPct val="70000"/>
+        <a:buFont typeface="Wingdings 2" charset="2"/>
+        <a:buChar char=""/>
+        <a:defRPr sz="2000" kern="1200">
+          <a:ln>
+            <a:solidFill>
+              <a:schemeClr val="bg1">
+                <a:lumMod val="75000"/>
+                <a:lumOff val="25000"/>
+                <a:alpha val="10000"/>
+              </a:schemeClr>
+            </a:solidFill>
+          </a:ln>
           <a:solidFill>
-            <a:schemeClr val="tx1"/>
+            <a:schemeClr val="tx2"/>
           </a:solidFill>
+          <a:effectLst>
+            <a:outerShdw blurRad="9525" dist="25400" dir="14640000" algn="tl" rotWithShape="0">
+              <a:schemeClr val="bg1">
+                <a:alpha val="30000"/>
+              </a:schemeClr>
+            </a:outerShdw>
+          </a:effectLst>
           <a:latin typeface="+mn-lt"/>
           <a:ea typeface="+mn-ea"/>
           <a:cs typeface="+mn-cs"/>
         </a:defRPr>
       </a:lvl1pPr>
-      <a:lvl2pPr marL="742950" indent="-285750" algn="l" defTabSz="457200" rtl="0" eaLnBrk="1" latinLnBrk="0" hangingPunct="1">
+      <a:lvl2pPr marL="720000" indent="-270000" algn="l" defTabSz="457200" rtl="0" eaLnBrk="1" latinLnBrk="0" hangingPunct="1">
         <a:spcBef>
           <a:spcPct val="20000"/>
         </a:spcBef>
-        <a:buFont typeface="Arial"/>
-        <a:buChar char="–"/>
-        <a:defRPr sz="2800" kern="1200">
+        <a:spcAft>
+          <a:spcPts val="600"/>
+        </a:spcAft>
+        <a:buClr>
+          <a:schemeClr val="tx2"/>
+        </a:buClr>
+        <a:buSzPct val="70000"/>
+        <a:buFont typeface="Wingdings 2" charset="2"/>
+        <a:buChar char=""/>
+        <a:defRPr sz="1800" kern="1200">
+          <a:ln>
+            <a:solidFill>
+              <a:schemeClr val="bg1">
+                <a:lumMod val="75000"/>
+                <a:lumOff val="25000"/>
+                <a:alpha val="10000"/>
+              </a:schemeClr>
+            </a:solidFill>
+          </a:ln>
           <a:solidFill>
-            <a:schemeClr val="tx1"/>
+            <a:schemeClr val="tx2"/>
           </a:solidFill>
+          <a:effectLst>
+            <a:outerShdw blurRad="9525" dist="25400" dir="14640000" algn="tl" rotWithShape="0">
+              <a:schemeClr val="bg1">
+                <a:alpha val="30000"/>
+              </a:schemeClr>
+            </a:outerShdw>
+          </a:effectLst>
           <a:latin typeface="+mn-lt"/>
           <a:ea typeface="+mn-ea"/>
           <a:cs typeface="+mn-cs"/>
         </a:defRPr>
       </a:lvl2pPr>
-      <a:lvl3pPr marL="1143000" indent="-228600" algn="l" defTabSz="457200" rtl="0" eaLnBrk="1" latinLnBrk="0" hangingPunct="1">
+      <a:lvl3pPr marL="1026000" indent="-216000" algn="l" defTabSz="457200" rtl="0" eaLnBrk="1" latinLnBrk="0" hangingPunct="1">
         <a:spcBef>
           <a:spcPct val="20000"/>
         </a:spcBef>
-        <a:buFont typeface="Arial"/>
-        <a:buChar char="•"/>
-        <a:defRPr sz="2400" kern="1200">
+        <a:spcAft>
+          <a:spcPts val="600"/>
+        </a:spcAft>
+        <a:buClr>
+          <a:schemeClr val="tx2"/>
+        </a:buClr>
+        <a:buSzPct val="70000"/>
+        <a:buFont typeface="Wingdings 2" charset="2"/>
+        <a:buChar char=""/>
+        <a:defRPr sz="1600" kern="1200">
+          <a:ln>
+            <a:solidFill>
+              <a:schemeClr val="bg1">
+                <a:lumMod val="75000"/>
+                <a:lumOff val="25000"/>
+                <a:alpha val="10000"/>
+              </a:schemeClr>
+            </a:solidFill>
+          </a:ln>
           <a:solidFill>
-            <a:schemeClr val="tx1"/>
+            <a:schemeClr val="tx2"/>
           </a:solidFill>
+          <a:effectLst>
+            <a:outerShdw blurRad="9525" dist="25400" dir="14640000" algn="tl" rotWithShape="0">
+              <a:schemeClr val="bg1">
+                <a:alpha val="30000"/>
+              </a:schemeClr>
+            </a:outerShdw>
+          </a:effectLst>
           <a:latin typeface="+mn-lt"/>
           <a:ea typeface="+mn-ea"/>
           <a:cs typeface="+mn-cs"/>
         </a:defRPr>
       </a:lvl3pPr>
-      <a:lvl4pPr marL="1600200" indent="-228600" algn="l" defTabSz="457200" rtl="0" eaLnBrk="1" latinLnBrk="0" hangingPunct="1">
+      <a:lvl4pPr marL="1386000" indent="-216000" algn="l" defTabSz="457200" rtl="0" eaLnBrk="1" latinLnBrk="0" hangingPunct="1">
         <a:spcBef>
           <a:spcPct val="20000"/>
         </a:spcBef>
-        <a:buFont typeface="Arial"/>
-        <a:buChar char="–"/>
-        <a:defRPr sz="2000" kern="1200">
+        <a:spcAft>
+          <a:spcPts val="600"/>
+        </a:spcAft>
+        <a:buClr>
+          <a:schemeClr val="tx2"/>
+        </a:buClr>
+        <a:buSzPct val="70000"/>
+        <a:buFont typeface="Wingdings 2" charset="2"/>
+        <a:buChar char=""/>
+        <a:defRPr sz="1400" kern="1200">
+          <a:ln>
+            <a:solidFill>
+              <a:schemeClr val="bg1">
+                <a:lumMod val="75000"/>
+                <a:lumOff val="25000"/>
+                <a:alpha val="10000"/>
+              </a:schemeClr>
+            </a:solidFill>
+          </a:ln>
           <a:solidFill>
-            <a:schemeClr val="tx1"/>
+            <a:schemeClr val="tx2"/>
           </a:solidFill>
+          <a:effectLst>
+            <a:outerShdw blurRad="9525" dist="25400" dir="14640000" algn="tl" rotWithShape="0">
+              <a:schemeClr val="bg1">
+                <a:alpha val="30000"/>
+              </a:schemeClr>
+            </a:outerShdw>
+          </a:effectLst>
           <a:latin typeface="+mn-lt"/>
           <a:ea typeface="+mn-ea"/>
           <a:cs typeface="+mn-cs"/>
         </a:defRPr>
       </a:lvl4pPr>
-      <a:lvl5pPr marL="2057400" indent="-228600" algn="l" defTabSz="457200" rtl="0" eaLnBrk="1" latinLnBrk="0" hangingPunct="1">
+      <a:lvl5pPr marL="1674000" indent="-216000" algn="l" defTabSz="457200" rtl="0" eaLnBrk="1" latinLnBrk="0" hangingPunct="1">
         <a:spcBef>
           <a:spcPct val="20000"/>
         </a:spcBef>
-        <a:buFont typeface="Arial"/>
-        <a:buChar char="»"/>
-        <a:defRPr sz="2000" kern="1200">
+        <a:spcAft>
+          <a:spcPts val="600"/>
+        </a:spcAft>
+        <a:buClr>
+          <a:schemeClr val="tx2"/>
+        </a:buClr>
+        <a:buSzPct val="70000"/>
+        <a:buFont typeface="Wingdings 2" charset="2"/>
+        <a:buChar char=""/>
+        <a:defRPr sz="1400" kern="1200">
+          <a:ln>
+            <a:solidFill>
+              <a:schemeClr val="bg1">
+                <a:lumMod val="75000"/>
+                <a:lumOff val="25000"/>
+                <a:alpha val="10000"/>
+              </a:schemeClr>
+            </a:solidFill>
+          </a:ln>
           <a:solidFill>
-            <a:schemeClr val="tx1"/>
+            <a:schemeClr val="tx2"/>
           </a:solidFill>
+          <a:effectLst>
+            <a:outerShdw blurRad="9525" dist="25400" dir="14640000" algn="tl" rotWithShape="0">
+              <a:schemeClr val="bg1">
+                <a:alpha val="30000"/>
+              </a:schemeClr>
+            </a:outerShdw>
+          </a:effectLst>
           <a:latin typeface="+mn-lt"/>
           <a:ea typeface="+mn-ea"/>
           <a:cs typeface="+mn-cs"/>
         </a:defRPr>
       </a:lvl5pPr>
-      <a:lvl6pPr marL="2514600" indent="-228600" algn="l" defTabSz="457200" rtl="0" eaLnBrk="1" latinLnBrk="0" hangingPunct="1">
+      <a:lvl6pPr marL="2014600" indent="-228600" algn="l" defTabSz="457200" rtl="0" eaLnBrk="1" latinLnBrk="0" hangingPunct="1">
         <a:spcBef>
           <a:spcPct val="20000"/>
         </a:spcBef>
-        <a:buFont typeface="Arial"/>
-        <a:buChar char="•"/>
-        <a:defRPr sz="2000" kern="1200">
+        <a:spcAft>
+          <a:spcPts val="600"/>
+        </a:spcAft>
+        <a:buClr>
+          <a:schemeClr val="tx2"/>
+        </a:buClr>
+        <a:buSzPct val="70000"/>
+        <a:buFont typeface="Wingdings 2" charset="2"/>
+        <a:buChar char=""/>
+        <a:defRPr sz="1400" kern="1200">
+          <a:ln>
+            <a:solidFill>
+              <a:schemeClr val="bg1">
+                <a:lumMod val="75000"/>
+                <a:lumOff val="25000"/>
+                <a:alpha val="10000"/>
+              </a:schemeClr>
+            </a:solidFill>
+          </a:ln>
           <a:solidFill>
-            <a:schemeClr val="tx1"/>
+            <a:schemeClr val="tx2"/>
           </a:solidFill>
+          <a:effectLst>
+            <a:outerShdw blurRad="9525" dist="25400" dir="14640000" algn="tl" rotWithShape="0">
+              <a:schemeClr val="bg1">
+                <a:alpha val="30000"/>
+              </a:schemeClr>
+            </a:outerShdw>
+          </a:effectLst>
           <a:latin typeface="+mn-lt"/>
           <a:ea typeface="+mn-ea"/>
           <a:cs typeface="+mn-cs"/>
         </a:defRPr>
       </a:lvl6pPr>
-      <a:lvl7pPr marL="2971800" indent="-228600" algn="l" defTabSz="457200" rtl="0" eaLnBrk="1" latinLnBrk="0" hangingPunct="1">
+      <a:lvl7pPr marL="2401800" indent="-228600" algn="l" defTabSz="457200" rtl="0" eaLnBrk="1" latinLnBrk="0" hangingPunct="1">
         <a:spcBef>
           <a:spcPct val="20000"/>
         </a:spcBef>
-        <a:buFont typeface="Arial"/>
-        <a:buChar char="•"/>
-        <a:defRPr sz="2000" kern="1200">
+        <a:spcAft>
+          <a:spcPts val="600"/>
+        </a:spcAft>
+        <a:buClr>
+          <a:schemeClr val="tx2"/>
+        </a:buClr>
+        <a:buSzPct val="70000"/>
+        <a:buFont typeface="Wingdings 2" charset="2"/>
+        <a:buChar char=""/>
+        <a:defRPr sz="1400" kern="1200">
+          <a:ln>
+            <a:solidFill>
+              <a:schemeClr val="bg1">
+                <a:lumMod val="75000"/>
+                <a:lumOff val="25000"/>
+                <a:alpha val="10000"/>
+              </a:schemeClr>
+            </a:solidFill>
+          </a:ln>
           <a:solidFill>
-            <a:schemeClr val="tx1"/>
+            <a:schemeClr val="tx2"/>
           </a:solidFill>
+          <a:effectLst>
+            <a:outerShdw blurRad="9525" dist="25400" dir="14640000" algn="tl" rotWithShape="0">
+              <a:schemeClr val="bg1">
+                <a:alpha val="30000"/>
+              </a:schemeClr>
+            </a:outerShdw>
+          </a:effectLst>
           <a:latin typeface="+mn-lt"/>
           <a:ea typeface="+mn-ea"/>
           <a:cs typeface="+mn-cs"/>
         </a:defRPr>
       </a:lvl7pPr>
-      <a:lvl8pPr marL="3429000" indent="-228600" algn="l" defTabSz="457200" rtl="0" eaLnBrk="1" latinLnBrk="0" hangingPunct="1">
+      <a:lvl8pPr marL="2789000" indent="-228600" algn="l" defTabSz="457200" rtl="0" eaLnBrk="1" latinLnBrk="0" hangingPunct="1">
         <a:spcBef>
           <a:spcPct val="20000"/>
         </a:spcBef>
-        <a:buFont typeface="Arial"/>
-        <a:buChar char="•"/>
-        <a:defRPr sz="2000" kern="1200">
+        <a:spcAft>
+          <a:spcPts val="600"/>
+        </a:spcAft>
+        <a:buClr>
+          <a:schemeClr val="tx2"/>
+        </a:buClr>
+        <a:buSzPct val="70000"/>
+        <a:buFont typeface="Wingdings 2" charset="2"/>
+        <a:buChar char=""/>
+        <a:defRPr sz="1400" kern="1200">
+          <a:ln>
+            <a:solidFill>
+              <a:schemeClr val="bg1">
+                <a:lumMod val="75000"/>
+                <a:lumOff val="25000"/>
+                <a:alpha val="10000"/>
+              </a:schemeClr>
+            </a:solidFill>
+          </a:ln>
           <a:solidFill>
-            <a:schemeClr val="tx1"/>
+            <a:schemeClr val="tx2"/>
           </a:solidFill>
+          <a:effectLst>
+            <a:outerShdw blurRad="9525" dist="25400" dir="14640000" algn="tl" rotWithShape="0">
+              <a:schemeClr val="bg1">
+                <a:alpha val="30000"/>
+              </a:schemeClr>
+            </a:outerShdw>
+          </a:effectLst>
           <a:latin typeface="+mn-lt"/>
           <a:ea typeface="+mn-ea"/>
           <a:cs typeface="+mn-cs"/>
         </a:defRPr>
       </a:lvl8pPr>
-      <a:lvl9pPr marL="3886200" indent="-228600" algn="l" defTabSz="457200" rtl="0" eaLnBrk="1" latinLnBrk="0" hangingPunct="1">
+      <a:lvl9pPr marL="3106200" indent="-228600" algn="l" defTabSz="457200" rtl="0" eaLnBrk="1" latinLnBrk="0" hangingPunct="1">
         <a:spcBef>
           <a:spcPct val="20000"/>
         </a:spcBef>
-        <a:buFont typeface="Arial"/>
-        <a:buChar char="•"/>
-        <a:defRPr sz="2000" kern="1200">
+        <a:spcAft>
+          <a:spcPts val="600"/>
+        </a:spcAft>
+        <a:buClr>
+          <a:schemeClr val="tx2"/>
+        </a:buClr>
+        <a:buSzPct val="70000"/>
+        <a:buFont typeface="Wingdings 2" charset="2"/>
+        <a:buChar char=""/>
+        <a:defRPr sz="1400" kern="1200">
+          <a:ln>
+            <a:solidFill>
+              <a:schemeClr val="bg1">
+                <a:lumMod val="75000"/>
+                <a:lumOff val="25000"/>
+                <a:alpha val="10000"/>
+              </a:schemeClr>
+            </a:solidFill>
+          </a:ln>
           <a:solidFill>
-            <a:schemeClr val="tx1"/>
+            <a:schemeClr val="tx2"/>
           </a:solidFill>
+          <a:effectLst>
+            <a:outerShdw blurRad="9525" dist="25400" dir="14640000" algn="tl" rotWithShape="0">
+              <a:schemeClr val="bg1">
+                <a:alpha val="30000"/>
+              </a:schemeClr>
+            </a:outerShdw>
+          </a:effectLst>
           <a:latin typeface="+mn-lt"/>
           <a:ea typeface="+mn-ea"/>
           <a:cs typeface="+mn-cs"/>
@@ -3088,7 +6023,7 @@
 </file>
 
 <file path=ppt/slides/slide1.xml><?xml version="1.0" encoding="utf-8"?>
-<p:sld xmlns:a="http://schemas.openxmlformats.org/drawingml/2006/main" xmlns:p="http://schemas.openxmlformats.org/presentationml/2006/main" xmlns:r="http://schemas.openxmlformats.org/officeDocument/2006/relationships">
+<p:sld xmlns:a="http://schemas.openxmlformats.org/drawingml/2006/main" xmlns:r="http://schemas.openxmlformats.org/officeDocument/2006/relationships" xmlns:p="http://schemas.openxmlformats.org/presentationml/2006/main">
   <p:cSld>
     <p:spTree>
       <p:nvGrpSpPr>
@@ -3096,7 +6031,14 @@
         <p:cNvGrpSpPr/>
         <p:nvPr/>
       </p:nvGrpSpPr>
-      <p:grpSpPr/>
+      <p:grpSpPr>
+        <a:xfrm>
+          <a:off x="0" y="0"/>
+          <a:ext cx="0" cy="0"/>
+          <a:chOff x="0" y="0"/>
+          <a:chExt cx="0" cy="0"/>
+        </a:xfrm>
+      </p:grpSpPr>
       <p:sp>
         <p:nvSpPr>
           <p:cNvPr id="2" name="Title 1"/>
@@ -3109,7 +6051,9 @@
         </p:nvSpPr>
         <p:spPr/>
         <p:txBody>
-          <a:bodyPr/>
+          <a:bodyPr>
+            <a:normAutofit fontScale="90000"/>
+          </a:bodyPr>
           <a:lstStyle/>
           <a:p>
             <a:r>
@@ -3148,7 +6092,7 @@
 </file>
 
 <file path=ppt/slides/slide10.xml><?xml version="1.0" encoding="utf-8"?>
-<p:sld xmlns:a="http://schemas.openxmlformats.org/drawingml/2006/main" xmlns:p="http://schemas.openxmlformats.org/presentationml/2006/main" xmlns:r="http://schemas.openxmlformats.org/officeDocument/2006/relationships">
+<p:sld xmlns:a="http://schemas.openxmlformats.org/drawingml/2006/main" xmlns:r="http://schemas.openxmlformats.org/officeDocument/2006/relationships" xmlns:p="http://schemas.openxmlformats.org/presentationml/2006/main">
   <p:cSld>
     <p:spTree>
       <p:nvGrpSpPr>
@@ -3156,7 +6100,14 @@
         <p:cNvGrpSpPr/>
         <p:nvPr/>
       </p:nvGrpSpPr>
-      <p:grpSpPr/>
+      <p:grpSpPr>
+        <a:xfrm>
+          <a:off x="0" y="0"/>
+          <a:ext cx="0" cy="0"/>
+          <a:chOff x="0" y="0"/>
+          <a:chExt cx="0" cy="0"/>
+        </a:xfrm>
+      </p:grpSpPr>
       <p:sp>
         <p:nvSpPr>
           <p:cNvPr id="2" name="Title 1"/>
@@ -3192,7 +6143,9 @@
         <p:txBody>
           <a:bodyPr/>
           <a:lstStyle/>
-          <a:p/>
+          <a:p>
+            <a:endParaRPr/>
+          </a:p>
           <a:p>
             <a:r>
               <a:t>- Python is an object-oriented programming language.</a:t>
@@ -3208,7 +6161,9 @@
               <a:t>- Python's simplicity and readability make it a great choice for learning and implementing OOP.</a:t>
             </a:r>
           </a:p>
-          <a:p/>
+          <a:p>
+            <a:endParaRPr/>
+          </a:p>
         </p:txBody>
       </p:sp>
     </p:spTree>
@@ -3220,7 +6175,7 @@
 </file>
 
 <file path=ppt/slides/slide2.xml><?xml version="1.0" encoding="utf-8"?>
-<p:sld xmlns:a="http://schemas.openxmlformats.org/drawingml/2006/main" xmlns:p="http://schemas.openxmlformats.org/presentationml/2006/main" xmlns:r="http://schemas.openxmlformats.org/officeDocument/2006/relationships">
+<p:sld xmlns:a="http://schemas.openxmlformats.org/drawingml/2006/main" xmlns:r="http://schemas.openxmlformats.org/officeDocument/2006/relationships" xmlns:p="http://schemas.openxmlformats.org/presentationml/2006/main">
   <p:cSld>
     <p:spTree>
       <p:nvGrpSpPr>
@@ -3228,7 +6183,14 @@
         <p:cNvGrpSpPr/>
         <p:nvPr/>
       </p:nvGrpSpPr>
-      <p:grpSpPr/>
+      <p:grpSpPr>
+        <a:xfrm>
+          <a:off x="0" y="0"/>
+          <a:ext cx="0" cy="0"/>
+          <a:chOff x="0" y="0"/>
+          <a:chExt cx="0" cy="0"/>
+        </a:xfrm>
+      </p:grpSpPr>
       <p:sp>
         <p:nvSpPr>
           <p:cNvPr id="2" name="Title 1"/>
@@ -3241,30 +6203,34 @@
         </p:nvSpPr>
         <p:spPr/>
         <p:txBody>
+          <a:bodyPr>
+            <a:normAutofit fontScale="90000"/>
+          </a:bodyPr>
+          <a:lstStyle/>
+          <a:p>
+            <a:r>
+              <a:t>What is Object-Oriented Programming?</a:t>
+            </a:r>
+          </a:p>
+        </p:txBody>
+      </p:sp>
+      <p:sp>
+        <p:nvSpPr>
+          <p:cNvPr id="3" name="Content Placeholder 2"/>
+          <p:cNvSpPr>
+            <a:spLocks noGrp="1"/>
+          </p:cNvSpPr>
+          <p:nvPr>
+            <p:ph idx="1"/>
+          </p:nvPr>
+        </p:nvSpPr>
+        <p:spPr/>
+        <p:txBody>
           <a:bodyPr/>
           <a:lstStyle/>
           <a:p>
-            <a:r>
-              <a:t>What is Object-Oriented Programming?</a:t>
-            </a:r>
-          </a:p>
-        </p:txBody>
-      </p:sp>
-      <p:sp>
-        <p:nvSpPr>
-          <p:cNvPr id="3" name="Content Placeholder 2"/>
-          <p:cNvSpPr>
-            <a:spLocks noGrp="1"/>
-          </p:cNvSpPr>
-          <p:nvPr>
-            <p:ph idx="1"/>
-          </p:nvPr>
-        </p:nvSpPr>
-        <p:spPr/>
-        <p:txBody>
-          <a:bodyPr/>
-          <a:lstStyle/>
-          <a:p/>
+            <a:endParaRPr/>
+          </a:p>
           <a:p>
             <a:r>
               <a:t>- Object-Oriented Programming (OOP) is a programming paradigm based on the concept of objects.</a:t>
@@ -3280,7 +6246,9 @@
               <a:t>- OOP aims to implement real-world entities like inheritance, polymorphism, encapsulation, and abstraction.</a:t>
             </a:r>
           </a:p>
-          <a:p/>
+          <a:p>
+            <a:endParaRPr/>
+          </a:p>
         </p:txBody>
       </p:sp>
     </p:spTree>
@@ -3292,7 +6260,7 @@
 </file>
 
 <file path=ppt/slides/slide3.xml><?xml version="1.0" encoding="utf-8"?>
-<p:sld xmlns:a="http://schemas.openxmlformats.org/drawingml/2006/main" xmlns:p="http://schemas.openxmlformats.org/presentationml/2006/main" xmlns:r="http://schemas.openxmlformats.org/officeDocument/2006/relationships">
+<p:sld xmlns:a="http://schemas.openxmlformats.org/drawingml/2006/main" xmlns:r="http://schemas.openxmlformats.org/officeDocument/2006/relationships" xmlns:p="http://schemas.openxmlformats.org/presentationml/2006/main">
   <p:cSld>
     <p:spTree>
       <p:nvGrpSpPr>
@@ -3300,7 +6268,14 @@
         <p:cNvGrpSpPr/>
         <p:nvPr/>
       </p:nvGrpSpPr>
-      <p:grpSpPr/>
+      <p:grpSpPr>
+        <a:xfrm>
+          <a:off x="0" y="0"/>
+          <a:ext cx="0" cy="0"/>
+          <a:chOff x="0" y="0"/>
+          <a:chExt cx="0" cy="0"/>
+        </a:xfrm>
+      </p:grpSpPr>
       <p:sp>
         <p:nvSpPr>
           <p:cNvPr id="2" name="Title 1"/>
@@ -3336,48 +6311,84 @@
         <p:txBody>
           <a:bodyPr/>
           <a:lstStyle/>
-          <a:p/>
-          <a:p>
-            <a:r>
+          <a:p>
+            <a:endParaRPr dirty="0"/>
+          </a:p>
+          <a:p>
+            <a:r>
+              <a:rPr dirty="0"/>
               <a:t>- A class is a blueprint for creating objects.</a:t>
             </a:r>
           </a:p>
           <a:p>
             <a:r>
+              <a:rPr dirty="0"/>
               <a:t>- An object is an instance of a class.</a:t>
             </a:r>
           </a:p>
           <a:p>
             <a:r>
+              <a:rPr dirty="0"/>
               <a:t>- Example:</a:t>
             </a:r>
           </a:p>
           <a:p>
             <a:r>
+              <a:rPr dirty="0"/>
               <a:t>  class Dog:</a:t>
             </a:r>
           </a:p>
           <a:p>
             <a:r>
-              <a:t>      def __init__(self, name, age):</a:t>
-            </a:r>
-          </a:p>
-          <a:p>
-            <a:r>
+              <a:rPr dirty="0"/>
+              <a:t>      def __</a:t>
+            </a:r>
+            <a:r>
+              <a:rPr dirty="0" err="1"/>
+              <a:t>init</a:t>
+            </a:r>
+            <a:r>
+              <a:rPr dirty="0"/>
+              <a:t>__(self, name, age):</a:t>
+            </a:r>
+          </a:p>
+          <a:p>
+            <a:r>
+              <a:rPr dirty="0"/>
               <a:t>          self.name = name</a:t>
             </a:r>
           </a:p>
           <a:p>
             <a:r>
-              <a:t>          self.age = age</a:t>
-            </a:r>
-          </a:p>
-          <a:p>
-            <a:r>
-              <a:t>  my_dog = Dog("Buddy", 3)</a:t>
-            </a:r>
-          </a:p>
-          <a:p/>
+              <a:rPr dirty="0"/>
+              <a:t>          </a:t>
+            </a:r>
+            <a:r>
+              <a:rPr dirty="0" err="1"/>
+              <a:t>self.age</a:t>
+            </a:r>
+            <a:r>
+              <a:rPr dirty="0"/>
+              <a:t> = age</a:t>
+            </a:r>
+          </a:p>
+          <a:p>
+            <a:r>
+              <a:rPr dirty="0"/>
+              <a:t>  </a:t>
+            </a:r>
+            <a:r>
+              <a:rPr dirty="0" err="1"/>
+              <a:t>my_dog</a:t>
+            </a:r>
+            <a:r>
+              <a:rPr dirty="0"/>
+              <a:t> = Dog("Buddy", 3)</a:t>
+            </a:r>
+          </a:p>
+          <a:p>
+            <a:endParaRPr dirty="0"/>
+          </a:p>
         </p:txBody>
       </p:sp>
     </p:spTree>
@@ -3389,7 +6400,7 @@
 </file>
 
 <file path=ppt/slides/slide4.xml><?xml version="1.0" encoding="utf-8"?>
-<p:sld xmlns:a="http://schemas.openxmlformats.org/drawingml/2006/main" xmlns:p="http://schemas.openxmlformats.org/presentationml/2006/main" xmlns:r="http://schemas.openxmlformats.org/officeDocument/2006/relationships">
+<p:sld xmlns:a="http://schemas.openxmlformats.org/drawingml/2006/main" xmlns:r="http://schemas.openxmlformats.org/officeDocument/2006/relationships" xmlns:p="http://schemas.openxmlformats.org/presentationml/2006/main">
   <p:cSld>
     <p:spTree>
       <p:nvGrpSpPr>
@@ -3397,7 +6408,14 @@
         <p:cNvGrpSpPr/>
         <p:nvPr/>
       </p:nvGrpSpPr>
-      <p:grpSpPr/>
+      <p:grpSpPr>
+        <a:xfrm>
+          <a:off x="0" y="0"/>
+          <a:ext cx="0" cy="0"/>
+          <a:chOff x="0" y="0"/>
+          <a:chExt cx="0" cy="0"/>
+        </a:xfrm>
+      </p:grpSpPr>
       <p:sp>
         <p:nvSpPr>
           <p:cNvPr id="2" name="Title 1"/>
@@ -3431,9 +6449,13 @@
         </p:nvSpPr>
         <p:spPr/>
         <p:txBody>
-          <a:bodyPr/>
-          <a:lstStyle/>
-          <a:p/>
+          <a:bodyPr>
+            <a:normAutofit fontScale="92500" lnSpcReduction="10000"/>
+          </a:bodyPr>
+          <a:lstStyle/>
+          <a:p>
+            <a:endParaRPr/>
+          </a:p>
           <a:p>
             <a:r>
               <a:t>- Attributes are variables that belong to an object.</a:t>
@@ -3479,7 +6501,9 @@
               <a:t>          print("Woof!")</a:t>
             </a:r>
           </a:p>
-          <a:p/>
+          <a:p>
+            <a:endParaRPr/>
+          </a:p>
         </p:txBody>
       </p:sp>
     </p:spTree>
@@ -3491,7 +6515,7 @@
 </file>
 
 <file path=ppt/slides/slide5.xml><?xml version="1.0" encoding="utf-8"?>
-<p:sld xmlns:a="http://schemas.openxmlformats.org/drawingml/2006/main" xmlns:p="http://schemas.openxmlformats.org/presentationml/2006/main" xmlns:r="http://schemas.openxmlformats.org/officeDocument/2006/relationships">
+<p:sld xmlns:a="http://schemas.openxmlformats.org/drawingml/2006/main" xmlns:r="http://schemas.openxmlformats.org/officeDocument/2006/relationships" xmlns:p="http://schemas.openxmlformats.org/presentationml/2006/main">
   <p:cSld>
     <p:spTree>
       <p:nvGrpSpPr>
@@ -3499,7 +6523,14 @@
         <p:cNvGrpSpPr/>
         <p:nvPr/>
       </p:nvGrpSpPr>
-      <p:grpSpPr/>
+      <p:grpSpPr>
+        <a:xfrm>
+          <a:off x="0" y="0"/>
+          <a:ext cx="0" cy="0"/>
+          <a:chOff x="0" y="0"/>
+          <a:chExt cx="0" cy="0"/>
+        </a:xfrm>
+      </p:grpSpPr>
       <p:sp>
         <p:nvSpPr>
           <p:cNvPr id="2" name="Title 1"/>
@@ -3533,9 +6564,13 @@
         </p:nvSpPr>
         <p:spPr/>
         <p:txBody>
-          <a:bodyPr/>
-          <a:lstStyle/>
-          <a:p/>
+          <a:bodyPr>
+            <a:normAutofit fontScale="70000" lnSpcReduction="20000"/>
+          </a:bodyPr>
+          <a:lstStyle/>
+          <a:p>
+            <a:endParaRPr/>
+          </a:p>
           <a:p>
             <a:r>
               <a:t>- Inheritance allows a class to inherit attributes and methods from another class.</a:t>
@@ -3591,7 +6626,9 @@
               <a:t>  my_dog.bark()</a:t>
             </a:r>
           </a:p>
-          <a:p/>
+          <a:p>
+            <a:endParaRPr/>
+          </a:p>
         </p:txBody>
       </p:sp>
     </p:spTree>
@@ -3603,7 +6640,7 @@
 </file>
 
 <file path=ppt/slides/slide6.xml><?xml version="1.0" encoding="utf-8"?>
-<p:sld xmlns:a="http://schemas.openxmlformats.org/drawingml/2006/main" xmlns:p="http://schemas.openxmlformats.org/presentationml/2006/main" xmlns:r="http://schemas.openxmlformats.org/officeDocument/2006/relationships">
+<p:sld xmlns:a="http://schemas.openxmlformats.org/drawingml/2006/main" xmlns:r="http://schemas.openxmlformats.org/officeDocument/2006/relationships" xmlns:p="http://schemas.openxmlformats.org/presentationml/2006/main">
   <p:cSld>
     <p:spTree>
       <p:nvGrpSpPr>
@@ -3611,7 +6648,14 @@
         <p:cNvGrpSpPr/>
         <p:nvPr/>
       </p:nvGrpSpPr>
-      <p:grpSpPr/>
+      <p:grpSpPr>
+        <a:xfrm>
+          <a:off x="0" y="0"/>
+          <a:ext cx="0" cy="0"/>
+          <a:chOff x="0" y="0"/>
+          <a:chExt cx="0" cy="0"/>
+        </a:xfrm>
+      </p:grpSpPr>
       <p:sp>
         <p:nvSpPr>
           <p:cNvPr id="2" name="Title 1"/>
@@ -3645,9 +6689,13 @@
         </p:nvSpPr>
         <p:spPr/>
         <p:txBody>
-          <a:bodyPr/>
-          <a:lstStyle/>
-          <a:p/>
+          <a:bodyPr>
+            <a:normAutofit fontScale="70000" lnSpcReduction="20000"/>
+          </a:bodyPr>
+          <a:lstStyle/>
+          <a:p>
+            <a:endParaRPr/>
+          </a:p>
           <a:p>
             <a:r>
               <a:t>- Polymorphism allows methods to do different things based on the object it is acting upon.</a:t>
@@ -3703,7 +6751,9 @@
               <a:t>      print(animal.speak())</a:t>
             </a:r>
           </a:p>
-          <a:p/>
+          <a:p>
+            <a:endParaRPr/>
+          </a:p>
         </p:txBody>
       </p:sp>
     </p:spTree>
@@ -3715,7 +6765,7 @@
 </file>
 
 <file path=ppt/slides/slide7.xml><?xml version="1.0" encoding="utf-8"?>
-<p:sld xmlns:a="http://schemas.openxmlformats.org/drawingml/2006/main" xmlns:p="http://schemas.openxmlformats.org/presentationml/2006/main" xmlns:r="http://schemas.openxmlformats.org/officeDocument/2006/relationships">
+<p:sld xmlns:a="http://schemas.openxmlformats.org/drawingml/2006/main" xmlns:r="http://schemas.openxmlformats.org/officeDocument/2006/relationships" xmlns:p="http://schemas.openxmlformats.org/presentationml/2006/main">
   <p:cSld>
     <p:spTree>
       <p:nvGrpSpPr>
@@ -3723,7 +6773,14 @@
         <p:cNvGrpSpPr/>
         <p:nvPr/>
       </p:nvGrpSpPr>
-      <p:grpSpPr/>
+      <p:grpSpPr>
+        <a:xfrm>
+          <a:off x="0" y="0"/>
+          <a:ext cx="0" cy="0"/>
+          <a:chOff x="0" y="0"/>
+          <a:chExt cx="0" cy="0"/>
+        </a:xfrm>
+      </p:grpSpPr>
       <p:sp>
         <p:nvSpPr>
           <p:cNvPr id="2" name="Title 1"/>
@@ -3757,9 +6814,13 @@
         </p:nvSpPr>
         <p:spPr/>
         <p:txBody>
-          <a:bodyPr/>
-          <a:lstStyle/>
-          <a:p/>
+          <a:bodyPr>
+            <a:normAutofit fontScale="70000" lnSpcReduction="20000"/>
+          </a:bodyPr>
+          <a:lstStyle/>
+          <a:p>
+            <a:endParaRPr/>
+          </a:p>
           <a:p>
             <a:r>
               <a:t>- Encapsulation is the concept of wrapping data and methods into a single unit (class).</a:t>
@@ -3815,7 +6876,9 @@
               <a:t>  print(person.get_name())</a:t>
             </a:r>
           </a:p>
-          <a:p/>
+          <a:p>
+            <a:endParaRPr/>
+          </a:p>
         </p:txBody>
       </p:sp>
     </p:spTree>
@@ -3827,7 +6890,7 @@
 </file>
 
 <file path=ppt/slides/slide8.xml><?xml version="1.0" encoding="utf-8"?>
-<p:sld xmlns:a="http://schemas.openxmlformats.org/drawingml/2006/main" xmlns:p="http://schemas.openxmlformats.org/presentationml/2006/main" xmlns:r="http://schemas.openxmlformats.org/officeDocument/2006/relationships">
+<p:sld xmlns:a="http://schemas.openxmlformats.org/drawingml/2006/main" xmlns:r="http://schemas.openxmlformats.org/officeDocument/2006/relationships" xmlns:p="http://schemas.openxmlformats.org/presentationml/2006/main">
   <p:cSld>
     <p:spTree>
       <p:nvGrpSpPr>
@@ -3835,7 +6898,14 @@
         <p:cNvGrpSpPr/>
         <p:nvPr/>
       </p:nvGrpSpPr>
-      <p:grpSpPr/>
+      <p:grpSpPr>
+        <a:xfrm>
+          <a:off x="0" y="0"/>
+          <a:ext cx="0" cy="0"/>
+          <a:chOff x="0" y="0"/>
+          <a:chExt cx="0" cy="0"/>
+        </a:xfrm>
+      </p:grpSpPr>
       <p:sp>
         <p:nvSpPr>
           <p:cNvPr id="2" name="Title 1"/>
@@ -3869,9 +6939,13 @@
         </p:nvSpPr>
         <p:spPr/>
         <p:txBody>
-          <a:bodyPr/>
-          <a:lstStyle/>
-          <a:p/>
+          <a:bodyPr>
+            <a:normAutofit fontScale="62500" lnSpcReduction="20000"/>
+          </a:bodyPr>
+          <a:lstStyle/>
+          <a:p>
+            <a:endParaRPr/>
+          </a:p>
           <a:p>
             <a:r>
               <a:t>- Abstraction is the concept of hiding the complex implementation details and showing only the necessary features.</a:t>
@@ -3937,7 +7011,9 @@
               <a:t>  print(dog.make_sound())</a:t>
             </a:r>
           </a:p>
-          <a:p/>
+          <a:p>
+            <a:endParaRPr/>
+          </a:p>
         </p:txBody>
       </p:sp>
     </p:spTree>
@@ -3949,7 +7025,7 @@
 </file>
 
 <file path=ppt/slides/slide9.xml><?xml version="1.0" encoding="utf-8"?>
-<p:sld xmlns:a="http://schemas.openxmlformats.org/drawingml/2006/main" xmlns:p="http://schemas.openxmlformats.org/presentationml/2006/main" xmlns:r="http://schemas.openxmlformats.org/officeDocument/2006/relationships">
+<p:sld xmlns:a="http://schemas.openxmlformats.org/drawingml/2006/main" xmlns:r="http://schemas.openxmlformats.org/officeDocument/2006/relationships" xmlns:p="http://schemas.openxmlformats.org/presentationml/2006/main">
   <p:cSld>
     <p:spTree>
       <p:nvGrpSpPr>
@@ -3957,7 +7033,14 @@
         <p:cNvGrpSpPr/>
         <p:nvPr/>
       </p:nvGrpSpPr>
-      <p:grpSpPr/>
+      <p:grpSpPr>
+        <a:xfrm>
+          <a:off x="0" y="0"/>
+          <a:ext cx="0" cy="0"/>
+          <a:chOff x="0" y="0"/>
+          <a:chExt cx="0" cy="0"/>
+        </a:xfrm>
+      </p:grpSpPr>
       <p:sp>
         <p:nvSpPr>
           <p:cNvPr id="2" name="Title 1"/>
@@ -3993,7 +7076,9 @@
         <p:txBody>
           <a:bodyPr/>
           <a:lstStyle/>
-          <a:p/>
+          <a:p>
+            <a:endParaRPr/>
+          </a:p>
           <a:p>
             <a:r>
               <a:t>- Modularity: Code is organized into objects.</a:t>
@@ -4014,7 +7099,9 @@
               <a:t>- Maintainability: Code is easier to manage and maintain.</a:t>
             </a:r>
           </a:p>
-          <a:p/>
+          <a:p>
+            <a:endParaRPr/>
+          </a:p>
         </p:txBody>
       </p:sp>
     </p:spTree>
@@ -4026,9 +7113,9 @@
 </file>
 
 <file path=ppt/theme/theme1.xml><?xml version="1.0" encoding="utf-8"?>
-<a:theme xmlns:a="http://schemas.openxmlformats.org/drawingml/2006/main" name="Office Theme">
+<a:theme xmlns:a="http://schemas.openxmlformats.org/drawingml/2006/main" name="Slate">
   <a:themeElements>
-    <a:clrScheme name="Office">
+    <a:clrScheme name="Slate">
       <a:dk1>
         <a:sysClr val="windowText" lastClr="000000"/>
       </a:dk1>
@@ -4036,52 +7123,52 @@
         <a:sysClr val="window" lastClr="FFFFFF"/>
       </a:lt1>
       <a:dk2>
-        <a:srgbClr val="1F497D"/>
+        <a:srgbClr val="212123"/>
       </a:dk2>
       <a:lt2>
-        <a:srgbClr val="EEECE1"/>
+        <a:srgbClr val="DADADA"/>
       </a:lt2>
       <a:accent1>
-        <a:srgbClr val="4F81BD"/>
+        <a:srgbClr val="BC451B"/>
       </a:accent1>
       <a:accent2>
-        <a:srgbClr val="C0504D"/>
+        <a:srgbClr val="D3BA68"/>
       </a:accent2>
       <a:accent3>
-        <a:srgbClr val="9BBB59"/>
+        <a:srgbClr val="BB8640"/>
       </a:accent3>
       <a:accent4>
-        <a:srgbClr val="8064A2"/>
+        <a:srgbClr val="AD9277"/>
       </a:accent4>
       <a:accent5>
-        <a:srgbClr val="4BACC6"/>
+        <a:srgbClr val="A55A43"/>
       </a:accent5>
       <a:accent6>
-        <a:srgbClr val="F79646"/>
+        <a:srgbClr val="AD9D7B"/>
       </a:accent6>
       <a:hlink>
-        <a:srgbClr val="0000FF"/>
+        <a:srgbClr val="E98052"/>
       </a:hlink>
       <a:folHlink>
-        <a:srgbClr val="800080"/>
+        <a:srgbClr val="F4B69B"/>
       </a:folHlink>
     </a:clrScheme>
-    <a:fontScheme name="Office">
+    <a:fontScheme name="Slate">
       <a:majorFont>
-        <a:latin typeface="Calibri"/>
+        <a:latin typeface="Calisto MT" panose="02040603050505030304"/>
         <a:ea typeface=""/>
         <a:cs typeface=""/>
         <a:font script="Jpan" typeface="ＭＳ Ｐゴシック"/>
-        <a:font script="Hang" typeface="맑은 고딕"/>
-        <a:font script="Hans" typeface="宋体"/>
-        <a:font script="Hant" typeface="新細明體"/>
-        <a:font script="Arab" typeface="Times New Roman"/>
-        <a:font script="Hebr" typeface="Times New Roman"/>
-        <a:font script="Thai" typeface="Angsana New"/>
+        <a:font script="Hang" typeface="돋움"/>
+        <a:font script="Hans" typeface="方正舒体"/>
+        <a:font script="Hant" typeface="微軟正黑體"/>
+        <a:font script="Arab" typeface="Arial"/>
+        <a:font script="Hebr" typeface="Arial"/>
+        <a:font script="Thai" typeface="Cordia New"/>
         <a:font script="Ethi" typeface="Nyala"/>
         <a:font script="Beng" typeface="Vrinda"/>
         <a:font script="Gujr" typeface="Shruti"/>
-        <a:font script="Khmr" typeface="MoolBoran"/>
+        <a:font script="Khmr" typeface="DaunPenh"/>
         <a:font script="Knda" typeface="Tunga"/>
         <a:font script="Guru" typeface="Raavi"/>
         <a:font script="Cans" typeface="Euphemia"/>
@@ -4098,18 +7185,18 @@
         <a:font script="Laoo" typeface="DokChampa"/>
         <a:font script="Sinh" typeface="Iskoola Pota"/>
         <a:font script="Mong" typeface="Mongolian Baiti"/>
-        <a:font script="Viet" typeface="Times New Roman"/>
+        <a:font script="Viet" typeface="Arial"/>
         <a:font script="Uigh" typeface="Microsoft Uighur"/>
         <a:font script="Geor" typeface="Sylfaen"/>
       </a:majorFont>
       <a:minorFont>
-        <a:latin typeface="Calibri"/>
+        <a:latin typeface="Calisto MT" panose="02040603050505030304"/>
         <a:ea typeface=""/>
         <a:cs typeface=""/>
         <a:font script="Jpan" typeface="ＭＳ Ｐゴシック"/>
-        <a:font script="Hang" typeface="맑은 고딕"/>
-        <a:font script="Hans" typeface="宋体"/>
-        <a:font script="Hant" typeface="新細明體"/>
+        <a:font script="Hang" typeface="돋움"/>
+        <a:font script="Hans" typeface="方正舒体"/>
+        <a:font script="Hant" typeface="微軟正黑體"/>
         <a:font script="Arab" typeface="Arial"/>
         <a:font script="Hebr" typeface="Arial"/>
         <a:font script="Thai" typeface="Cordia New"/>
@@ -4138,7 +7225,7 @@
         <a:font script="Geor" typeface="Sylfaen"/>
       </a:minorFont>
     </a:fontScheme>
-    <a:fmtScheme name="Office">
+    <a:fmtScheme name="Slate">
       <a:fillStyleLst>
         <a:solidFill>
           <a:schemeClr val="phClr"/>
@@ -4147,62 +7234,52 @@
           <a:gsLst>
             <a:gs pos="0">
               <a:schemeClr val="phClr">
-                <a:tint val="50000"/>
-                <a:satMod val="300000"/>
-              </a:schemeClr>
-            </a:gs>
-            <a:gs pos="35000">
-              <a:schemeClr val="phClr">
-                <a:tint val="37000"/>
-                <a:satMod val="300000"/>
+                <a:tint val="60000"/>
+                <a:lumMod val="110000"/>
               </a:schemeClr>
             </a:gs>
             <a:gs pos="100000">
               <a:schemeClr val="phClr">
-                <a:tint val="15000"/>
-                <a:satMod val="350000"/>
+                <a:tint val="88000"/>
               </a:schemeClr>
             </a:gs>
           </a:gsLst>
-          <a:lin ang="16200000" scaled="1"/>
+          <a:lin ang="5400000" scaled="0"/>
         </a:gradFill>
         <a:gradFill rotWithShape="1">
           <a:gsLst>
             <a:gs pos="0">
               <a:schemeClr val="phClr">
-                <a:tint val="100000"/>
-                <a:shade val="100000"/>
-                <a:satMod val="130000"/>
+                <a:tint val="96000"/>
+                <a:lumMod val="104000"/>
               </a:schemeClr>
             </a:gs>
             <a:gs pos="100000">
               <a:schemeClr val="phClr">
-                <a:tint val="50000"/>
-                <a:shade val="100000"/>
-                <a:satMod val="350000"/>
+                <a:shade val="90000"/>
+                <a:lumMod val="90000"/>
               </a:schemeClr>
             </a:gs>
           </a:gsLst>
-          <a:lin ang="16200000" scaled="0"/>
+          <a:lin ang="5400000" scaled="0"/>
         </a:gradFill>
       </a:fillStyleLst>
       <a:lnStyleLst>
-        <a:ln w="9525" cap="flat" cmpd="sng" algn="ctr">
+        <a:ln w="9525" cap="rnd" cmpd="sng" algn="ctr">
           <a:solidFill>
             <a:schemeClr val="phClr">
-              <a:shade val="95000"/>
-              <a:satMod val="105000"/>
+              <a:shade val="90000"/>
             </a:schemeClr>
           </a:solidFill>
           <a:prstDash val="solid"/>
         </a:ln>
-        <a:ln w="25400" cap="flat" cmpd="sng" algn="ctr">
+        <a:ln w="15875" cap="rnd" cmpd="sng" algn="ctr">
           <a:solidFill>
             <a:schemeClr val="phClr"/>
           </a:solidFill>
           <a:prstDash val="solid"/>
         </a:ln>
-        <a:ln w="38100" cap="flat" cmpd="sng" algn="ctr">
+        <a:ln w="25400" cap="rnd" cmpd="sng" algn="ctr">
           <a:solidFill>
             <a:schemeClr val="phClr"/>
           </a:solidFill>
@@ -4211,28 +7288,22 @@
       </a:lnStyleLst>
       <a:effectStyleLst>
         <a:effectStyle>
+          <a:effectLst/>
+        </a:effectStyle>
+        <a:effectStyle>
           <a:effectLst>
-            <a:outerShdw blurRad="40000" dist="20000" dir="5400000" rotWithShape="0">
+            <a:outerShdw blurRad="63500" dist="25400" dir="5400000" rotWithShape="0">
               <a:srgbClr val="000000">
-                <a:alpha val="38000"/>
+                <a:alpha val="60000"/>
               </a:srgbClr>
             </a:outerShdw>
           </a:effectLst>
         </a:effectStyle>
         <a:effectStyle>
           <a:effectLst>
-            <a:outerShdw blurRad="40000" dist="23000" dir="5400000" rotWithShape="0">
+            <a:outerShdw blurRad="76200" dist="38100" dir="5400000" rotWithShape="0">
               <a:srgbClr val="000000">
-                <a:alpha val="35000"/>
-              </a:srgbClr>
-            </a:outerShdw>
-          </a:effectLst>
-        </a:effectStyle>
-        <a:effectStyle>
-          <a:effectLst>
-            <a:outerShdw blurRad="40000" dist="23000" dir="5400000" rotWithShape="0">
-              <a:srgbClr val="000000">
-                <a:alpha val="35000"/>
+                <a:alpha val="75000"/>
               </a:srgbClr>
             </a:outerShdw>
           </a:effectLst>
@@ -4245,7 +7316,7 @@
             </a:lightRig>
           </a:scene3d>
           <a:sp3d>
-            <a:bevelT w="63500" h="25400"/>
+            <a:bevelT w="63500" h="25400" prst="hardEdge"/>
           </a:sp3d>
         </a:effectStyle>
       </a:effectStyleLst>
@@ -4253,94 +7324,32 @@
         <a:solidFill>
           <a:schemeClr val="phClr"/>
         </a:solidFill>
-        <a:gradFill rotWithShape="1">
-          <a:gsLst>
-            <a:gs pos="0">
+        <a:solidFill>
+          <a:schemeClr val="phClr"/>
+        </a:solidFill>
+        <a:blipFill rotWithShape="1">
+          <a:blip xmlns:r="http://schemas.openxmlformats.org/officeDocument/2006/relationships" r:embed="rId1">
+            <a:duotone>
               <a:schemeClr val="phClr">
-                <a:tint val="40000"/>
-                <a:satMod val="350000"/>
+                <a:shade val="80000"/>
+                <a:lumMod val="80000"/>
               </a:schemeClr>
-            </a:gs>
-            <a:gs pos="40000">
               <a:schemeClr val="phClr">
-                <a:tint val="45000"/>
-                <a:shade val="99000"/>
-                <a:satMod val="350000"/>
+                <a:tint val="98000"/>
               </a:schemeClr>
-            </a:gs>
-            <a:gs pos="100000">
-              <a:schemeClr val="phClr">
-                <a:shade val="20000"/>
-                <a:satMod val="255000"/>
-              </a:schemeClr>
-            </a:gs>
-          </a:gsLst>
-          <a:path path="circle">
-            <a:fillToRect l="50000" t="-80000" r="50000" b="180000"/>
-          </a:path>
-        </a:gradFill>
-        <a:gradFill rotWithShape="1">
-          <a:gsLst>
-            <a:gs pos="0">
-              <a:schemeClr val="phClr">
-                <a:tint val="80000"/>
-                <a:satMod val="300000"/>
-              </a:schemeClr>
-            </a:gs>
-            <a:gs pos="100000">
-              <a:schemeClr val="phClr">
-                <a:shade val="30000"/>
-                <a:satMod val="200000"/>
-              </a:schemeClr>
-            </a:gs>
-          </a:gsLst>
-          <a:path path="circle">
-            <a:fillToRect l="50000" t="50000" r="50000" b="50000"/>
-          </a:path>
-        </a:gradFill>
+            </a:duotone>
+          </a:blip>
+          <a:stretch/>
+        </a:blipFill>
       </a:bgFillStyleLst>
     </a:fmtScheme>
   </a:themeElements>
-  <a:objectDefaults>
-    <a:spDef>
-      <a:spPr/>
-      <a:bodyPr/>
-      <a:lstStyle/>
-      <a:style>
-        <a:lnRef idx="1">
-          <a:schemeClr val="accent1"/>
-        </a:lnRef>
-        <a:fillRef idx="3">
-          <a:schemeClr val="accent1"/>
-        </a:fillRef>
-        <a:effectRef idx="2">
-          <a:schemeClr val="accent1"/>
-        </a:effectRef>
-        <a:fontRef idx="minor">
-          <a:schemeClr val="lt1"/>
-        </a:fontRef>
-      </a:style>
-    </a:spDef>
-    <a:lnDef>
-      <a:spPr/>
-      <a:bodyPr/>
-      <a:lstStyle/>
-      <a:style>
-        <a:lnRef idx="2">
-          <a:schemeClr val="accent1"/>
-        </a:lnRef>
-        <a:fillRef idx="0">
-          <a:schemeClr val="accent1"/>
-        </a:fillRef>
-        <a:effectRef idx="1">
-          <a:schemeClr val="accent1"/>
-        </a:effectRef>
-        <a:fontRef idx="minor">
-          <a:schemeClr val="tx1"/>
-        </a:fontRef>
-      </a:style>
-    </a:lnDef>
-  </a:objectDefaults>
+  <a:objectDefaults/>
   <a:extraClrSchemeLst/>
+  <a:extLst>
+    <a:ext uri="{05A4C25C-085E-4340-85A3-A5531E510DB2}">
+      <thm15:themeFamily xmlns:thm15="http://schemas.microsoft.com/office/thememl/2012/main" name="Slate" id="{C3F70B94-7CE9-428E-ADC1-3269CC2C3385}" vid="{3F2DE9A5-64E6-437C-A389-CC4477E817E8}"/>
+    </a:ext>
+  </a:extLst>
 </a:theme>
 </file>
--- a/OOP_in_Python.pptx
+++ b/OOP_in_Python.pptx
@@ -5,16 +5,16 @@
     <p:sldMasterId id="2147483660" r:id="rId1"/>
   </p:sldMasterIdLst>
   <p:sldIdLst>
-    <p:sldId id="256" r:id="rId2"/>
-    <p:sldId id="257" r:id="rId3"/>
-    <p:sldId id="258" r:id="rId4"/>
-    <p:sldId id="259" r:id="rId5"/>
-    <p:sldId id="260" r:id="rId6"/>
-    <p:sldId id="261" r:id="rId7"/>
-    <p:sldId id="262" r:id="rId8"/>
-    <p:sldId id="263" r:id="rId9"/>
-    <p:sldId id="264" r:id="rId10"/>
-    <p:sldId id="265" r:id="rId11"/>
+    <p:sldId id="256" r:id="rId6"/>
+    <p:sldId id="257" r:id="rId7"/>
+    <p:sldId id="258" r:id="rId8"/>
+    <p:sldId id="259" r:id="rId9"/>
+    <p:sldId id="260" r:id="rId10"/>
+    <p:sldId id="261" r:id="rId11"/>
+    <p:sldId id="262" r:id="rId12"/>
+    <p:sldId id="263" r:id="rId13"/>
+    <p:sldId id="264" r:id="rId14"/>
+    <p:sldId id="265" r:id="rId15"/>
   </p:sldIdLst>
   <p:sldSz cx="9144000" cy="6858000" type="screen4x3"/>
   <p:notesSz cx="6858000" cy="9144000"/>
@@ -368,7 +368,7 @@
     </p:spTree>
     <p:extLst>
       <p:ext uri="{BB962C8B-B14F-4D97-AF65-F5344CB8AC3E}">
-        <p14:creationId xmlns:p14="http://schemas.microsoft.com/office/powerpoint/2010/main" val="3628057100"/>
+        <p14:creationId xmlns:p14="http://schemas.microsoft.com/office/powerpoint/2010/main" val="3526625290"/>
       </p:ext>
     </p:extLst>
   </p:cSld>
@@ -666,7 +666,7 @@
     </p:spTree>
     <p:extLst>
       <p:ext uri="{BB962C8B-B14F-4D97-AF65-F5344CB8AC3E}">
-        <p14:creationId xmlns:p14="http://schemas.microsoft.com/office/powerpoint/2010/main" val="3938592191"/>
+        <p14:creationId xmlns:p14="http://schemas.microsoft.com/office/powerpoint/2010/main" val="1795962534"/>
       </p:ext>
     </p:extLst>
   </p:cSld>
@@ -858,7 +858,7 @@
     </p:spTree>
     <p:extLst>
       <p:ext uri="{BB962C8B-B14F-4D97-AF65-F5344CB8AC3E}">
-        <p14:creationId xmlns:p14="http://schemas.microsoft.com/office/powerpoint/2010/main" val="2276294163"/>
+        <p14:creationId xmlns:p14="http://schemas.microsoft.com/office/powerpoint/2010/main" val="1490798351"/>
       </p:ext>
     </p:extLst>
   </p:cSld>
@@ -1351,7 +1351,7 @@
     </p:spTree>
     <p:extLst>
       <p:ext uri="{BB962C8B-B14F-4D97-AF65-F5344CB8AC3E}">
-        <p14:creationId xmlns:p14="http://schemas.microsoft.com/office/powerpoint/2010/main" val="1092227588"/>
+        <p14:creationId xmlns:p14="http://schemas.microsoft.com/office/powerpoint/2010/main" val="2370310156"/>
       </p:ext>
     </p:extLst>
   </p:cSld>
@@ -1543,7 +1543,7 @@
     </p:spTree>
     <p:extLst>
       <p:ext uri="{BB962C8B-B14F-4D97-AF65-F5344CB8AC3E}">
-        <p14:creationId xmlns:p14="http://schemas.microsoft.com/office/powerpoint/2010/main" val="805317092"/>
+        <p14:creationId xmlns:p14="http://schemas.microsoft.com/office/powerpoint/2010/main" val="2997194949"/>
       </p:ext>
     </p:extLst>
   </p:cSld>
@@ -2080,7 +2080,7 @@
     </p:spTree>
     <p:extLst>
       <p:ext uri="{BB962C8B-B14F-4D97-AF65-F5344CB8AC3E}">
-        <p14:creationId xmlns:p14="http://schemas.microsoft.com/office/powerpoint/2010/main" val="1912085416"/>
+        <p14:creationId xmlns:p14="http://schemas.microsoft.com/office/powerpoint/2010/main" val="2341365015"/>
       </p:ext>
     </p:extLst>
   </p:cSld>
@@ -2944,7 +2944,7 @@
     </p:spTree>
     <p:extLst>
       <p:ext uri="{BB962C8B-B14F-4D97-AF65-F5344CB8AC3E}">
-        <p14:creationId xmlns:p14="http://schemas.microsoft.com/office/powerpoint/2010/main" val="713592452"/>
+        <p14:creationId xmlns:p14="http://schemas.microsoft.com/office/powerpoint/2010/main" val="2336751438"/>
       </p:ext>
     </p:extLst>
   </p:cSld>
@@ -3114,7 +3114,7 @@
     </p:spTree>
     <p:extLst>
       <p:ext uri="{BB962C8B-B14F-4D97-AF65-F5344CB8AC3E}">
-        <p14:creationId xmlns:p14="http://schemas.microsoft.com/office/powerpoint/2010/main" val="2256437184"/>
+        <p14:creationId xmlns:p14="http://schemas.microsoft.com/office/powerpoint/2010/main" val="1850202786"/>
       </p:ext>
     </p:extLst>
   </p:cSld>
@@ -3298,7 +3298,7 @@
     </p:spTree>
     <p:extLst>
       <p:ext uri="{BB962C8B-B14F-4D97-AF65-F5344CB8AC3E}">
-        <p14:creationId xmlns:p14="http://schemas.microsoft.com/office/powerpoint/2010/main" val="2553404779"/>
+        <p14:creationId xmlns:p14="http://schemas.microsoft.com/office/powerpoint/2010/main" val="2110296616"/>
       </p:ext>
     </p:extLst>
   </p:cSld>
@@ -3468,7 +3468,7 @@
     </p:spTree>
     <p:extLst>
       <p:ext uri="{BB962C8B-B14F-4D97-AF65-F5344CB8AC3E}">
-        <p14:creationId xmlns:p14="http://schemas.microsoft.com/office/powerpoint/2010/main" val="97633050"/>
+        <p14:creationId xmlns:p14="http://schemas.microsoft.com/office/powerpoint/2010/main" val="1615258263"/>
       </p:ext>
     </p:extLst>
   </p:cSld>
@@ -3712,7 +3712,7 @@
     </p:spTree>
     <p:extLst>
       <p:ext uri="{BB962C8B-B14F-4D97-AF65-F5344CB8AC3E}">
-        <p14:creationId xmlns:p14="http://schemas.microsoft.com/office/powerpoint/2010/main" val="3654816576"/>
+        <p14:creationId xmlns:p14="http://schemas.microsoft.com/office/powerpoint/2010/main" val="1273760500"/>
       </p:ext>
     </p:extLst>
   </p:cSld>
@@ -3948,7 +3948,7 @@
     </p:spTree>
     <p:extLst>
       <p:ext uri="{BB962C8B-B14F-4D97-AF65-F5344CB8AC3E}">
-        <p14:creationId xmlns:p14="http://schemas.microsoft.com/office/powerpoint/2010/main" val="2286053764"/>
+        <p14:creationId xmlns:p14="http://schemas.microsoft.com/office/powerpoint/2010/main" val="4044380996"/>
       </p:ext>
     </p:extLst>
   </p:cSld>
@@ -4414,7 +4414,7 @@
     </p:spTree>
     <p:extLst>
       <p:ext uri="{BB962C8B-B14F-4D97-AF65-F5344CB8AC3E}">
-        <p14:creationId xmlns:p14="http://schemas.microsoft.com/office/powerpoint/2010/main" val="1020561129"/>
+        <p14:creationId xmlns:p14="http://schemas.microsoft.com/office/powerpoint/2010/main" val="777584383"/>
       </p:ext>
     </p:extLst>
   </p:cSld>
@@ -4532,7 +4532,7 @@
     </p:spTree>
     <p:extLst>
       <p:ext uri="{BB962C8B-B14F-4D97-AF65-F5344CB8AC3E}">
-        <p14:creationId xmlns:p14="http://schemas.microsoft.com/office/powerpoint/2010/main" val="814322980"/>
+        <p14:creationId xmlns:p14="http://schemas.microsoft.com/office/powerpoint/2010/main" val="3973786660"/>
       </p:ext>
     </p:extLst>
   </p:cSld>
@@ -4627,7 +4627,7 @@
     </p:spTree>
     <p:extLst>
       <p:ext uri="{BB962C8B-B14F-4D97-AF65-F5344CB8AC3E}">
-        <p14:creationId xmlns:p14="http://schemas.microsoft.com/office/powerpoint/2010/main" val="2924407515"/>
+        <p14:creationId xmlns:p14="http://schemas.microsoft.com/office/powerpoint/2010/main" val="1503974685"/>
       </p:ext>
     </p:extLst>
   </p:cSld>
@@ -4882,7 +4882,7 @@
     </p:spTree>
     <p:extLst>
       <p:ext uri="{BB962C8B-B14F-4D97-AF65-F5344CB8AC3E}">
-        <p14:creationId xmlns:p14="http://schemas.microsoft.com/office/powerpoint/2010/main" val="3200724403"/>
+        <p14:creationId xmlns:p14="http://schemas.microsoft.com/office/powerpoint/2010/main" val="3728422137"/>
       </p:ext>
     </p:extLst>
   </p:cSld>
@@ -5182,7 +5182,7 @@
     </p:spTree>
     <p:extLst>
       <p:ext uri="{BB962C8B-B14F-4D97-AF65-F5344CB8AC3E}">
-        <p14:creationId xmlns:p14="http://schemas.microsoft.com/office/powerpoint/2010/main" val="3345722024"/>
+        <p14:creationId xmlns:p14="http://schemas.microsoft.com/office/powerpoint/2010/main" val="2028799097"/>
       </p:ext>
     </p:extLst>
   </p:cSld>
@@ -5466,7 +5466,7 @@
     </p:spTree>
     <p:extLst>
       <p:ext uri="{BB962C8B-B14F-4D97-AF65-F5344CB8AC3E}">
-        <p14:creationId xmlns:p14="http://schemas.microsoft.com/office/powerpoint/2010/main" val="4255221085"/>
+        <p14:creationId xmlns:p14="http://schemas.microsoft.com/office/powerpoint/2010/main" val="3610921552"/>
       </p:ext>
     </p:extLst>
   </p:cSld>
@@ -6023,7 +6023,7 @@
 </file>
 
 <file path=ppt/slides/slide1.xml><?xml version="1.0" encoding="utf-8"?>
-<p:sld xmlns:a="http://schemas.openxmlformats.org/drawingml/2006/main" xmlns:r="http://schemas.openxmlformats.org/officeDocument/2006/relationships" xmlns:p="http://schemas.openxmlformats.org/presentationml/2006/main">
+<p:sld xmlns:a="http://schemas.openxmlformats.org/drawingml/2006/main" xmlns:p="http://schemas.openxmlformats.org/presentationml/2006/main" xmlns:r="http://schemas.openxmlformats.org/officeDocument/2006/relationships">
   <p:cSld>
     <p:spTree>
       <p:nvGrpSpPr>
@@ -6031,14 +6031,7 @@
         <p:cNvGrpSpPr/>
         <p:nvPr/>
       </p:nvGrpSpPr>
-      <p:grpSpPr>
-        <a:xfrm>
-          <a:off x="0" y="0"/>
-          <a:ext cx="0" cy="0"/>
-          <a:chOff x="0" y="0"/>
-          <a:chExt cx="0" cy="0"/>
-        </a:xfrm>
-      </p:grpSpPr>
+      <p:grpSpPr/>
       <p:sp>
         <p:nvSpPr>
           <p:cNvPr id="2" name="Title 1"/>
@@ -6051,9 +6044,7 @@
         </p:nvSpPr>
         <p:spPr/>
         <p:txBody>
-          <a:bodyPr>
-            <a:normAutofit fontScale="90000"/>
-          </a:bodyPr>
+          <a:bodyPr/>
           <a:lstStyle/>
           <a:p>
             <a:r>
@@ -6092,7 +6083,7 @@
 </file>
 
 <file path=ppt/slides/slide10.xml><?xml version="1.0" encoding="utf-8"?>
-<p:sld xmlns:a="http://schemas.openxmlformats.org/drawingml/2006/main" xmlns:r="http://schemas.openxmlformats.org/officeDocument/2006/relationships" xmlns:p="http://schemas.openxmlformats.org/presentationml/2006/main">
+<p:sld xmlns:a="http://schemas.openxmlformats.org/drawingml/2006/main" xmlns:p="http://schemas.openxmlformats.org/presentationml/2006/main" xmlns:r="http://schemas.openxmlformats.org/officeDocument/2006/relationships">
   <p:cSld>
     <p:spTree>
       <p:nvGrpSpPr>
@@ -6100,14 +6091,7 @@
         <p:cNvGrpSpPr/>
         <p:nvPr/>
       </p:nvGrpSpPr>
-      <p:grpSpPr>
-        <a:xfrm>
-          <a:off x="0" y="0"/>
-          <a:ext cx="0" cy="0"/>
-          <a:chOff x="0" y="0"/>
-          <a:chExt cx="0" cy="0"/>
-        </a:xfrm>
-      </p:grpSpPr>
+      <p:grpSpPr/>
       <p:sp>
         <p:nvSpPr>
           <p:cNvPr id="2" name="Title 1"/>
@@ -6143,9 +6127,7 @@
         <p:txBody>
           <a:bodyPr/>
           <a:lstStyle/>
-          <a:p>
-            <a:endParaRPr/>
-          </a:p>
+          <a:p/>
           <a:p>
             <a:r>
               <a:t>- Python is an object-oriented programming language.</a:t>
@@ -6161,9 +6143,7 @@
               <a:t>- Python's simplicity and readability make it a great choice for learning and implementing OOP.</a:t>
             </a:r>
           </a:p>
-          <a:p>
-            <a:endParaRPr/>
-          </a:p>
+          <a:p/>
         </p:txBody>
       </p:sp>
     </p:spTree>
@@ -6175,7 +6155,7 @@
 </file>
 
 <file path=ppt/slides/slide2.xml><?xml version="1.0" encoding="utf-8"?>
-<p:sld xmlns:a="http://schemas.openxmlformats.org/drawingml/2006/main" xmlns:r="http://schemas.openxmlformats.org/officeDocument/2006/relationships" xmlns:p="http://schemas.openxmlformats.org/presentationml/2006/main">
+<p:sld xmlns:a="http://schemas.openxmlformats.org/drawingml/2006/main" xmlns:p="http://schemas.openxmlformats.org/presentationml/2006/main" xmlns:r="http://schemas.openxmlformats.org/officeDocument/2006/relationships">
   <p:cSld>
     <p:spTree>
       <p:nvGrpSpPr>
@@ -6183,14 +6163,7 @@
         <p:cNvGrpSpPr/>
         <p:nvPr/>
       </p:nvGrpSpPr>
-      <p:grpSpPr>
-        <a:xfrm>
-          <a:off x="0" y="0"/>
-          <a:ext cx="0" cy="0"/>
-          <a:chOff x="0" y="0"/>
-          <a:chExt cx="0" cy="0"/>
-        </a:xfrm>
-      </p:grpSpPr>
+      <p:grpSpPr/>
       <p:sp>
         <p:nvSpPr>
           <p:cNvPr id="2" name="Title 1"/>
@@ -6203,9 +6176,7 @@
         </p:nvSpPr>
         <p:spPr/>
         <p:txBody>
-          <a:bodyPr>
-            <a:normAutofit fontScale="90000"/>
-          </a:bodyPr>
+          <a:bodyPr/>
           <a:lstStyle/>
           <a:p>
             <a:r>
@@ -6228,9 +6199,7 @@
         <p:txBody>
           <a:bodyPr/>
           <a:lstStyle/>
-          <a:p>
-            <a:endParaRPr/>
-          </a:p>
+          <a:p/>
           <a:p>
             <a:r>
               <a:t>- Object-Oriented Programming (OOP) is a programming paradigm based on the concept of objects.</a:t>
@@ -6246,9 +6215,7 @@
               <a:t>- OOP aims to implement real-world entities like inheritance, polymorphism, encapsulation, and abstraction.</a:t>
             </a:r>
           </a:p>
-          <a:p>
-            <a:endParaRPr/>
-          </a:p>
+          <a:p/>
         </p:txBody>
       </p:sp>
     </p:spTree>
@@ -6260,7 +6227,7 @@
 </file>
 
 <file path=ppt/slides/slide3.xml><?xml version="1.0" encoding="utf-8"?>
-<p:sld xmlns:a="http://schemas.openxmlformats.org/drawingml/2006/main" xmlns:r="http://schemas.openxmlformats.org/officeDocument/2006/relationships" xmlns:p="http://schemas.openxmlformats.org/presentationml/2006/main">
+<p:sld xmlns:a="http://schemas.openxmlformats.org/drawingml/2006/main" xmlns:p="http://schemas.openxmlformats.org/presentationml/2006/main" xmlns:r="http://schemas.openxmlformats.org/officeDocument/2006/relationships">
   <p:cSld>
     <p:spTree>
       <p:nvGrpSpPr>
@@ -6268,14 +6235,7 @@
         <p:cNvGrpSpPr/>
         <p:nvPr/>
       </p:nvGrpSpPr>
-      <p:grpSpPr>
-        <a:xfrm>
-          <a:off x="0" y="0"/>
-          <a:ext cx="0" cy="0"/>
-          <a:chOff x="0" y="0"/>
-          <a:chExt cx="0" cy="0"/>
-        </a:xfrm>
-      </p:grpSpPr>
+      <p:grpSpPr/>
       <p:sp>
         <p:nvSpPr>
           <p:cNvPr id="2" name="Title 1"/>
@@ -6311,84 +6271,48 @@
         <p:txBody>
           <a:bodyPr/>
           <a:lstStyle/>
-          <a:p>
-            <a:endParaRPr dirty="0"/>
-          </a:p>
-          <a:p>
-            <a:r>
-              <a:rPr dirty="0"/>
+          <a:p/>
+          <a:p>
+            <a:r>
               <a:t>- A class is a blueprint for creating objects.</a:t>
             </a:r>
           </a:p>
           <a:p>
             <a:r>
-              <a:rPr dirty="0"/>
               <a:t>- An object is an instance of a class.</a:t>
             </a:r>
           </a:p>
           <a:p>
             <a:r>
-              <a:rPr dirty="0"/>
               <a:t>- Example:</a:t>
             </a:r>
           </a:p>
           <a:p>
             <a:r>
-              <a:rPr dirty="0"/>
               <a:t>  class Dog:</a:t>
             </a:r>
           </a:p>
           <a:p>
             <a:r>
-              <a:rPr dirty="0"/>
-              <a:t>      def __</a:t>
-            </a:r>
-            <a:r>
-              <a:rPr dirty="0" err="1"/>
-              <a:t>init</a:t>
-            </a:r>
-            <a:r>
-              <a:rPr dirty="0"/>
-              <a:t>__(self, name, age):</a:t>
-            </a:r>
-          </a:p>
-          <a:p>
-            <a:r>
-              <a:rPr dirty="0"/>
+              <a:t>      def __init__(self, name, age):</a:t>
+            </a:r>
+          </a:p>
+          <a:p>
+            <a:r>
               <a:t>          self.name = name</a:t>
             </a:r>
           </a:p>
           <a:p>
             <a:r>
-              <a:rPr dirty="0"/>
-              <a:t>          </a:t>
-            </a:r>
-            <a:r>
-              <a:rPr dirty="0" err="1"/>
-              <a:t>self.age</a:t>
-            </a:r>
-            <a:r>
-              <a:rPr dirty="0"/>
-              <a:t> = age</a:t>
-            </a:r>
-          </a:p>
-          <a:p>
-            <a:r>
-              <a:rPr dirty="0"/>
-              <a:t>  </a:t>
-            </a:r>
-            <a:r>
-              <a:rPr dirty="0" err="1"/>
-              <a:t>my_dog</a:t>
-            </a:r>
-            <a:r>
-              <a:rPr dirty="0"/>
-              <a:t> = Dog("Buddy", 3)</a:t>
-            </a:r>
-          </a:p>
-          <a:p>
-            <a:endParaRPr dirty="0"/>
-          </a:p>
+              <a:t>          self.age = age</a:t>
+            </a:r>
+          </a:p>
+          <a:p>
+            <a:r>
+              <a:t>  my_dog = Dog("Buddy", 3)</a:t>
+            </a:r>
+          </a:p>
+          <a:p/>
         </p:txBody>
       </p:sp>
     </p:spTree>
@@ -6400,7 +6324,7 @@
 </file>
 
 <file path=ppt/slides/slide4.xml><?xml version="1.0" encoding="utf-8"?>
-<p:sld xmlns:a="http://schemas.openxmlformats.org/drawingml/2006/main" xmlns:r="http://schemas.openxmlformats.org/officeDocument/2006/relationships" xmlns:p="http://schemas.openxmlformats.org/presentationml/2006/main">
+<p:sld xmlns:a="http://schemas.openxmlformats.org/drawingml/2006/main" xmlns:p="http://schemas.openxmlformats.org/presentationml/2006/main" xmlns:r="http://schemas.openxmlformats.org/officeDocument/2006/relationships">
   <p:cSld>
     <p:spTree>
       <p:nvGrpSpPr>
@@ -6408,14 +6332,7 @@
         <p:cNvGrpSpPr/>
         <p:nvPr/>
       </p:nvGrpSpPr>
-      <p:grpSpPr>
-        <a:xfrm>
-          <a:off x="0" y="0"/>
-          <a:ext cx="0" cy="0"/>
-          <a:chOff x="0" y="0"/>
-          <a:chExt cx="0" cy="0"/>
-        </a:xfrm>
-      </p:grpSpPr>
+      <p:grpSpPr/>
       <p:sp>
         <p:nvSpPr>
           <p:cNvPr id="2" name="Title 1"/>
@@ -6449,13 +6366,9 @@
         </p:nvSpPr>
         <p:spPr/>
         <p:txBody>
-          <a:bodyPr>
-            <a:normAutofit fontScale="92500" lnSpcReduction="10000"/>
-          </a:bodyPr>
-          <a:lstStyle/>
-          <a:p>
-            <a:endParaRPr/>
-          </a:p>
+          <a:bodyPr/>
+          <a:lstStyle/>
+          <a:p/>
           <a:p>
             <a:r>
               <a:t>- Attributes are variables that belong to an object.</a:t>
@@ -6501,9 +6414,7 @@
               <a:t>          print("Woof!")</a:t>
             </a:r>
           </a:p>
-          <a:p>
-            <a:endParaRPr/>
-          </a:p>
+          <a:p/>
         </p:txBody>
       </p:sp>
     </p:spTree>
@@ -6515,7 +6426,7 @@
 </file>
 
 <file path=ppt/slides/slide5.xml><?xml version="1.0" encoding="utf-8"?>
-<p:sld xmlns:a="http://schemas.openxmlformats.org/drawingml/2006/main" xmlns:r="http://schemas.openxmlformats.org/officeDocument/2006/relationships" xmlns:p="http://schemas.openxmlformats.org/presentationml/2006/main">
+<p:sld xmlns:a="http://schemas.openxmlformats.org/drawingml/2006/main" xmlns:p="http://schemas.openxmlformats.org/presentationml/2006/main" xmlns:r="http://schemas.openxmlformats.org/officeDocument/2006/relationships">
   <p:cSld>
     <p:spTree>
       <p:nvGrpSpPr>
@@ -6523,14 +6434,7 @@
         <p:cNvGrpSpPr/>
         <p:nvPr/>
       </p:nvGrpSpPr>
-      <p:grpSpPr>
-        <a:xfrm>
-          <a:off x="0" y="0"/>
-          <a:ext cx="0" cy="0"/>
-          <a:chOff x="0" y="0"/>
-          <a:chExt cx="0" cy="0"/>
-        </a:xfrm>
-      </p:grpSpPr>
+      <p:grpSpPr/>
       <p:sp>
         <p:nvSpPr>
           <p:cNvPr id="2" name="Title 1"/>
@@ -6564,13 +6468,9 @@
         </p:nvSpPr>
         <p:spPr/>
         <p:txBody>
-          <a:bodyPr>
-            <a:normAutofit fontScale="70000" lnSpcReduction="20000"/>
-          </a:bodyPr>
-          <a:lstStyle/>
-          <a:p>
-            <a:endParaRPr/>
-          </a:p>
+          <a:bodyPr/>
+          <a:lstStyle/>
+          <a:p/>
           <a:p>
             <a:r>
               <a:t>- Inheritance allows a class to inherit attributes and methods from another class.</a:t>
@@ -6626,9 +6526,7 @@
               <a:t>  my_dog.bark()</a:t>
             </a:r>
           </a:p>
-          <a:p>
-            <a:endParaRPr/>
-          </a:p>
+          <a:p/>
         </p:txBody>
       </p:sp>
     </p:spTree>
@@ -6640,7 +6538,7 @@
 </file>
 
 <file path=ppt/slides/slide6.xml><?xml version="1.0" encoding="utf-8"?>
-<p:sld xmlns:a="http://schemas.openxmlformats.org/drawingml/2006/main" xmlns:r="http://schemas.openxmlformats.org/officeDocument/2006/relationships" xmlns:p="http://schemas.openxmlformats.org/presentationml/2006/main">
+<p:sld xmlns:a="http://schemas.openxmlformats.org/drawingml/2006/main" xmlns:p="http://schemas.openxmlformats.org/presentationml/2006/main" xmlns:r="http://schemas.openxmlformats.org/officeDocument/2006/relationships">
   <p:cSld>
     <p:spTree>
       <p:nvGrpSpPr>
@@ -6648,14 +6546,7 @@
         <p:cNvGrpSpPr/>
         <p:nvPr/>
       </p:nvGrpSpPr>
-      <p:grpSpPr>
-        <a:xfrm>
-          <a:off x="0" y="0"/>
-          <a:ext cx="0" cy="0"/>
-          <a:chOff x="0" y="0"/>
-          <a:chExt cx="0" cy="0"/>
-        </a:xfrm>
-      </p:grpSpPr>
+      <p:grpSpPr/>
       <p:sp>
         <p:nvSpPr>
           <p:cNvPr id="2" name="Title 1"/>
@@ -6689,13 +6580,9 @@
         </p:nvSpPr>
         <p:spPr/>
         <p:txBody>
-          <a:bodyPr>
-            <a:normAutofit fontScale="70000" lnSpcReduction="20000"/>
-          </a:bodyPr>
-          <a:lstStyle/>
-          <a:p>
-            <a:endParaRPr/>
-          </a:p>
+          <a:bodyPr/>
+          <a:lstStyle/>
+          <a:p/>
           <a:p>
             <a:r>
               <a:t>- Polymorphism allows methods to do different things based on the object it is acting upon.</a:t>
@@ -6751,9 +6638,7 @@
               <a:t>      print(animal.speak())</a:t>
             </a:r>
           </a:p>
-          <a:p>
-            <a:endParaRPr/>
-          </a:p>
+          <a:p/>
         </p:txBody>
       </p:sp>
     </p:spTree>
@@ -6765,7 +6650,7 @@
 </file>
 
 <file path=ppt/slides/slide7.xml><?xml version="1.0" encoding="utf-8"?>
-<p:sld xmlns:a="http://schemas.openxmlformats.org/drawingml/2006/main" xmlns:r="http://schemas.openxmlformats.org/officeDocument/2006/relationships" xmlns:p="http://schemas.openxmlformats.org/presentationml/2006/main">
+<p:sld xmlns:a="http://schemas.openxmlformats.org/drawingml/2006/main" xmlns:p="http://schemas.openxmlformats.org/presentationml/2006/main" xmlns:r="http://schemas.openxmlformats.org/officeDocument/2006/relationships">
   <p:cSld>
     <p:spTree>
       <p:nvGrpSpPr>
@@ -6773,14 +6658,7 @@
         <p:cNvGrpSpPr/>
         <p:nvPr/>
       </p:nvGrpSpPr>
-      <p:grpSpPr>
-        <a:xfrm>
-          <a:off x="0" y="0"/>
-          <a:ext cx="0" cy="0"/>
-          <a:chOff x="0" y="0"/>
-          <a:chExt cx="0" cy="0"/>
-        </a:xfrm>
-      </p:grpSpPr>
+      <p:grpSpPr/>
       <p:sp>
         <p:nvSpPr>
           <p:cNvPr id="2" name="Title 1"/>
@@ -6814,13 +6692,9 @@
         </p:nvSpPr>
         <p:spPr/>
         <p:txBody>
-          <a:bodyPr>
-            <a:normAutofit fontScale="70000" lnSpcReduction="20000"/>
-          </a:bodyPr>
-          <a:lstStyle/>
-          <a:p>
-            <a:endParaRPr/>
-          </a:p>
+          <a:bodyPr/>
+          <a:lstStyle/>
+          <a:p/>
           <a:p>
             <a:r>
               <a:t>- Encapsulation is the concept of wrapping data and methods into a single unit (class).</a:t>
@@ -6876,9 +6750,7 @@
               <a:t>  print(person.get_name())</a:t>
             </a:r>
           </a:p>
-          <a:p>
-            <a:endParaRPr/>
-          </a:p>
+          <a:p/>
         </p:txBody>
       </p:sp>
     </p:spTree>
@@ -6890,7 +6762,7 @@
 </file>
 
 <file path=ppt/slides/slide8.xml><?xml version="1.0" encoding="utf-8"?>
-<p:sld xmlns:a="http://schemas.openxmlformats.org/drawingml/2006/main" xmlns:r="http://schemas.openxmlformats.org/officeDocument/2006/relationships" xmlns:p="http://schemas.openxmlformats.org/presentationml/2006/main">
+<p:sld xmlns:a="http://schemas.openxmlformats.org/drawingml/2006/main" xmlns:p="http://schemas.openxmlformats.org/presentationml/2006/main" xmlns:r="http://schemas.openxmlformats.org/officeDocument/2006/relationships">
   <p:cSld>
     <p:spTree>
       <p:nvGrpSpPr>
@@ -6898,14 +6770,7 @@
         <p:cNvGrpSpPr/>
         <p:nvPr/>
       </p:nvGrpSpPr>
-      <p:grpSpPr>
-        <a:xfrm>
-          <a:off x="0" y="0"/>
-          <a:ext cx="0" cy="0"/>
-          <a:chOff x="0" y="0"/>
-          <a:chExt cx="0" cy="0"/>
-        </a:xfrm>
-      </p:grpSpPr>
+      <p:grpSpPr/>
       <p:sp>
         <p:nvSpPr>
           <p:cNvPr id="2" name="Title 1"/>
@@ -6939,13 +6804,9 @@
         </p:nvSpPr>
         <p:spPr/>
         <p:txBody>
-          <a:bodyPr>
-            <a:normAutofit fontScale="62500" lnSpcReduction="20000"/>
-          </a:bodyPr>
-          <a:lstStyle/>
-          <a:p>
-            <a:endParaRPr/>
-          </a:p>
+          <a:bodyPr/>
+          <a:lstStyle/>
+          <a:p/>
           <a:p>
             <a:r>
               <a:t>- Abstraction is the concept of hiding the complex implementation details and showing only the necessary features.</a:t>
@@ -7011,9 +6872,7 @@
               <a:t>  print(dog.make_sound())</a:t>
             </a:r>
           </a:p>
-          <a:p>
-            <a:endParaRPr/>
-          </a:p>
+          <a:p/>
         </p:txBody>
       </p:sp>
     </p:spTree>
@@ -7025,7 +6884,7 @@
 </file>
 
 <file path=ppt/slides/slide9.xml><?xml version="1.0" encoding="utf-8"?>
-<p:sld xmlns:a="http://schemas.openxmlformats.org/drawingml/2006/main" xmlns:r="http://schemas.openxmlformats.org/officeDocument/2006/relationships" xmlns:p="http://schemas.openxmlformats.org/presentationml/2006/main">
+<p:sld xmlns:a="http://schemas.openxmlformats.org/drawingml/2006/main" xmlns:p="http://schemas.openxmlformats.org/presentationml/2006/main" xmlns:r="http://schemas.openxmlformats.org/officeDocument/2006/relationships">
   <p:cSld>
     <p:spTree>
       <p:nvGrpSpPr>
@@ -7033,14 +6892,7 @@
         <p:cNvGrpSpPr/>
         <p:nvPr/>
       </p:nvGrpSpPr>
-      <p:grpSpPr>
-        <a:xfrm>
-          <a:off x="0" y="0"/>
-          <a:ext cx="0" cy="0"/>
-          <a:chOff x="0" y="0"/>
-          <a:chExt cx="0" cy="0"/>
-        </a:xfrm>
-      </p:grpSpPr>
+      <p:grpSpPr/>
       <p:sp>
         <p:nvSpPr>
           <p:cNvPr id="2" name="Title 1"/>
@@ -7076,9 +6928,7 @@
         <p:txBody>
           <a:bodyPr/>
           <a:lstStyle/>
-          <a:p>
-            <a:endParaRPr/>
-          </a:p>
+          <a:p/>
           <a:p>
             <a:r>
               <a:t>- Modularity: Code is organized into objects.</a:t>
@@ -7099,9 +6949,7 @@
               <a:t>- Maintainability: Code is easier to manage and maintain.</a:t>
             </a:r>
           </a:p>
-          <a:p>
-            <a:endParaRPr/>
-          </a:p>
+          <a:p/>
         </p:txBody>
       </p:sp>
     </p:spTree>
